--- a/Защита диплома.pptx
+++ b/Защита диплома.pptx
@@ -2,7 +2,7 @@
 <file path=ppt/presentation.xml><?xml version="1.0" encoding="utf-8"?>
 <p:presentation xmlns:a="http://schemas.openxmlformats.org/drawingml/2006/main" xmlns:r="http://schemas.openxmlformats.org/officeDocument/2006/relationships" xmlns:p="http://schemas.openxmlformats.org/presentationml/2006/main" showSpecialPlsOnTitleSld="0" saveSubsetFonts="1">
   <p:sldMasterIdLst>
-    <p:sldMasterId id="2147483648" r:id="rId1"/>
+    <p:sldMasterId id="2147483815" r:id="rId1"/>
   </p:sldMasterIdLst>
   <p:notesMasterIdLst>
     <p:notesMasterId r:id="rId17"/>
@@ -28,9 +28,9 @@
   <p:notesSz cx="6858000" cy="9144000"/>
   <p:defaultTextStyle>
     <a:defPPr>
-      <a:defRPr lang="ru-RU"/>
+      <a:defRPr lang="en-US"/>
     </a:defPPr>
-    <a:lvl1pPr marL="0" algn="l" defTabSz="914400" rtl="0" eaLnBrk="1" latinLnBrk="0" hangingPunct="1">
+    <a:lvl1pPr marL="0" algn="l" defTabSz="457200" rtl="0" eaLnBrk="1" latinLnBrk="0" hangingPunct="1">
       <a:defRPr sz="1800" kern="1200">
         <a:solidFill>
           <a:schemeClr val="tx1"/>
@@ -40,7 +40,7 @@
         <a:cs typeface="+mn-cs"/>
       </a:defRPr>
     </a:lvl1pPr>
-    <a:lvl2pPr marL="457200" algn="l" defTabSz="914400" rtl="0" eaLnBrk="1" latinLnBrk="0" hangingPunct="1">
+    <a:lvl2pPr marL="457200" algn="l" defTabSz="457200" rtl="0" eaLnBrk="1" latinLnBrk="0" hangingPunct="1">
       <a:defRPr sz="1800" kern="1200">
         <a:solidFill>
           <a:schemeClr val="tx1"/>
@@ -50,7 +50,7 @@
         <a:cs typeface="+mn-cs"/>
       </a:defRPr>
     </a:lvl2pPr>
-    <a:lvl3pPr marL="914400" algn="l" defTabSz="914400" rtl="0" eaLnBrk="1" latinLnBrk="0" hangingPunct="1">
+    <a:lvl3pPr marL="914400" algn="l" defTabSz="457200" rtl="0" eaLnBrk="1" latinLnBrk="0" hangingPunct="1">
       <a:defRPr sz="1800" kern="1200">
         <a:solidFill>
           <a:schemeClr val="tx1"/>
@@ -60,7 +60,7 @@
         <a:cs typeface="+mn-cs"/>
       </a:defRPr>
     </a:lvl3pPr>
-    <a:lvl4pPr marL="1371600" algn="l" defTabSz="914400" rtl="0" eaLnBrk="1" latinLnBrk="0" hangingPunct="1">
+    <a:lvl4pPr marL="1371600" algn="l" defTabSz="457200" rtl="0" eaLnBrk="1" latinLnBrk="0" hangingPunct="1">
       <a:defRPr sz="1800" kern="1200">
         <a:solidFill>
           <a:schemeClr val="tx1"/>
@@ -70,7 +70,7 @@
         <a:cs typeface="+mn-cs"/>
       </a:defRPr>
     </a:lvl4pPr>
-    <a:lvl5pPr marL="1828800" algn="l" defTabSz="914400" rtl="0" eaLnBrk="1" latinLnBrk="0" hangingPunct="1">
+    <a:lvl5pPr marL="1828800" algn="l" defTabSz="457200" rtl="0" eaLnBrk="1" latinLnBrk="0" hangingPunct="1">
       <a:defRPr sz="1800" kern="1200">
         <a:solidFill>
           <a:schemeClr val="tx1"/>
@@ -80,7 +80,7 @@
         <a:cs typeface="+mn-cs"/>
       </a:defRPr>
     </a:lvl5pPr>
-    <a:lvl6pPr marL="2286000" algn="l" defTabSz="914400" rtl="0" eaLnBrk="1" latinLnBrk="0" hangingPunct="1">
+    <a:lvl6pPr marL="2286000" algn="l" defTabSz="457200" rtl="0" eaLnBrk="1" latinLnBrk="0" hangingPunct="1">
       <a:defRPr sz="1800" kern="1200">
         <a:solidFill>
           <a:schemeClr val="tx1"/>
@@ -90,7 +90,7 @@
         <a:cs typeface="+mn-cs"/>
       </a:defRPr>
     </a:lvl6pPr>
-    <a:lvl7pPr marL="2743200" algn="l" defTabSz="914400" rtl="0" eaLnBrk="1" latinLnBrk="0" hangingPunct="1">
+    <a:lvl7pPr marL="2743200" algn="l" defTabSz="457200" rtl="0" eaLnBrk="1" latinLnBrk="0" hangingPunct="1">
       <a:defRPr sz="1800" kern="1200">
         <a:solidFill>
           <a:schemeClr val="tx1"/>
@@ -100,7 +100,7 @@
         <a:cs typeface="+mn-cs"/>
       </a:defRPr>
     </a:lvl7pPr>
-    <a:lvl8pPr marL="3200400" algn="l" defTabSz="914400" rtl="0" eaLnBrk="1" latinLnBrk="0" hangingPunct="1">
+    <a:lvl8pPr marL="3200400" algn="l" defTabSz="457200" rtl="0" eaLnBrk="1" latinLnBrk="0" hangingPunct="1">
       <a:defRPr sz="1800" kern="1200">
         <a:solidFill>
           <a:schemeClr val="tx1"/>
@@ -110,7 +110,7 @@
         <a:cs typeface="+mn-cs"/>
       </a:defRPr>
     </a:lvl8pPr>
-    <a:lvl9pPr marL="3657600" algn="l" defTabSz="914400" rtl="0" eaLnBrk="1" latinLnBrk="0" hangingPunct="1">
+    <a:lvl9pPr marL="3657600" algn="l" defTabSz="457200" rtl="0" eaLnBrk="1" latinLnBrk="0" hangingPunct="1">
       <a:defRPr sz="1800" kern="1200">
         <a:solidFill>
           <a:schemeClr val="tx1"/>
@@ -211,7 +211,7 @@
           <a:p>
             <a:fld id="{9EDFE75E-8D38-4DD7-A62C-3C9EA4EC769F}" type="datetimeFigureOut">
               <a:rPr lang="ru-RU" smtClean="0"/>
-              <a:t>22.06.2020</a:t>
+              <a:t>23.06.2020</a:t>
             </a:fld>
             <a:endParaRPr lang="ru-RU"/>
           </a:p>
@@ -750,7 +750,7 @@
       </p:grpSpPr>
       <p:sp>
         <p:nvSpPr>
-          <p:cNvPr id="2" name="Заголовок 1"/>
+          <p:cNvPr id="2" name="Title 1"/>
           <p:cNvSpPr>
             <a:spLocks noGrp="1"/>
           </p:cNvSpPr>
@@ -760,15 +760,17 @@
         </p:nvSpPr>
         <p:spPr>
           <a:xfrm>
-            <a:off x="1524000" y="1122363"/>
-            <a:ext cx="9144000" cy="2387600"/>
+            <a:off x="1595269" y="1122363"/>
+            <a:ext cx="9001462" cy="2387600"/>
           </a:xfrm>
         </p:spPr>
         <p:txBody>
-          <a:bodyPr anchor="b"/>
+          <a:bodyPr anchor="b">
+            <a:normAutofit/>
+          </a:bodyPr>
           <a:lstStyle>
             <a:lvl1pPr algn="ctr">
-              <a:defRPr sz="6000"/>
+              <a:defRPr sz="4800"/>
             </a:lvl1pPr>
           </a:lstStyle>
           <a:p>
@@ -776,13 +778,13 @@
               <a:rPr lang="ru-RU" smtClean="0"/>
               <a:t>Образец заголовка</a:t>
             </a:r>
-            <a:endParaRPr lang="ru-RU"/>
-          </a:p>
-        </p:txBody>
-      </p:sp>
-      <p:sp>
-        <p:nvSpPr>
-          <p:cNvPr id="3" name="Подзаголовок 2"/>
+            <a:endParaRPr lang="en-US" dirty="0"/>
+          </a:p>
+        </p:txBody>
+      </p:sp>
+      <p:sp>
+        <p:nvSpPr>
+          <p:cNvPr id="3" name="Subtitle 2"/>
           <p:cNvSpPr>
             <a:spLocks noGrp="1"/>
           </p:cNvSpPr>
@@ -792,8 +794,8 @@
         </p:nvSpPr>
         <p:spPr>
           <a:xfrm>
-            <a:off x="1524000" y="3602038"/>
-            <a:ext cx="9144000" cy="1655762"/>
+            <a:off x="1595269" y="3602038"/>
+            <a:ext cx="9001462" cy="1655762"/>
           </a:xfrm>
         </p:spPr>
         <p:txBody>
@@ -841,13 +843,13 @@
               <a:rPr lang="ru-RU" smtClean="0"/>
               <a:t>Образец подзаголовка</a:t>
             </a:r>
-            <a:endParaRPr lang="ru-RU"/>
-          </a:p>
-        </p:txBody>
-      </p:sp>
-      <p:sp>
-        <p:nvSpPr>
-          <p:cNvPr id="4" name="Дата 3"/>
+            <a:endParaRPr lang="en-US" dirty="0"/>
+          </a:p>
+        </p:txBody>
+      </p:sp>
+      <p:sp>
+        <p:nvSpPr>
+          <p:cNvPr id="4" name="Date Placeholder 3"/>
           <p:cNvSpPr>
             <a:spLocks noGrp="1"/>
           </p:cNvSpPr>
@@ -862,7 +864,7 @@
           <a:p>
             <a:fld id="{1619E026-CB69-43DD-8AE9-646711799186}" type="datetime1">
               <a:rPr lang="ru-RU" smtClean="0"/>
-              <a:t>22.06.2020</a:t>
+              <a:t>23.06.2020</a:t>
             </a:fld>
             <a:endParaRPr lang="ru-RU"/>
           </a:p>
@@ -870,7 +872,7 @@
       </p:sp>
       <p:sp>
         <p:nvSpPr>
-          <p:cNvPr id="5" name="Нижний колонтитул 4"/>
+          <p:cNvPr id="5" name="Footer Placeholder 4"/>
           <p:cNvSpPr>
             <a:spLocks noGrp="1"/>
           </p:cNvSpPr>
@@ -889,7 +891,7 @@
       </p:sp>
       <p:sp>
         <p:nvSpPr>
-          <p:cNvPr id="6" name="Номер слайда 5"/>
+          <p:cNvPr id="6" name="Slide Number Placeholder 5"/>
           <p:cNvSpPr>
             <a:spLocks noGrp="1"/>
           </p:cNvSpPr>
@@ -913,7 +915,7 @@
     </p:spTree>
     <p:extLst>
       <p:ext uri="{BB962C8B-B14F-4D97-AF65-F5344CB8AC3E}">
-        <p14:creationId xmlns:p14="http://schemas.microsoft.com/office/powerpoint/2010/main" val="830842674"/>
+        <p14:creationId xmlns:p14="http://schemas.microsoft.com/office/powerpoint/2010/main" val="3609309868"/>
       </p:ext>
     </p:extLst>
   </p:cSld>
@@ -924,6 +926,2562 @@
 </file>
 
 <file path=ppt/slideLayouts/slideLayout10.xml><?xml version="1.0" encoding="utf-8"?>
+<p:sldLayout xmlns:a="http://schemas.openxmlformats.org/drawingml/2006/main" xmlns:r="http://schemas.openxmlformats.org/officeDocument/2006/relationships" xmlns:p="http://schemas.openxmlformats.org/presentationml/2006/main" preserve="1">
+  <p:cSld name="Панорамная фотография с подписью">
+    <p:spTree>
+      <p:nvGrpSpPr>
+        <p:cNvPr id="1" name=""/>
+        <p:cNvGrpSpPr/>
+        <p:nvPr/>
+      </p:nvGrpSpPr>
+      <p:grpSpPr>
+        <a:xfrm>
+          <a:off x="0" y="0"/>
+          <a:ext cx="0" cy="0"/>
+          <a:chOff x="0" y="0"/>
+          <a:chExt cx="0" cy="0"/>
+        </a:xfrm>
+      </p:grpSpPr>
+      <p:sp>
+        <p:nvSpPr>
+          <p:cNvPr id="2" name="Title 1"/>
+          <p:cNvSpPr>
+            <a:spLocks noGrp="1"/>
+          </p:cNvSpPr>
+          <p:nvPr>
+            <p:ph type="title"/>
+          </p:nvPr>
+        </p:nvSpPr>
+        <p:spPr>
+          <a:xfrm>
+            <a:off x="913806" y="4289372"/>
+            <a:ext cx="10367564" cy="819355"/>
+          </a:xfrm>
+        </p:spPr>
+        <p:txBody>
+          <a:bodyPr anchor="b">
+            <a:normAutofit/>
+          </a:bodyPr>
+          <a:lstStyle>
+            <a:lvl1pPr>
+              <a:defRPr sz="2800"/>
+            </a:lvl1pPr>
+          </a:lstStyle>
+          <a:p>
+            <a:r>
+              <a:rPr lang="ru-RU" smtClean="0"/>
+              <a:t>Образец заголовка</a:t>
+            </a:r>
+            <a:endParaRPr lang="en-US" dirty="0"/>
+          </a:p>
+        </p:txBody>
+      </p:sp>
+      <p:sp>
+        <p:nvSpPr>
+          <p:cNvPr id="3" name="Picture Placeholder 2"/>
+          <p:cNvSpPr>
+            <a:spLocks noGrp="1" noChangeAspect="1"/>
+          </p:cNvSpPr>
+          <p:nvPr>
+            <p:ph type="pic" idx="1"/>
+          </p:nvPr>
+        </p:nvSpPr>
+        <p:spPr>
+          <a:xfrm>
+            <a:off x="913806" y="621321"/>
+            <a:ext cx="10367564" cy="3379735"/>
+          </a:xfrm>
+          <a:noFill/>
+          <a:ln w="190500" cap="sq">
+            <a:solidFill>
+              <a:srgbClr val="FFFFFF"/>
+            </a:solidFill>
+            <a:miter lim="800000"/>
+          </a:ln>
+          <a:effectLst>
+            <a:outerShdw blurRad="55000" dist="18000" dir="5400000" algn="tl" rotWithShape="0">
+              <a:srgbClr val="000000">
+                <a:alpha val="40000"/>
+              </a:srgbClr>
+            </a:outerShdw>
+          </a:effectLst>
+          <a:scene3d>
+            <a:camera prst="orthographicFront"/>
+            <a:lightRig rig="twoPt" dir="t">
+              <a:rot lat="0" lon="0" rev="7200000"/>
+            </a:lightRig>
+          </a:scene3d>
+          <a:sp3d>
+            <a:bevelT w="25400" h="19050"/>
+            <a:contourClr>
+              <a:srgbClr val="FFFFFF"/>
+            </a:contourClr>
+          </a:sp3d>
+        </p:spPr>
+        <p:txBody>
+          <a:bodyPr anchor="t"/>
+          <a:lstStyle>
+            <a:lvl1pPr marL="0" indent="0" algn="ctr">
+              <a:buNone/>
+              <a:defRPr sz="3200"/>
+            </a:lvl1pPr>
+            <a:lvl2pPr marL="457200" indent="0">
+              <a:buNone/>
+              <a:defRPr sz="2800"/>
+            </a:lvl2pPr>
+            <a:lvl3pPr marL="914400" indent="0">
+              <a:buNone/>
+              <a:defRPr sz="2400"/>
+            </a:lvl3pPr>
+            <a:lvl4pPr marL="1371600" indent="0">
+              <a:buNone/>
+              <a:defRPr sz="2000"/>
+            </a:lvl4pPr>
+            <a:lvl5pPr marL="1828800" indent="0">
+              <a:buNone/>
+              <a:defRPr sz="2000"/>
+            </a:lvl5pPr>
+            <a:lvl6pPr marL="2286000" indent="0">
+              <a:buNone/>
+              <a:defRPr sz="2000"/>
+            </a:lvl6pPr>
+            <a:lvl7pPr marL="2743200" indent="0">
+              <a:buNone/>
+              <a:defRPr sz="2000"/>
+            </a:lvl7pPr>
+            <a:lvl8pPr marL="3200400" indent="0">
+              <a:buNone/>
+              <a:defRPr sz="2000"/>
+            </a:lvl8pPr>
+            <a:lvl9pPr marL="3657600" indent="0">
+              <a:buNone/>
+              <a:defRPr sz="2000"/>
+            </a:lvl9pPr>
+          </a:lstStyle>
+          <a:p>
+            <a:r>
+              <a:rPr lang="ru-RU" smtClean="0"/>
+              <a:t>Вставка рисунка</a:t>
+            </a:r>
+            <a:endParaRPr lang="en-US" dirty="0"/>
+          </a:p>
+        </p:txBody>
+      </p:sp>
+      <p:sp>
+        <p:nvSpPr>
+          <p:cNvPr id="4" name="Text Placeholder 3"/>
+          <p:cNvSpPr>
+            <a:spLocks noGrp="1"/>
+          </p:cNvSpPr>
+          <p:nvPr>
+            <p:ph type="body" sz="half" idx="2"/>
+          </p:nvPr>
+        </p:nvSpPr>
+        <p:spPr>
+          <a:xfrm>
+            <a:off x="913795" y="5108728"/>
+            <a:ext cx="10365998" cy="682472"/>
+          </a:xfrm>
+        </p:spPr>
+        <p:txBody>
+          <a:bodyPr>
+            <a:normAutofit/>
+          </a:bodyPr>
+          <a:lstStyle>
+            <a:lvl1pPr marL="0" indent="0" algn="ctr">
+              <a:buNone/>
+              <a:defRPr sz="1800"/>
+            </a:lvl1pPr>
+            <a:lvl2pPr marL="457200" indent="0">
+              <a:buNone/>
+              <a:defRPr sz="1400"/>
+            </a:lvl2pPr>
+            <a:lvl3pPr marL="914400" indent="0">
+              <a:buNone/>
+              <a:defRPr sz="1200"/>
+            </a:lvl3pPr>
+            <a:lvl4pPr marL="1371600" indent="0">
+              <a:buNone/>
+              <a:defRPr sz="1000"/>
+            </a:lvl4pPr>
+            <a:lvl5pPr marL="1828800" indent="0">
+              <a:buNone/>
+              <a:defRPr sz="1000"/>
+            </a:lvl5pPr>
+            <a:lvl6pPr marL="2286000" indent="0">
+              <a:buNone/>
+              <a:defRPr sz="1000"/>
+            </a:lvl6pPr>
+            <a:lvl7pPr marL="2743200" indent="0">
+              <a:buNone/>
+              <a:defRPr sz="1000"/>
+            </a:lvl7pPr>
+            <a:lvl8pPr marL="3200400" indent="0">
+              <a:buNone/>
+              <a:defRPr sz="1000"/>
+            </a:lvl8pPr>
+            <a:lvl9pPr marL="3657600" indent="0">
+              <a:buNone/>
+              <a:defRPr sz="1000"/>
+            </a:lvl9pPr>
+          </a:lstStyle>
+          <a:p>
+            <a:pPr lvl="0"/>
+            <a:r>
+              <a:rPr lang="ru-RU" smtClean="0"/>
+              <a:t>Образец текста</a:t>
+            </a:r>
+          </a:p>
+        </p:txBody>
+      </p:sp>
+      <p:sp>
+        <p:nvSpPr>
+          <p:cNvPr id="5" name="Date Placeholder 4"/>
+          <p:cNvSpPr>
+            <a:spLocks noGrp="1"/>
+          </p:cNvSpPr>
+          <p:nvPr>
+            <p:ph type="dt" sz="half" idx="10"/>
+          </p:nvPr>
+        </p:nvSpPr>
+        <p:spPr/>
+        <p:txBody>
+          <a:bodyPr/>
+          <a:lstStyle/>
+          <a:p>
+            <a:fld id="{73B6DABE-FE1D-45A7-BF54-84947C247836}" type="datetime1">
+              <a:rPr lang="ru-RU" smtClean="0"/>
+              <a:t>23.06.2020</a:t>
+            </a:fld>
+            <a:endParaRPr lang="ru-RU"/>
+          </a:p>
+        </p:txBody>
+      </p:sp>
+      <p:sp>
+        <p:nvSpPr>
+          <p:cNvPr id="6" name="Footer Placeholder 5"/>
+          <p:cNvSpPr>
+            <a:spLocks noGrp="1"/>
+          </p:cNvSpPr>
+          <p:nvPr>
+            <p:ph type="ftr" sz="quarter" idx="11"/>
+          </p:nvPr>
+        </p:nvSpPr>
+        <p:spPr/>
+        <p:txBody>
+          <a:bodyPr/>
+          <a:lstStyle/>
+          <a:p>
+            <a:endParaRPr lang="ru-RU"/>
+          </a:p>
+        </p:txBody>
+      </p:sp>
+      <p:sp>
+        <p:nvSpPr>
+          <p:cNvPr id="7" name="Slide Number Placeholder 6"/>
+          <p:cNvSpPr>
+            <a:spLocks noGrp="1"/>
+          </p:cNvSpPr>
+          <p:nvPr>
+            <p:ph type="sldNum" sz="quarter" idx="12"/>
+          </p:nvPr>
+        </p:nvSpPr>
+        <p:spPr/>
+        <p:txBody>
+          <a:bodyPr/>
+          <a:lstStyle/>
+          <a:p>
+            <a:fld id="{DD194C9D-7DDB-4F26-A664-84C7039047D2}" type="slidenum">
+              <a:rPr lang="ru-RU" smtClean="0"/>
+              <a:t>‹#›</a:t>
+            </a:fld>
+            <a:endParaRPr lang="ru-RU"/>
+          </a:p>
+        </p:txBody>
+      </p:sp>
+    </p:spTree>
+    <p:extLst>
+      <p:ext uri="{BB962C8B-B14F-4D97-AF65-F5344CB8AC3E}">
+        <p14:creationId xmlns:p14="http://schemas.microsoft.com/office/powerpoint/2010/main" val="3590672149"/>
+      </p:ext>
+    </p:extLst>
+  </p:cSld>
+  <p:clrMapOvr>
+    <a:masterClrMapping/>
+  </p:clrMapOvr>
+  <p:hf hdr="0" ftr="0" dt="0"/>
+</p:sldLayout>
+</file>
+
+<file path=ppt/slideLayouts/slideLayout11.xml><?xml version="1.0" encoding="utf-8"?>
+<p:sldLayout xmlns:a="http://schemas.openxmlformats.org/drawingml/2006/main" xmlns:r="http://schemas.openxmlformats.org/officeDocument/2006/relationships" xmlns:p="http://schemas.openxmlformats.org/presentationml/2006/main" preserve="1">
+  <p:cSld name="Заголовок и подпись">
+    <p:spTree>
+      <p:nvGrpSpPr>
+        <p:cNvPr id="1" name=""/>
+        <p:cNvGrpSpPr/>
+        <p:nvPr/>
+      </p:nvGrpSpPr>
+      <p:grpSpPr>
+        <a:xfrm>
+          <a:off x="0" y="0"/>
+          <a:ext cx="0" cy="0"/>
+          <a:chOff x="0" y="0"/>
+          <a:chExt cx="0" cy="0"/>
+        </a:xfrm>
+      </p:grpSpPr>
+      <p:sp>
+        <p:nvSpPr>
+          <p:cNvPr id="2" name="Title 1"/>
+          <p:cNvSpPr>
+            <a:spLocks noGrp="1"/>
+          </p:cNvSpPr>
+          <p:nvPr>
+            <p:ph type="title"/>
+          </p:nvPr>
+        </p:nvSpPr>
+        <p:spPr>
+          <a:xfrm>
+            <a:off x="913795" y="609600"/>
+            <a:ext cx="10353762" cy="3424859"/>
+          </a:xfrm>
+        </p:spPr>
+        <p:txBody>
+          <a:bodyPr anchor="ctr"/>
+          <a:lstStyle>
+            <a:lvl1pPr>
+              <a:defRPr sz="3200"/>
+            </a:lvl1pPr>
+          </a:lstStyle>
+          <a:p>
+            <a:r>
+              <a:rPr lang="ru-RU" smtClean="0"/>
+              <a:t>Образец заголовка</a:t>
+            </a:r>
+            <a:endParaRPr lang="en-US" dirty="0"/>
+          </a:p>
+        </p:txBody>
+      </p:sp>
+      <p:sp>
+        <p:nvSpPr>
+          <p:cNvPr id="4" name="Text Placeholder 3"/>
+          <p:cNvSpPr>
+            <a:spLocks noGrp="1"/>
+          </p:cNvSpPr>
+          <p:nvPr>
+            <p:ph type="body" sz="half" idx="2"/>
+          </p:nvPr>
+        </p:nvSpPr>
+        <p:spPr>
+          <a:xfrm>
+            <a:off x="913795" y="4204820"/>
+            <a:ext cx="10353761" cy="1592186"/>
+          </a:xfrm>
+        </p:spPr>
+        <p:txBody>
+          <a:bodyPr anchor="ctr"/>
+          <a:lstStyle>
+            <a:lvl1pPr marL="0" indent="0" algn="ctr">
+              <a:buNone/>
+              <a:defRPr sz="1600"/>
+            </a:lvl1pPr>
+            <a:lvl2pPr marL="457200" indent="0">
+              <a:buNone/>
+              <a:defRPr sz="1400"/>
+            </a:lvl2pPr>
+            <a:lvl3pPr marL="914400" indent="0">
+              <a:buNone/>
+              <a:defRPr sz="1200"/>
+            </a:lvl3pPr>
+            <a:lvl4pPr marL="1371600" indent="0">
+              <a:buNone/>
+              <a:defRPr sz="1000"/>
+            </a:lvl4pPr>
+            <a:lvl5pPr marL="1828800" indent="0">
+              <a:buNone/>
+              <a:defRPr sz="1000"/>
+            </a:lvl5pPr>
+            <a:lvl6pPr marL="2286000" indent="0">
+              <a:buNone/>
+              <a:defRPr sz="1000"/>
+            </a:lvl6pPr>
+            <a:lvl7pPr marL="2743200" indent="0">
+              <a:buNone/>
+              <a:defRPr sz="1000"/>
+            </a:lvl7pPr>
+            <a:lvl8pPr marL="3200400" indent="0">
+              <a:buNone/>
+              <a:defRPr sz="1000"/>
+            </a:lvl8pPr>
+            <a:lvl9pPr marL="3657600" indent="0">
+              <a:buNone/>
+              <a:defRPr sz="1000"/>
+            </a:lvl9pPr>
+          </a:lstStyle>
+          <a:p>
+            <a:pPr lvl="0"/>
+            <a:r>
+              <a:rPr lang="ru-RU" smtClean="0"/>
+              <a:t>Образец текста</a:t>
+            </a:r>
+          </a:p>
+        </p:txBody>
+      </p:sp>
+      <p:sp>
+        <p:nvSpPr>
+          <p:cNvPr id="5" name="Date Placeholder 4"/>
+          <p:cNvSpPr>
+            <a:spLocks noGrp="1"/>
+          </p:cNvSpPr>
+          <p:nvPr>
+            <p:ph type="dt" sz="half" idx="10"/>
+          </p:nvPr>
+        </p:nvSpPr>
+        <p:spPr/>
+        <p:txBody>
+          <a:bodyPr/>
+          <a:lstStyle/>
+          <a:p>
+            <a:fld id="{73B6DABE-FE1D-45A7-BF54-84947C247836}" type="datetime1">
+              <a:rPr lang="ru-RU" smtClean="0"/>
+              <a:t>23.06.2020</a:t>
+            </a:fld>
+            <a:endParaRPr lang="ru-RU"/>
+          </a:p>
+        </p:txBody>
+      </p:sp>
+      <p:sp>
+        <p:nvSpPr>
+          <p:cNvPr id="6" name="Footer Placeholder 5"/>
+          <p:cNvSpPr>
+            <a:spLocks noGrp="1"/>
+          </p:cNvSpPr>
+          <p:nvPr>
+            <p:ph type="ftr" sz="quarter" idx="11"/>
+          </p:nvPr>
+        </p:nvSpPr>
+        <p:spPr/>
+        <p:txBody>
+          <a:bodyPr/>
+          <a:lstStyle/>
+          <a:p>
+            <a:endParaRPr lang="ru-RU"/>
+          </a:p>
+        </p:txBody>
+      </p:sp>
+      <p:sp>
+        <p:nvSpPr>
+          <p:cNvPr id="7" name="Slide Number Placeholder 6"/>
+          <p:cNvSpPr>
+            <a:spLocks noGrp="1"/>
+          </p:cNvSpPr>
+          <p:nvPr>
+            <p:ph type="sldNum" sz="quarter" idx="12"/>
+          </p:nvPr>
+        </p:nvSpPr>
+        <p:spPr/>
+        <p:txBody>
+          <a:bodyPr/>
+          <a:lstStyle/>
+          <a:p>
+            <a:fld id="{DD194C9D-7DDB-4F26-A664-84C7039047D2}" type="slidenum">
+              <a:rPr lang="ru-RU" smtClean="0"/>
+              <a:t>‹#›</a:t>
+            </a:fld>
+            <a:endParaRPr lang="ru-RU"/>
+          </a:p>
+        </p:txBody>
+      </p:sp>
+    </p:spTree>
+    <p:extLst>
+      <p:ext uri="{BB962C8B-B14F-4D97-AF65-F5344CB8AC3E}">
+        <p14:creationId xmlns:p14="http://schemas.microsoft.com/office/powerpoint/2010/main" val="268622006"/>
+      </p:ext>
+    </p:extLst>
+  </p:cSld>
+  <p:clrMapOvr>
+    <a:masterClrMapping/>
+  </p:clrMapOvr>
+  <p:hf hdr="0" ftr="0" dt="0"/>
+</p:sldLayout>
+</file>
+
+<file path=ppt/slideLayouts/slideLayout12.xml><?xml version="1.0" encoding="utf-8"?>
+<p:sldLayout xmlns:a="http://schemas.openxmlformats.org/drawingml/2006/main" xmlns:r="http://schemas.openxmlformats.org/officeDocument/2006/relationships" xmlns:p="http://schemas.openxmlformats.org/presentationml/2006/main" preserve="1">
+  <p:cSld name="Цитата с подписью">
+    <p:spTree>
+      <p:nvGrpSpPr>
+        <p:cNvPr id="1" name=""/>
+        <p:cNvGrpSpPr/>
+        <p:nvPr/>
+      </p:nvGrpSpPr>
+      <p:grpSpPr>
+        <a:xfrm>
+          <a:off x="0" y="0"/>
+          <a:ext cx="0" cy="0"/>
+          <a:chOff x="0" y="0"/>
+          <a:chExt cx="0" cy="0"/>
+        </a:xfrm>
+      </p:grpSpPr>
+      <p:sp>
+        <p:nvSpPr>
+          <p:cNvPr id="2" name="Title 1"/>
+          <p:cNvSpPr>
+            <a:spLocks noGrp="1"/>
+          </p:cNvSpPr>
+          <p:nvPr>
+            <p:ph type="title"/>
+          </p:nvPr>
+        </p:nvSpPr>
+        <p:spPr>
+          <a:xfrm>
+            <a:off x="1446212" y="609600"/>
+            <a:ext cx="9302752" cy="2992904"/>
+          </a:xfrm>
+        </p:spPr>
+        <p:txBody>
+          <a:bodyPr anchor="ctr"/>
+          <a:lstStyle>
+            <a:lvl1pPr>
+              <a:defRPr sz="3200"/>
+            </a:lvl1pPr>
+          </a:lstStyle>
+          <a:p>
+            <a:r>
+              <a:rPr lang="ru-RU" smtClean="0"/>
+              <a:t>Образец заголовка</a:t>
+            </a:r>
+            <a:endParaRPr lang="en-US" dirty="0"/>
+          </a:p>
+        </p:txBody>
+      </p:sp>
+      <p:sp>
+        <p:nvSpPr>
+          <p:cNvPr id="12" name="Text Placeholder 3"/>
+          <p:cNvSpPr>
+            <a:spLocks noGrp="1"/>
+          </p:cNvSpPr>
+          <p:nvPr>
+            <p:ph type="body" sz="half" idx="13"/>
+          </p:nvPr>
+        </p:nvSpPr>
+        <p:spPr>
+          <a:xfrm>
+            <a:off x="1720644" y="3610032"/>
+            <a:ext cx="8752299" cy="426812"/>
+          </a:xfrm>
+        </p:spPr>
+        <p:txBody>
+          <a:bodyPr anchor="t">
+            <a:normAutofit/>
+          </a:bodyPr>
+          <a:lstStyle>
+            <a:lvl1pPr marL="0" indent="0" algn="r">
+              <a:buNone/>
+              <a:defRPr sz="1400"/>
+            </a:lvl1pPr>
+            <a:lvl2pPr marL="457200" indent="0">
+              <a:buNone/>
+              <a:defRPr sz="1400"/>
+            </a:lvl2pPr>
+            <a:lvl3pPr marL="914400" indent="0">
+              <a:buNone/>
+              <a:defRPr sz="1200"/>
+            </a:lvl3pPr>
+            <a:lvl4pPr marL="1371600" indent="0">
+              <a:buNone/>
+              <a:defRPr sz="1000"/>
+            </a:lvl4pPr>
+            <a:lvl5pPr marL="1828800" indent="0">
+              <a:buNone/>
+              <a:defRPr sz="1000"/>
+            </a:lvl5pPr>
+            <a:lvl6pPr marL="2286000" indent="0">
+              <a:buNone/>
+              <a:defRPr sz="1000"/>
+            </a:lvl6pPr>
+            <a:lvl7pPr marL="2743200" indent="0">
+              <a:buNone/>
+              <a:defRPr sz="1000"/>
+            </a:lvl7pPr>
+            <a:lvl8pPr marL="3200400" indent="0">
+              <a:buNone/>
+              <a:defRPr sz="1000"/>
+            </a:lvl8pPr>
+            <a:lvl9pPr marL="3657600" indent="0">
+              <a:buNone/>
+              <a:defRPr sz="1000"/>
+            </a:lvl9pPr>
+          </a:lstStyle>
+          <a:p>
+            <a:pPr lvl="0"/>
+            <a:r>
+              <a:rPr lang="ru-RU" smtClean="0"/>
+              <a:t>Образец текста</a:t>
+            </a:r>
+          </a:p>
+        </p:txBody>
+      </p:sp>
+      <p:sp>
+        <p:nvSpPr>
+          <p:cNvPr id="4" name="Text Placeholder 3"/>
+          <p:cNvSpPr>
+            <a:spLocks noGrp="1"/>
+          </p:cNvSpPr>
+          <p:nvPr>
+            <p:ph type="body" sz="half" idx="2"/>
+          </p:nvPr>
+        </p:nvSpPr>
+        <p:spPr>
+          <a:xfrm>
+            <a:off x="913794" y="4204821"/>
+            <a:ext cx="10353762" cy="1586380"/>
+          </a:xfrm>
+        </p:spPr>
+        <p:txBody>
+          <a:bodyPr anchor="ctr">
+            <a:normAutofit/>
+          </a:bodyPr>
+          <a:lstStyle>
+            <a:lvl1pPr marL="0" indent="0" algn="ctr">
+              <a:buNone/>
+              <a:defRPr sz="1600"/>
+            </a:lvl1pPr>
+            <a:lvl2pPr marL="457200" indent="0">
+              <a:buNone/>
+              <a:defRPr sz="1400"/>
+            </a:lvl2pPr>
+            <a:lvl3pPr marL="914400" indent="0">
+              <a:buNone/>
+              <a:defRPr sz="1200"/>
+            </a:lvl3pPr>
+            <a:lvl4pPr marL="1371600" indent="0">
+              <a:buNone/>
+              <a:defRPr sz="1000"/>
+            </a:lvl4pPr>
+            <a:lvl5pPr marL="1828800" indent="0">
+              <a:buNone/>
+              <a:defRPr sz="1000"/>
+            </a:lvl5pPr>
+            <a:lvl6pPr marL="2286000" indent="0">
+              <a:buNone/>
+              <a:defRPr sz="1000"/>
+            </a:lvl6pPr>
+            <a:lvl7pPr marL="2743200" indent="0">
+              <a:buNone/>
+              <a:defRPr sz="1000"/>
+            </a:lvl7pPr>
+            <a:lvl8pPr marL="3200400" indent="0">
+              <a:buNone/>
+              <a:defRPr sz="1000"/>
+            </a:lvl8pPr>
+            <a:lvl9pPr marL="3657600" indent="0">
+              <a:buNone/>
+              <a:defRPr sz="1000"/>
+            </a:lvl9pPr>
+          </a:lstStyle>
+          <a:p>
+            <a:pPr lvl="0"/>
+            <a:r>
+              <a:rPr lang="ru-RU" smtClean="0"/>
+              <a:t>Образец текста</a:t>
+            </a:r>
+          </a:p>
+        </p:txBody>
+      </p:sp>
+      <p:sp>
+        <p:nvSpPr>
+          <p:cNvPr id="5" name="Date Placeholder 4"/>
+          <p:cNvSpPr>
+            <a:spLocks noGrp="1"/>
+          </p:cNvSpPr>
+          <p:nvPr>
+            <p:ph type="dt" sz="half" idx="10"/>
+          </p:nvPr>
+        </p:nvSpPr>
+        <p:spPr/>
+        <p:txBody>
+          <a:bodyPr/>
+          <a:lstStyle/>
+          <a:p>
+            <a:fld id="{73B6DABE-FE1D-45A7-BF54-84947C247836}" type="datetime1">
+              <a:rPr lang="ru-RU" smtClean="0"/>
+              <a:t>23.06.2020</a:t>
+            </a:fld>
+            <a:endParaRPr lang="ru-RU"/>
+          </a:p>
+        </p:txBody>
+      </p:sp>
+      <p:sp>
+        <p:nvSpPr>
+          <p:cNvPr id="6" name="Footer Placeholder 5"/>
+          <p:cNvSpPr>
+            <a:spLocks noGrp="1"/>
+          </p:cNvSpPr>
+          <p:nvPr>
+            <p:ph type="ftr" sz="quarter" idx="11"/>
+          </p:nvPr>
+        </p:nvSpPr>
+        <p:spPr/>
+        <p:txBody>
+          <a:bodyPr/>
+          <a:lstStyle/>
+          <a:p>
+            <a:endParaRPr lang="ru-RU"/>
+          </a:p>
+        </p:txBody>
+      </p:sp>
+      <p:sp>
+        <p:nvSpPr>
+          <p:cNvPr id="7" name="Slide Number Placeholder 6"/>
+          <p:cNvSpPr>
+            <a:spLocks noGrp="1"/>
+          </p:cNvSpPr>
+          <p:nvPr>
+            <p:ph type="sldNum" sz="quarter" idx="12"/>
+          </p:nvPr>
+        </p:nvSpPr>
+        <p:spPr/>
+        <p:txBody>
+          <a:bodyPr/>
+          <a:lstStyle/>
+          <a:p>
+            <a:fld id="{DD194C9D-7DDB-4F26-A664-84C7039047D2}" type="slidenum">
+              <a:rPr lang="ru-RU" smtClean="0"/>
+              <a:t>‹#›</a:t>
+            </a:fld>
+            <a:endParaRPr lang="ru-RU"/>
+          </a:p>
+        </p:txBody>
+      </p:sp>
+      <p:sp>
+        <p:nvSpPr>
+          <p:cNvPr id="11" name="TextBox 10"/>
+          <p:cNvSpPr txBox="1"/>
+          <p:nvPr/>
+        </p:nvSpPr>
+        <p:spPr>
+          <a:xfrm>
+            <a:off x="836612" y="735241"/>
+            <a:ext cx="609600" cy="584776"/>
+          </a:xfrm>
+          <a:prstGeom prst="rect">
+            <a:avLst/>
+          </a:prstGeom>
+        </p:spPr>
+        <p:txBody>
+          <a:bodyPr vert="horz" lIns="91440" tIns="45720" rIns="91440" bIns="45720" rtlCol="0" anchor="ctr">
+            <a:noAutofit/>
+          </a:bodyPr>
+          <a:lstStyle>
+            <a:lvl1pPr>
+              <a:spcBef>
+                <a:spcPct val="0"/>
+              </a:spcBef>
+              <a:buNone/>
+              <a:defRPr sz="3200" b="0" cap="all">
+                <a:ln w="3175" cmpd="sng">
+                  <a:noFill/>
+                </a:ln>
+                <a:effectLst>
+                  <a:glow rad="38100">
+                    <a:schemeClr val="bg1">
+                      <a:lumMod val="65000"/>
+                      <a:lumOff val="35000"/>
+                      <a:alpha val="40000"/>
+                    </a:schemeClr>
+                  </a:glow>
+                  <a:outerShdw blurRad="28575" dist="38100" dir="14040000" algn="tl" rotWithShape="0">
+                    <a:srgbClr val="000000">
+                      <a:alpha val="25000"/>
+                    </a:srgbClr>
+                  </a:outerShdw>
+                </a:effectLst>
+              </a:defRPr>
+            </a:lvl1pPr>
+            <a:lvl2pPr>
+              <a:defRPr>
+                <a:solidFill>
+                  <a:schemeClr val="tx2"/>
+                </a:solidFill>
+              </a:defRPr>
+            </a:lvl2pPr>
+            <a:lvl3pPr>
+              <a:defRPr>
+                <a:solidFill>
+                  <a:schemeClr val="tx2"/>
+                </a:solidFill>
+              </a:defRPr>
+            </a:lvl3pPr>
+            <a:lvl4pPr>
+              <a:defRPr>
+                <a:solidFill>
+                  <a:schemeClr val="tx2"/>
+                </a:solidFill>
+              </a:defRPr>
+            </a:lvl4pPr>
+            <a:lvl5pPr>
+              <a:defRPr>
+                <a:solidFill>
+                  <a:schemeClr val="tx2"/>
+                </a:solidFill>
+              </a:defRPr>
+            </a:lvl5pPr>
+            <a:lvl6pPr>
+              <a:defRPr>
+                <a:solidFill>
+                  <a:schemeClr val="tx2"/>
+                </a:solidFill>
+              </a:defRPr>
+            </a:lvl6pPr>
+            <a:lvl7pPr>
+              <a:defRPr>
+                <a:solidFill>
+                  <a:schemeClr val="tx2"/>
+                </a:solidFill>
+              </a:defRPr>
+            </a:lvl7pPr>
+            <a:lvl8pPr>
+              <a:defRPr>
+                <a:solidFill>
+                  <a:schemeClr val="tx2"/>
+                </a:solidFill>
+              </a:defRPr>
+            </a:lvl8pPr>
+            <a:lvl9pPr>
+              <a:defRPr>
+                <a:solidFill>
+                  <a:schemeClr val="tx2"/>
+                </a:solidFill>
+              </a:defRPr>
+            </a:lvl9pPr>
+          </a:lstStyle>
+          <a:p>
+            <a:pPr lvl="0"/>
+            <a:r>
+              <a:rPr lang="en-US" sz="8000" dirty="0">
+                <a:solidFill>
+                  <a:schemeClr val="tx1"/>
+                </a:solidFill>
+                <a:effectLst/>
+              </a:rPr>
+              <a:t>“</a:t>
+            </a:r>
+          </a:p>
+        </p:txBody>
+      </p:sp>
+      <p:sp>
+        <p:nvSpPr>
+          <p:cNvPr id="13" name="TextBox 12"/>
+          <p:cNvSpPr txBox="1"/>
+          <p:nvPr/>
+        </p:nvSpPr>
+        <p:spPr>
+          <a:xfrm>
+            <a:off x="10657956" y="2972093"/>
+            <a:ext cx="609600" cy="584776"/>
+          </a:xfrm>
+          <a:prstGeom prst="rect">
+            <a:avLst/>
+          </a:prstGeom>
+        </p:spPr>
+        <p:txBody>
+          <a:bodyPr vert="horz" lIns="91440" tIns="45720" rIns="91440" bIns="45720" rtlCol="0" anchor="ctr">
+            <a:noAutofit/>
+          </a:bodyPr>
+          <a:lstStyle>
+            <a:lvl1pPr>
+              <a:spcBef>
+                <a:spcPct val="0"/>
+              </a:spcBef>
+              <a:buNone/>
+              <a:defRPr sz="3200" b="0" cap="all">
+                <a:ln w="3175" cmpd="sng">
+                  <a:noFill/>
+                </a:ln>
+                <a:effectLst>
+                  <a:glow rad="38100">
+                    <a:schemeClr val="bg1">
+                      <a:lumMod val="65000"/>
+                      <a:lumOff val="35000"/>
+                      <a:alpha val="40000"/>
+                    </a:schemeClr>
+                  </a:glow>
+                  <a:outerShdw blurRad="28575" dist="38100" dir="14040000" algn="tl" rotWithShape="0">
+                    <a:srgbClr val="000000">
+                      <a:alpha val="25000"/>
+                    </a:srgbClr>
+                  </a:outerShdw>
+                </a:effectLst>
+              </a:defRPr>
+            </a:lvl1pPr>
+            <a:lvl2pPr>
+              <a:defRPr>
+                <a:solidFill>
+                  <a:schemeClr val="tx2"/>
+                </a:solidFill>
+              </a:defRPr>
+            </a:lvl2pPr>
+            <a:lvl3pPr>
+              <a:defRPr>
+                <a:solidFill>
+                  <a:schemeClr val="tx2"/>
+                </a:solidFill>
+              </a:defRPr>
+            </a:lvl3pPr>
+            <a:lvl4pPr>
+              <a:defRPr>
+                <a:solidFill>
+                  <a:schemeClr val="tx2"/>
+                </a:solidFill>
+              </a:defRPr>
+            </a:lvl4pPr>
+            <a:lvl5pPr>
+              <a:defRPr>
+                <a:solidFill>
+                  <a:schemeClr val="tx2"/>
+                </a:solidFill>
+              </a:defRPr>
+            </a:lvl5pPr>
+            <a:lvl6pPr>
+              <a:defRPr>
+                <a:solidFill>
+                  <a:schemeClr val="tx2"/>
+                </a:solidFill>
+              </a:defRPr>
+            </a:lvl6pPr>
+            <a:lvl7pPr>
+              <a:defRPr>
+                <a:solidFill>
+                  <a:schemeClr val="tx2"/>
+                </a:solidFill>
+              </a:defRPr>
+            </a:lvl7pPr>
+            <a:lvl8pPr>
+              <a:defRPr>
+                <a:solidFill>
+                  <a:schemeClr val="tx2"/>
+                </a:solidFill>
+              </a:defRPr>
+            </a:lvl8pPr>
+            <a:lvl9pPr>
+              <a:defRPr>
+                <a:solidFill>
+                  <a:schemeClr val="tx2"/>
+                </a:solidFill>
+              </a:defRPr>
+            </a:lvl9pPr>
+          </a:lstStyle>
+          <a:p>
+            <a:pPr lvl="0" algn="r"/>
+            <a:r>
+              <a:rPr lang="en-US" sz="8000" dirty="0">
+                <a:solidFill>
+                  <a:schemeClr val="tx1"/>
+                </a:solidFill>
+                <a:effectLst/>
+              </a:rPr>
+              <a:t>”</a:t>
+            </a:r>
+          </a:p>
+        </p:txBody>
+      </p:sp>
+    </p:spTree>
+    <p:extLst>
+      <p:ext uri="{BB962C8B-B14F-4D97-AF65-F5344CB8AC3E}">
+        <p14:creationId xmlns:p14="http://schemas.microsoft.com/office/powerpoint/2010/main" val="2749440970"/>
+      </p:ext>
+    </p:extLst>
+  </p:cSld>
+  <p:clrMapOvr>
+    <a:masterClrMapping/>
+  </p:clrMapOvr>
+  <p:hf hdr="0" ftr="0" dt="0"/>
+</p:sldLayout>
+</file>
+
+<file path=ppt/slideLayouts/slideLayout13.xml><?xml version="1.0" encoding="utf-8"?>
+<p:sldLayout xmlns:a="http://schemas.openxmlformats.org/drawingml/2006/main" xmlns:r="http://schemas.openxmlformats.org/officeDocument/2006/relationships" xmlns:p="http://schemas.openxmlformats.org/presentationml/2006/main" preserve="1">
+  <p:cSld name="Карточка имени">
+    <p:spTree>
+      <p:nvGrpSpPr>
+        <p:cNvPr id="1" name=""/>
+        <p:cNvGrpSpPr/>
+        <p:nvPr/>
+      </p:nvGrpSpPr>
+      <p:grpSpPr>
+        <a:xfrm>
+          <a:off x="0" y="0"/>
+          <a:ext cx="0" cy="0"/>
+          <a:chOff x="0" y="0"/>
+          <a:chExt cx="0" cy="0"/>
+        </a:xfrm>
+      </p:grpSpPr>
+      <p:sp>
+        <p:nvSpPr>
+          <p:cNvPr id="2" name="Title 1"/>
+          <p:cNvSpPr>
+            <a:spLocks noGrp="1"/>
+          </p:cNvSpPr>
+          <p:nvPr>
+            <p:ph type="title"/>
+          </p:nvPr>
+        </p:nvSpPr>
+        <p:spPr>
+          <a:xfrm>
+            <a:off x="913806" y="2126942"/>
+            <a:ext cx="10355327" cy="2511835"/>
+          </a:xfrm>
+        </p:spPr>
+        <p:txBody>
+          <a:bodyPr anchor="b"/>
+          <a:lstStyle>
+            <a:lvl1pPr>
+              <a:defRPr sz="3200"/>
+            </a:lvl1pPr>
+          </a:lstStyle>
+          <a:p>
+            <a:r>
+              <a:rPr lang="ru-RU" smtClean="0"/>
+              <a:t>Образец заголовка</a:t>
+            </a:r>
+            <a:endParaRPr lang="en-US" dirty="0"/>
+          </a:p>
+        </p:txBody>
+      </p:sp>
+      <p:sp>
+        <p:nvSpPr>
+          <p:cNvPr id="4" name="Text Placeholder 3"/>
+          <p:cNvSpPr>
+            <a:spLocks noGrp="1"/>
+          </p:cNvSpPr>
+          <p:nvPr>
+            <p:ph type="body" sz="half" idx="2"/>
+          </p:nvPr>
+        </p:nvSpPr>
+        <p:spPr>
+          <a:xfrm>
+            <a:off x="913794" y="4650556"/>
+            <a:ext cx="10353763" cy="1140644"/>
+          </a:xfrm>
+        </p:spPr>
+        <p:txBody>
+          <a:bodyPr anchor="t"/>
+          <a:lstStyle>
+            <a:lvl1pPr marL="0" indent="0" algn="ctr">
+              <a:buNone/>
+              <a:defRPr sz="1600"/>
+            </a:lvl1pPr>
+            <a:lvl2pPr marL="457200" indent="0">
+              <a:buNone/>
+              <a:defRPr sz="1400"/>
+            </a:lvl2pPr>
+            <a:lvl3pPr marL="914400" indent="0">
+              <a:buNone/>
+              <a:defRPr sz="1200"/>
+            </a:lvl3pPr>
+            <a:lvl4pPr marL="1371600" indent="0">
+              <a:buNone/>
+              <a:defRPr sz="1000"/>
+            </a:lvl4pPr>
+            <a:lvl5pPr marL="1828800" indent="0">
+              <a:buNone/>
+              <a:defRPr sz="1000"/>
+            </a:lvl5pPr>
+            <a:lvl6pPr marL="2286000" indent="0">
+              <a:buNone/>
+              <a:defRPr sz="1000"/>
+            </a:lvl6pPr>
+            <a:lvl7pPr marL="2743200" indent="0">
+              <a:buNone/>
+              <a:defRPr sz="1000"/>
+            </a:lvl7pPr>
+            <a:lvl8pPr marL="3200400" indent="0">
+              <a:buNone/>
+              <a:defRPr sz="1000"/>
+            </a:lvl8pPr>
+            <a:lvl9pPr marL="3657600" indent="0">
+              <a:buNone/>
+              <a:defRPr sz="1000"/>
+            </a:lvl9pPr>
+          </a:lstStyle>
+          <a:p>
+            <a:pPr lvl="0"/>
+            <a:r>
+              <a:rPr lang="ru-RU" smtClean="0"/>
+              <a:t>Образец текста</a:t>
+            </a:r>
+          </a:p>
+        </p:txBody>
+      </p:sp>
+      <p:sp>
+        <p:nvSpPr>
+          <p:cNvPr id="5" name="Date Placeholder 4"/>
+          <p:cNvSpPr>
+            <a:spLocks noGrp="1"/>
+          </p:cNvSpPr>
+          <p:nvPr>
+            <p:ph type="dt" sz="half" idx="10"/>
+          </p:nvPr>
+        </p:nvSpPr>
+        <p:spPr/>
+        <p:txBody>
+          <a:bodyPr/>
+          <a:lstStyle/>
+          <a:p>
+            <a:fld id="{73B6DABE-FE1D-45A7-BF54-84947C247836}" type="datetime1">
+              <a:rPr lang="ru-RU" smtClean="0"/>
+              <a:t>23.06.2020</a:t>
+            </a:fld>
+            <a:endParaRPr lang="ru-RU"/>
+          </a:p>
+        </p:txBody>
+      </p:sp>
+      <p:sp>
+        <p:nvSpPr>
+          <p:cNvPr id="6" name="Footer Placeholder 5"/>
+          <p:cNvSpPr>
+            <a:spLocks noGrp="1"/>
+          </p:cNvSpPr>
+          <p:nvPr>
+            <p:ph type="ftr" sz="quarter" idx="11"/>
+          </p:nvPr>
+        </p:nvSpPr>
+        <p:spPr/>
+        <p:txBody>
+          <a:bodyPr/>
+          <a:lstStyle/>
+          <a:p>
+            <a:endParaRPr lang="ru-RU"/>
+          </a:p>
+        </p:txBody>
+      </p:sp>
+      <p:sp>
+        <p:nvSpPr>
+          <p:cNvPr id="7" name="Slide Number Placeholder 6"/>
+          <p:cNvSpPr>
+            <a:spLocks noGrp="1"/>
+          </p:cNvSpPr>
+          <p:nvPr>
+            <p:ph type="sldNum" sz="quarter" idx="12"/>
+          </p:nvPr>
+        </p:nvSpPr>
+        <p:spPr/>
+        <p:txBody>
+          <a:bodyPr/>
+          <a:lstStyle/>
+          <a:p>
+            <a:fld id="{DD194C9D-7DDB-4F26-A664-84C7039047D2}" type="slidenum">
+              <a:rPr lang="ru-RU" smtClean="0"/>
+              <a:t>‹#›</a:t>
+            </a:fld>
+            <a:endParaRPr lang="ru-RU"/>
+          </a:p>
+        </p:txBody>
+      </p:sp>
+    </p:spTree>
+    <p:extLst>
+      <p:ext uri="{BB962C8B-B14F-4D97-AF65-F5344CB8AC3E}">
+        <p14:creationId xmlns:p14="http://schemas.microsoft.com/office/powerpoint/2010/main" val="65978148"/>
+      </p:ext>
+    </p:extLst>
+  </p:cSld>
+  <p:clrMapOvr>
+    <a:masterClrMapping/>
+  </p:clrMapOvr>
+  <p:hf hdr="0" ftr="0" dt="0"/>
+</p:sldLayout>
+</file>
+
+<file path=ppt/slideLayouts/slideLayout14.xml><?xml version="1.0" encoding="utf-8"?>
+<p:sldLayout xmlns:a="http://schemas.openxmlformats.org/drawingml/2006/main" xmlns:r="http://schemas.openxmlformats.org/officeDocument/2006/relationships" xmlns:p="http://schemas.openxmlformats.org/presentationml/2006/main" preserve="1">
+  <p:cSld name="Три колонки">
+    <p:spTree>
+      <p:nvGrpSpPr>
+        <p:cNvPr id="1" name=""/>
+        <p:cNvGrpSpPr/>
+        <p:nvPr/>
+      </p:nvGrpSpPr>
+      <p:grpSpPr>
+        <a:xfrm>
+          <a:off x="0" y="0"/>
+          <a:ext cx="0" cy="0"/>
+          <a:chOff x="0" y="0"/>
+          <a:chExt cx="0" cy="0"/>
+        </a:xfrm>
+      </p:grpSpPr>
+      <p:sp>
+        <p:nvSpPr>
+          <p:cNvPr id="15" name="Title 1"/>
+          <p:cNvSpPr>
+            <a:spLocks noGrp="1"/>
+          </p:cNvSpPr>
+          <p:nvPr>
+            <p:ph type="title"/>
+          </p:nvPr>
+        </p:nvSpPr>
+        <p:spPr>
+          <a:xfrm>
+            <a:off x="913794" y="609600"/>
+            <a:ext cx="10353762" cy="1325563"/>
+          </a:xfrm>
+        </p:spPr>
+        <p:txBody>
+          <a:bodyPr/>
+          <a:lstStyle/>
+          <a:p>
+            <a:r>
+              <a:rPr lang="ru-RU" smtClean="0"/>
+              <a:t>Образец заголовка</a:t>
+            </a:r>
+            <a:endParaRPr lang="en-US" dirty="0"/>
+          </a:p>
+        </p:txBody>
+      </p:sp>
+      <p:sp>
+        <p:nvSpPr>
+          <p:cNvPr id="7" name="Text Placeholder 2"/>
+          <p:cNvSpPr>
+            <a:spLocks noGrp="1"/>
+          </p:cNvSpPr>
+          <p:nvPr>
+            <p:ph type="body" idx="1"/>
+          </p:nvPr>
+        </p:nvSpPr>
+        <p:spPr>
+          <a:xfrm>
+            <a:off x="913794" y="2088319"/>
+            <a:ext cx="3298956" cy="823305"/>
+          </a:xfrm>
+        </p:spPr>
+        <p:txBody>
+          <a:bodyPr anchor="b">
+            <a:noAutofit/>
+          </a:bodyPr>
+          <a:lstStyle>
+            <a:lvl1pPr marL="0" indent="0" algn="ctr">
+              <a:lnSpc>
+                <a:spcPct val="100000"/>
+              </a:lnSpc>
+              <a:buNone/>
+              <a:defRPr sz="2400" b="0">
+                <a:solidFill>
+                  <a:schemeClr val="tx1"/>
+                </a:solidFill>
+              </a:defRPr>
+            </a:lvl1pPr>
+            <a:lvl2pPr marL="457200" indent="0">
+              <a:buNone/>
+              <a:defRPr sz="2000" b="1"/>
+            </a:lvl2pPr>
+            <a:lvl3pPr marL="914400" indent="0">
+              <a:buNone/>
+              <a:defRPr sz="1800" b="1"/>
+            </a:lvl3pPr>
+            <a:lvl4pPr marL="1371600" indent="0">
+              <a:buNone/>
+              <a:defRPr sz="1600" b="1"/>
+            </a:lvl4pPr>
+            <a:lvl5pPr marL="1828800" indent="0">
+              <a:buNone/>
+              <a:defRPr sz="1600" b="1"/>
+            </a:lvl5pPr>
+            <a:lvl6pPr marL="2286000" indent="0">
+              <a:buNone/>
+              <a:defRPr sz="1600" b="1"/>
+            </a:lvl6pPr>
+            <a:lvl7pPr marL="2743200" indent="0">
+              <a:buNone/>
+              <a:defRPr sz="1600" b="1"/>
+            </a:lvl7pPr>
+            <a:lvl8pPr marL="3200400" indent="0">
+              <a:buNone/>
+              <a:defRPr sz="1600" b="1"/>
+            </a:lvl8pPr>
+            <a:lvl9pPr marL="3657600" indent="0">
+              <a:buNone/>
+              <a:defRPr sz="1600" b="1"/>
+            </a:lvl9pPr>
+          </a:lstStyle>
+          <a:p>
+            <a:pPr lvl="0"/>
+            <a:r>
+              <a:rPr lang="ru-RU" smtClean="0"/>
+              <a:t>Образец текста</a:t>
+            </a:r>
+          </a:p>
+        </p:txBody>
+      </p:sp>
+      <p:sp>
+        <p:nvSpPr>
+          <p:cNvPr id="8" name="Text Placeholder 3"/>
+          <p:cNvSpPr>
+            <a:spLocks noGrp="1"/>
+          </p:cNvSpPr>
+          <p:nvPr>
+            <p:ph type="body" sz="half" idx="15"/>
+          </p:nvPr>
+        </p:nvSpPr>
+        <p:spPr>
+          <a:xfrm>
+            <a:off x="913794" y="2911624"/>
+            <a:ext cx="3298956" cy="2879576"/>
+          </a:xfrm>
+        </p:spPr>
+        <p:txBody>
+          <a:bodyPr anchor="t">
+            <a:normAutofit/>
+          </a:bodyPr>
+          <a:lstStyle>
+            <a:lvl1pPr marL="0" indent="0" algn="ctr">
+              <a:buNone/>
+              <a:defRPr sz="1400"/>
+            </a:lvl1pPr>
+            <a:lvl2pPr marL="457200" indent="0">
+              <a:buNone/>
+              <a:defRPr sz="1200"/>
+            </a:lvl2pPr>
+            <a:lvl3pPr marL="914400" indent="0">
+              <a:buNone/>
+              <a:defRPr sz="1000"/>
+            </a:lvl3pPr>
+            <a:lvl4pPr marL="1371600" indent="0">
+              <a:buNone/>
+              <a:defRPr sz="900"/>
+            </a:lvl4pPr>
+            <a:lvl5pPr marL="1828800" indent="0">
+              <a:buNone/>
+              <a:defRPr sz="900"/>
+            </a:lvl5pPr>
+            <a:lvl6pPr marL="2286000" indent="0">
+              <a:buNone/>
+              <a:defRPr sz="900"/>
+            </a:lvl6pPr>
+            <a:lvl7pPr marL="2743200" indent="0">
+              <a:buNone/>
+              <a:defRPr sz="900"/>
+            </a:lvl7pPr>
+            <a:lvl8pPr marL="3200400" indent="0">
+              <a:buNone/>
+              <a:defRPr sz="900"/>
+            </a:lvl8pPr>
+            <a:lvl9pPr marL="3657600" indent="0">
+              <a:buNone/>
+              <a:defRPr sz="900"/>
+            </a:lvl9pPr>
+          </a:lstStyle>
+          <a:p>
+            <a:pPr lvl="0"/>
+            <a:r>
+              <a:rPr lang="ru-RU" smtClean="0"/>
+              <a:t>Образец текста</a:t>
+            </a:r>
+          </a:p>
+        </p:txBody>
+      </p:sp>
+      <p:sp>
+        <p:nvSpPr>
+          <p:cNvPr id="9" name="Text Placeholder 4"/>
+          <p:cNvSpPr>
+            <a:spLocks noGrp="1"/>
+          </p:cNvSpPr>
+          <p:nvPr>
+            <p:ph type="body" sz="quarter" idx="3"/>
+          </p:nvPr>
+        </p:nvSpPr>
+        <p:spPr>
+          <a:xfrm>
+            <a:off x="4444878" y="2088320"/>
+            <a:ext cx="3298558" cy="823304"/>
+          </a:xfrm>
+        </p:spPr>
+        <p:txBody>
+          <a:bodyPr anchor="b">
+            <a:noAutofit/>
+          </a:bodyPr>
+          <a:lstStyle>
+            <a:lvl1pPr marL="0" indent="0" algn="ctr">
+              <a:lnSpc>
+                <a:spcPct val="100000"/>
+              </a:lnSpc>
+              <a:buNone/>
+              <a:defRPr sz="2400" b="0">
+                <a:solidFill>
+                  <a:schemeClr val="tx1"/>
+                </a:solidFill>
+              </a:defRPr>
+            </a:lvl1pPr>
+            <a:lvl2pPr marL="457200" indent="0">
+              <a:buNone/>
+              <a:defRPr sz="2000" b="1"/>
+            </a:lvl2pPr>
+            <a:lvl3pPr marL="914400" indent="0">
+              <a:buNone/>
+              <a:defRPr sz="1800" b="1"/>
+            </a:lvl3pPr>
+            <a:lvl4pPr marL="1371600" indent="0">
+              <a:buNone/>
+              <a:defRPr sz="1600" b="1"/>
+            </a:lvl4pPr>
+            <a:lvl5pPr marL="1828800" indent="0">
+              <a:buNone/>
+              <a:defRPr sz="1600" b="1"/>
+            </a:lvl5pPr>
+            <a:lvl6pPr marL="2286000" indent="0">
+              <a:buNone/>
+              <a:defRPr sz="1600" b="1"/>
+            </a:lvl6pPr>
+            <a:lvl7pPr marL="2743200" indent="0">
+              <a:buNone/>
+              <a:defRPr sz="1600" b="1"/>
+            </a:lvl7pPr>
+            <a:lvl8pPr marL="3200400" indent="0">
+              <a:buNone/>
+              <a:defRPr sz="1600" b="1"/>
+            </a:lvl8pPr>
+            <a:lvl9pPr marL="3657600" indent="0">
+              <a:buNone/>
+              <a:defRPr sz="1600" b="1"/>
+            </a:lvl9pPr>
+          </a:lstStyle>
+          <a:p>
+            <a:pPr lvl="0"/>
+            <a:r>
+              <a:rPr lang="ru-RU" smtClean="0"/>
+              <a:t>Образец текста</a:t>
+            </a:r>
+          </a:p>
+        </p:txBody>
+      </p:sp>
+      <p:sp>
+        <p:nvSpPr>
+          <p:cNvPr id="10" name="Text Placeholder 3"/>
+          <p:cNvSpPr>
+            <a:spLocks noGrp="1"/>
+          </p:cNvSpPr>
+          <p:nvPr>
+            <p:ph type="body" sz="half" idx="16"/>
+          </p:nvPr>
+        </p:nvSpPr>
+        <p:spPr>
+          <a:xfrm>
+            <a:off x="4444878" y="2911624"/>
+            <a:ext cx="3299821" cy="2879576"/>
+          </a:xfrm>
+        </p:spPr>
+        <p:txBody>
+          <a:bodyPr anchor="t">
+            <a:normAutofit/>
+          </a:bodyPr>
+          <a:lstStyle>
+            <a:lvl1pPr marL="0" indent="0" algn="ctr">
+              <a:buNone/>
+              <a:defRPr sz="1400"/>
+            </a:lvl1pPr>
+            <a:lvl2pPr marL="457200" indent="0">
+              <a:buNone/>
+              <a:defRPr sz="1200"/>
+            </a:lvl2pPr>
+            <a:lvl3pPr marL="914400" indent="0">
+              <a:buNone/>
+              <a:defRPr sz="1000"/>
+            </a:lvl3pPr>
+            <a:lvl4pPr marL="1371600" indent="0">
+              <a:buNone/>
+              <a:defRPr sz="900"/>
+            </a:lvl4pPr>
+            <a:lvl5pPr marL="1828800" indent="0">
+              <a:buNone/>
+              <a:defRPr sz="900"/>
+            </a:lvl5pPr>
+            <a:lvl6pPr marL="2286000" indent="0">
+              <a:buNone/>
+              <a:defRPr sz="900"/>
+            </a:lvl6pPr>
+            <a:lvl7pPr marL="2743200" indent="0">
+              <a:buNone/>
+              <a:defRPr sz="900"/>
+            </a:lvl7pPr>
+            <a:lvl8pPr marL="3200400" indent="0">
+              <a:buNone/>
+              <a:defRPr sz="900"/>
+            </a:lvl8pPr>
+            <a:lvl9pPr marL="3657600" indent="0">
+              <a:buNone/>
+              <a:defRPr sz="900"/>
+            </a:lvl9pPr>
+          </a:lstStyle>
+          <a:p>
+            <a:pPr lvl="0"/>
+            <a:r>
+              <a:rPr lang="ru-RU" smtClean="0"/>
+              <a:t>Образец текста</a:t>
+            </a:r>
+          </a:p>
+        </p:txBody>
+      </p:sp>
+      <p:sp>
+        <p:nvSpPr>
+          <p:cNvPr id="11" name="Text Placeholder 4"/>
+          <p:cNvSpPr>
+            <a:spLocks noGrp="1"/>
+          </p:cNvSpPr>
+          <p:nvPr>
+            <p:ph type="body" sz="quarter" idx="13"/>
+          </p:nvPr>
+        </p:nvSpPr>
+        <p:spPr>
+          <a:xfrm>
+            <a:off x="7973298" y="2088320"/>
+            <a:ext cx="3291211" cy="823304"/>
+          </a:xfrm>
+        </p:spPr>
+        <p:txBody>
+          <a:bodyPr anchor="b">
+            <a:noAutofit/>
+          </a:bodyPr>
+          <a:lstStyle>
+            <a:lvl1pPr marL="0" indent="0" algn="ctr">
+              <a:lnSpc>
+                <a:spcPct val="100000"/>
+              </a:lnSpc>
+              <a:buNone/>
+              <a:defRPr sz="2400" b="0">
+                <a:solidFill>
+                  <a:schemeClr val="tx1"/>
+                </a:solidFill>
+              </a:defRPr>
+            </a:lvl1pPr>
+            <a:lvl2pPr marL="457200" indent="0">
+              <a:buNone/>
+              <a:defRPr sz="2000" b="1"/>
+            </a:lvl2pPr>
+            <a:lvl3pPr marL="914400" indent="0">
+              <a:buNone/>
+              <a:defRPr sz="1800" b="1"/>
+            </a:lvl3pPr>
+            <a:lvl4pPr marL="1371600" indent="0">
+              <a:buNone/>
+              <a:defRPr sz="1600" b="1"/>
+            </a:lvl4pPr>
+            <a:lvl5pPr marL="1828800" indent="0">
+              <a:buNone/>
+              <a:defRPr sz="1600" b="1"/>
+            </a:lvl5pPr>
+            <a:lvl6pPr marL="2286000" indent="0">
+              <a:buNone/>
+              <a:defRPr sz="1600" b="1"/>
+            </a:lvl6pPr>
+            <a:lvl7pPr marL="2743200" indent="0">
+              <a:buNone/>
+              <a:defRPr sz="1600" b="1"/>
+            </a:lvl7pPr>
+            <a:lvl8pPr marL="3200400" indent="0">
+              <a:buNone/>
+              <a:defRPr sz="1600" b="1"/>
+            </a:lvl8pPr>
+            <a:lvl9pPr marL="3657600" indent="0">
+              <a:buNone/>
+              <a:defRPr sz="1600" b="1"/>
+            </a:lvl9pPr>
+          </a:lstStyle>
+          <a:p>
+            <a:pPr lvl="0"/>
+            <a:r>
+              <a:rPr lang="ru-RU" smtClean="0"/>
+              <a:t>Образец текста</a:t>
+            </a:r>
+          </a:p>
+        </p:txBody>
+      </p:sp>
+      <p:sp>
+        <p:nvSpPr>
+          <p:cNvPr id="12" name="Text Placeholder 3"/>
+          <p:cNvSpPr>
+            <a:spLocks noGrp="1"/>
+          </p:cNvSpPr>
+          <p:nvPr>
+            <p:ph type="body" sz="half" idx="17"/>
+          </p:nvPr>
+        </p:nvSpPr>
+        <p:spPr>
+          <a:xfrm>
+            <a:off x="7976346" y="2911624"/>
+            <a:ext cx="3291211" cy="2879576"/>
+          </a:xfrm>
+        </p:spPr>
+        <p:txBody>
+          <a:bodyPr anchor="t">
+            <a:normAutofit/>
+          </a:bodyPr>
+          <a:lstStyle>
+            <a:lvl1pPr marL="0" indent="0" algn="ctr">
+              <a:buNone/>
+              <a:defRPr sz="1400"/>
+            </a:lvl1pPr>
+            <a:lvl2pPr marL="457200" indent="0">
+              <a:buNone/>
+              <a:defRPr sz="1200"/>
+            </a:lvl2pPr>
+            <a:lvl3pPr marL="914400" indent="0">
+              <a:buNone/>
+              <a:defRPr sz="1000"/>
+            </a:lvl3pPr>
+            <a:lvl4pPr marL="1371600" indent="0">
+              <a:buNone/>
+              <a:defRPr sz="900"/>
+            </a:lvl4pPr>
+            <a:lvl5pPr marL="1828800" indent="0">
+              <a:buNone/>
+              <a:defRPr sz="900"/>
+            </a:lvl5pPr>
+            <a:lvl6pPr marL="2286000" indent="0">
+              <a:buNone/>
+              <a:defRPr sz="900"/>
+            </a:lvl6pPr>
+            <a:lvl7pPr marL="2743200" indent="0">
+              <a:buNone/>
+              <a:defRPr sz="900"/>
+            </a:lvl7pPr>
+            <a:lvl8pPr marL="3200400" indent="0">
+              <a:buNone/>
+              <a:defRPr sz="900"/>
+            </a:lvl8pPr>
+            <a:lvl9pPr marL="3657600" indent="0">
+              <a:buNone/>
+              <a:defRPr sz="900"/>
+            </a:lvl9pPr>
+          </a:lstStyle>
+          <a:p>
+            <a:pPr lvl="0"/>
+            <a:r>
+              <a:rPr lang="ru-RU" smtClean="0"/>
+              <a:t>Образец текста</a:t>
+            </a:r>
+          </a:p>
+        </p:txBody>
+      </p:sp>
+      <p:sp>
+        <p:nvSpPr>
+          <p:cNvPr id="3" name="Date Placeholder 2"/>
+          <p:cNvSpPr>
+            <a:spLocks noGrp="1"/>
+          </p:cNvSpPr>
+          <p:nvPr>
+            <p:ph type="dt" sz="half" idx="10"/>
+          </p:nvPr>
+        </p:nvSpPr>
+        <p:spPr/>
+        <p:txBody>
+          <a:bodyPr/>
+          <a:lstStyle/>
+          <a:p>
+            <a:fld id="{73B6DABE-FE1D-45A7-BF54-84947C247836}" type="datetime1">
+              <a:rPr lang="ru-RU" smtClean="0"/>
+              <a:t>23.06.2020</a:t>
+            </a:fld>
+            <a:endParaRPr lang="ru-RU"/>
+          </a:p>
+        </p:txBody>
+      </p:sp>
+      <p:sp>
+        <p:nvSpPr>
+          <p:cNvPr id="4" name="Footer Placeholder 3"/>
+          <p:cNvSpPr>
+            <a:spLocks noGrp="1"/>
+          </p:cNvSpPr>
+          <p:nvPr>
+            <p:ph type="ftr" sz="quarter" idx="11"/>
+          </p:nvPr>
+        </p:nvSpPr>
+        <p:spPr/>
+        <p:txBody>
+          <a:bodyPr/>
+          <a:lstStyle/>
+          <a:p>
+            <a:endParaRPr lang="ru-RU"/>
+          </a:p>
+        </p:txBody>
+      </p:sp>
+      <p:sp>
+        <p:nvSpPr>
+          <p:cNvPr id="5" name="Slide Number Placeholder 4"/>
+          <p:cNvSpPr>
+            <a:spLocks noGrp="1"/>
+          </p:cNvSpPr>
+          <p:nvPr>
+            <p:ph type="sldNum" sz="quarter" idx="12"/>
+          </p:nvPr>
+        </p:nvSpPr>
+        <p:spPr/>
+        <p:txBody>
+          <a:bodyPr/>
+          <a:lstStyle/>
+          <a:p>
+            <a:fld id="{DD194C9D-7DDB-4F26-A664-84C7039047D2}" type="slidenum">
+              <a:rPr lang="ru-RU" smtClean="0"/>
+              <a:t>‹#›</a:t>
+            </a:fld>
+            <a:endParaRPr lang="ru-RU"/>
+          </a:p>
+        </p:txBody>
+      </p:sp>
+    </p:spTree>
+    <p:extLst>
+      <p:ext uri="{BB962C8B-B14F-4D97-AF65-F5344CB8AC3E}">
+        <p14:creationId xmlns:p14="http://schemas.microsoft.com/office/powerpoint/2010/main" val="1891209901"/>
+      </p:ext>
+    </p:extLst>
+  </p:cSld>
+  <p:clrMapOvr>
+    <a:masterClrMapping/>
+  </p:clrMapOvr>
+  <p:hf hdr="0" ftr="0" dt="0"/>
+</p:sldLayout>
+</file>
+
+<file path=ppt/slideLayouts/slideLayout15.xml><?xml version="1.0" encoding="utf-8"?>
+<p:sldLayout xmlns:a="http://schemas.openxmlformats.org/drawingml/2006/main" xmlns:r="http://schemas.openxmlformats.org/officeDocument/2006/relationships" xmlns:p="http://schemas.openxmlformats.org/presentationml/2006/main" preserve="1">
+  <p:cSld name="Столбец с тремя рисунками">
+    <p:spTree>
+      <p:nvGrpSpPr>
+        <p:cNvPr id="1" name=""/>
+        <p:cNvGrpSpPr/>
+        <p:nvPr/>
+      </p:nvGrpSpPr>
+      <p:grpSpPr>
+        <a:xfrm>
+          <a:off x="0" y="0"/>
+          <a:ext cx="0" cy="0"/>
+          <a:chOff x="0" y="0"/>
+          <a:chExt cx="0" cy="0"/>
+        </a:xfrm>
+      </p:grpSpPr>
+      <p:sp>
+        <p:nvSpPr>
+          <p:cNvPr id="30" name="Title 1"/>
+          <p:cNvSpPr>
+            <a:spLocks noGrp="1"/>
+          </p:cNvSpPr>
+          <p:nvPr>
+            <p:ph type="title"/>
+          </p:nvPr>
+        </p:nvSpPr>
+        <p:spPr>
+          <a:xfrm>
+            <a:off x="913795" y="609600"/>
+            <a:ext cx="10353762" cy="1325563"/>
+          </a:xfrm>
+        </p:spPr>
+        <p:txBody>
+          <a:bodyPr/>
+          <a:lstStyle/>
+          <a:p>
+            <a:r>
+              <a:rPr lang="ru-RU" smtClean="0"/>
+              <a:t>Образец заголовка</a:t>
+            </a:r>
+            <a:endParaRPr lang="en-US" dirty="0"/>
+          </a:p>
+        </p:txBody>
+      </p:sp>
+      <p:sp>
+        <p:nvSpPr>
+          <p:cNvPr id="19" name="Text Placeholder 2"/>
+          <p:cNvSpPr>
+            <a:spLocks noGrp="1"/>
+          </p:cNvSpPr>
+          <p:nvPr>
+            <p:ph type="body" idx="1"/>
+          </p:nvPr>
+        </p:nvSpPr>
+        <p:spPr>
+          <a:xfrm>
+            <a:off x="913795" y="4195899"/>
+            <a:ext cx="3298955" cy="576262"/>
+          </a:xfrm>
+        </p:spPr>
+        <p:txBody>
+          <a:bodyPr anchor="b">
+            <a:noAutofit/>
+          </a:bodyPr>
+          <a:lstStyle>
+            <a:lvl1pPr marL="0" indent="0" algn="ctr">
+              <a:lnSpc>
+                <a:spcPct val="100000"/>
+              </a:lnSpc>
+              <a:buNone/>
+              <a:defRPr sz="2000" b="0">
+                <a:solidFill>
+                  <a:schemeClr val="tx1"/>
+                </a:solidFill>
+              </a:defRPr>
+            </a:lvl1pPr>
+            <a:lvl2pPr marL="457200" indent="0">
+              <a:buNone/>
+              <a:defRPr sz="2000" b="1"/>
+            </a:lvl2pPr>
+            <a:lvl3pPr marL="914400" indent="0">
+              <a:buNone/>
+              <a:defRPr sz="1800" b="1"/>
+            </a:lvl3pPr>
+            <a:lvl4pPr marL="1371600" indent="0">
+              <a:buNone/>
+              <a:defRPr sz="1600" b="1"/>
+            </a:lvl4pPr>
+            <a:lvl5pPr marL="1828800" indent="0">
+              <a:buNone/>
+              <a:defRPr sz="1600" b="1"/>
+            </a:lvl5pPr>
+            <a:lvl6pPr marL="2286000" indent="0">
+              <a:buNone/>
+              <a:defRPr sz="1600" b="1"/>
+            </a:lvl6pPr>
+            <a:lvl7pPr marL="2743200" indent="0">
+              <a:buNone/>
+              <a:defRPr sz="1600" b="1"/>
+            </a:lvl7pPr>
+            <a:lvl8pPr marL="3200400" indent="0">
+              <a:buNone/>
+              <a:defRPr sz="1600" b="1"/>
+            </a:lvl8pPr>
+            <a:lvl9pPr marL="3657600" indent="0">
+              <a:buNone/>
+              <a:defRPr sz="1600" b="1"/>
+            </a:lvl9pPr>
+          </a:lstStyle>
+          <a:p>
+            <a:pPr lvl="0"/>
+            <a:r>
+              <a:rPr lang="ru-RU" smtClean="0"/>
+              <a:t>Образец текста</a:t>
+            </a:r>
+          </a:p>
+        </p:txBody>
+      </p:sp>
+      <p:sp>
+        <p:nvSpPr>
+          <p:cNvPr id="20" name="Picture Placeholder 2"/>
+          <p:cNvSpPr>
+            <a:spLocks noGrp="1" noChangeAspect="1"/>
+          </p:cNvSpPr>
+          <p:nvPr>
+            <p:ph type="pic" idx="15"/>
+          </p:nvPr>
+        </p:nvSpPr>
+        <p:spPr>
+          <a:xfrm>
+            <a:off x="1092020" y="2298987"/>
+            <a:ext cx="2940050" cy="1524000"/>
+          </a:xfrm>
+          <a:prstGeom prst="roundRect">
+            <a:avLst>
+              <a:gd name="adj" fmla="val 0"/>
+            </a:avLst>
+          </a:prstGeom>
+          <a:noFill/>
+          <a:ln w="146050" cap="sq">
+            <a:solidFill>
+              <a:srgbClr val="FFFFFF"/>
+            </a:solidFill>
+            <a:miter lim="800000"/>
+          </a:ln>
+          <a:effectLst>
+            <a:outerShdw blurRad="55000" dist="18000" dir="5400000" algn="tl" rotWithShape="0">
+              <a:srgbClr val="000000">
+                <a:alpha val="40000"/>
+              </a:srgbClr>
+            </a:outerShdw>
+          </a:effectLst>
+          <a:scene3d>
+            <a:camera prst="orthographicFront"/>
+            <a:lightRig rig="twoPt" dir="t">
+              <a:rot lat="0" lon="0" rev="7200000"/>
+            </a:lightRig>
+          </a:scene3d>
+          <a:sp3d>
+            <a:bevelT w="25400" h="19050"/>
+            <a:contourClr>
+              <a:srgbClr val="FFFFFF"/>
+            </a:contourClr>
+          </a:sp3d>
+        </p:spPr>
+        <p:txBody>
+          <a:bodyPr anchor="t">
+            <a:normAutofit/>
+          </a:bodyPr>
+          <a:lstStyle>
+            <a:lvl1pPr marL="0" indent="0" algn="ctr">
+              <a:buNone/>
+              <a:defRPr sz="1600"/>
+            </a:lvl1pPr>
+            <a:lvl2pPr marL="457200" indent="0">
+              <a:buNone/>
+              <a:defRPr sz="1600"/>
+            </a:lvl2pPr>
+            <a:lvl3pPr marL="914400" indent="0">
+              <a:buNone/>
+              <a:defRPr sz="1600"/>
+            </a:lvl3pPr>
+            <a:lvl4pPr marL="1371600" indent="0">
+              <a:buNone/>
+              <a:defRPr sz="1600"/>
+            </a:lvl4pPr>
+            <a:lvl5pPr marL="1828800" indent="0">
+              <a:buNone/>
+              <a:defRPr sz="1600"/>
+            </a:lvl5pPr>
+            <a:lvl6pPr marL="2286000" indent="0">
+              <a:buNone/>
+              <a:defRPr sz="1600"/>
+            </a:lvl6pPr>
+            <a:lvl7pPr marL="2743200" indent="0">
+              <a:buNone/>
+              <a:defRPr sz="1600"/>
+            </a:lvl7pPr>
+            <a:lvl8pPr marL="3200400" indent="0">
+              <a:buNone/>
+              <a:defRPr sz="1600"/>
+            </a:lvl8pPr>
+            <a:lvl9pPr marL="3657600" indent="0">
+              <a:buNone/>
+              <a:defRPr sz="1600"/>
+            </a:lvl9pPr>
+          </a:lstStyle>
+          <a:p>
+            <a:r>
+              <a:rPr lang="ru-RU" smtClean="0"/>
+              <a:t>Вставка рисунка</a:t>
+            </a:r>
+            <a:endParaRPr lang="en-US" dirty="0"/>
+          </a:p>
+        </p:txBody>
+      </p:sp>
+      <p:sp>
+        <p:nvSpPr>
+          <p:cNvPr id="21" name="Text Placeholder 3"/>
+          <p:cNvSpPr>
+            <a:spLocks noGrp="1"/>
+          </p:cNvSpPr>
+          <p:nvPr>
+            <p:ph type="body" sz="half" idx="18"/>
+          </p:nvPr>
+        </p:nvSpPr>
+        <p:spPr>
+          <a:xfrm>
+            <a:off x="913795" y="4772161"/>
+            <a:ext cx="3298955" cy="1019038"/>
+          </a:xfrm>
+        </p:spPr>
+        <p:txBody>
+          <a:bodyPr anchor="t">
+            <a:normAutofit/>
+          </a:bodyPr>
+          <a:lstStyle>
+            <a:lvl1pPr marL="0" indent="0" algn="ctr">
+              <a:buNone/>
+              <a:defRPr sz="1400"/>
+            </a:lvl1pPr>
+            <a:lvl2pPr marL="457200" indent="0">
+              <a:buNone/>
+              <a:defRPr sz="1200"/>
+            </a:lvl2pPr>
+            <a:lvl3pPr marL="914400" indent="0">
+              <a:buNone/>
+              <a:defRPr sz="1000"/>
+            </a:lvl3pPr>
+            <a:lvl4pPr marL="1371600" indent="0">
+              <a:buNone/>
+              <a:defRPr sz="900"/>
+            </a:lvl4pPr>
+            <a:lvl5pPr marL="1828800" indent="0">
+              <a:buNone/>
+              <a:defRPr sz="900"/>
+            </a:lvl5pPr>
+            <a:lvl6pPr marL="2286000" indent="0">
+              <a:buNone/>
+              <a:defRPr sz="900"/>
+            </a:lvl6pPr>
+            <a:lvl7pPr marL="2743200" indent="0">
+              <a:buNone/>
+              <a:defRPr sz="900"/>
+            </a:lvl7pPr>
+            <a:lvl8pPr marL="3200400" indent="0">
+              <a:buNone/>
+              <a:defRPr sz="900"/>
+            </a:lvl8pPr>
+            <a:lvl9pPr marL="3657600" indent="0">
+              <a:buNone/>
+              <a:defRPr sz="900"/>
+            </a:lvl9pPr>
+          </a:lstStyle>
+          <a:p>
+            <a:pPr lvl="0"/>
+            <a:r>
+              <a:rPr lang="ru-RU" smtClean="0"/>
+              <a:t>Образец текста</a:t>
+            </a:r>
+          </a:p>
+        </p:txBody>
+      </p:sp>
+      <p:sp>
+        <p:nvSpPr>
+          <p:cNvPr id="22" name="Text Placeholder 4"/>
+          <p:cNvSpPr>
+            <a:spLocks noGrp="1"/>
+          </p:cNvSpPr>
+          <p:nvPr>
+            <p:ph type="body" sz="quarter" idx="3"/>
+          </p:nvPr>
+        </p:nvSpPr>
+        <p:spPr>
+          <a:xfrm>
+            <a:off x="4442701" y="4195899"/>
+            <a:ext cx="3298983" cy="576262"/>
+          </a:xfrm>
+        </p:spPr>
+        <p:txBody>
+          <a:bodyPr anchor="b">
+            <a:noAutofit/>
+          </a:bodyPr>
+          <a:lstStyle>
+            <a:lvl1pPr marL="0" indent="0" algn="ctr">
+              <a:lnSpc>
+                <a:spcPct val="100000"/>
+              </a:lnSpc>
+              <a:buNone/>
+              <a:defRPr sz="2000" b="0">
+                <a:solidFill>
+                  <a:schemeClr val="tx1"/>
+                </a:solidFill>
+              </a:defRPr>
+            </a:lvl1pPr>
+            <a:lvl2pPr marL="457200" indent="0">
+              <a:buNone/>
+              <a:defRPr sz="2000" b="1"/>
+            </a:lvl2pPr>
+            <a:lvl3pPr marL="914400" indent="0">
+              <a:buNone/>
+              <a:defRPr sz="1800" b="1"/>
+            </a:lvl3pPr>
+            <a:lvl4pPr marL="1371600" indent="0">
+              <a:buNone/>
+              <a:defRPr sz="1600" b="1"/>
+            </a:lvl4pPr>
+            <a:lvl5pPr marL="1828800" indent="0">
+              <a:buNone/>
+              <a:defRPr sz="1600" b="1"/>
+            </a:lvl5pPr>
+            <a:lvl6pPr marL="2286000" indent="0">
+              <a:buNone/>
+              <a:defRPr sz="1600" b="1"/>
+            </a:lvl6pPr>
+            <a:lvl7pPr marL="2743200" indent="0">
+              <a:buNone/>
+              <a:defRPr sz="1600" b="1"/>
+            </a:lvl7pPr>
+            <a:lvl8pPr marL="3200400" indent="0">
+              <a:buNone/>
+              <a:defRPr sz="1600" b="1"/>
+            </a:lvl8pPr>
+            <a:lvl9pPr marL="3657600" indent="0">
+              <a:buNone/>
+              <a:defRPr sz="1600" b="1"/>
+            </a:lvl9pPr>
+          </a:lstStyle>
+          <a:p>
+            <a:pPr lvl="0"/>
+            <a:r>
+              <a:rPr lang="ru-RU" smtClean="0"/>
+              <a:t>Образец текста</a:t>
+            </a:r>
+          </a:p>
+        </p:txBody>
+      </p:sp>
+      <p:sp>
+        <p:nvSpPr>
+          <p:cNvPr id="23" name="Picture Placeholder 2"/>
+          <p:cNvSpPr>
+            <a:spLocks noGrp="1" noChangeAspect="1"/>
+          </p:cNvSpPr>
+          <p:nvPr>
+            <p:ph type="pic" idx="21"/>
+          </p:nvPr>
+        </p:nvSpPr>
+        <p:spPr>
+          <a:xfrm>
+            <a:off x="4568996" y="2298987"/>
+            <a:ext cx="2930525" cy="1524000"/>
+          </a:xfrm>
+          <a:prstGeom prst="roundRect">
+            <a:avLst>
+              <a:gd name="adj" fmla="val 0"/>
+            </a:avLst>
+          </a:prstGeom>
+          <a:noFill/>
+          <a:ln w="146050" cap="sq">
+            <a:solidFill>
+              <a:srgbClr val="FFFFFF"/>
+            </a:solidFill>
+            <a:miter lim="800000"/>
+          </a:ln>
+          <a:effectLst>
+            <a:outerShdw blurRad="55000" dist="18000" dir="5400000" algn="tl" rotWithShape="0">
+              <a:srgbClr val="000000">
+                <a:alpha val="40000"/>
+              </a:srgbClr>
+            </a:outerShdw>
+          </a:effectLst>
+          <a:scene3d>
+            <a:camera prst="orthographicFront"/>
+            <a:lightRig rig="twoPt" dir="t">
+              <a:rot lat="0" lon="0" rev="7200000"/>
+            </a:lightRig>
+          </a:scene3d>
+          <a:sp3d>
+            <a:bevelT w="25400" h="19050"/>
+            <a:contourClr>
+              <a:srgbClr val="FFFFFF"/>
+            </a:contourClr>
+          </a:sp3d>
+        </p:spPr>
+        <p:txBody>
+          <a:bodyPr anchor="t">
+            <a:normAutofit/>
+          </a:bodyPr>
+          <a:lstStyle>
+            <a:lvl1pPr marL="0" indent="0" algn="ctr">
+              <a:buNone/>
+              <a:defRPr sz="1600"/>
+            </a:lvl1pPr>
+            <a:lvl2pPr marL="457200" indent="0">
+              <a:buNone/>
+              <a:defRPr sz="1600"/>
+            </a:lvl2pPr>
+            <a:lvl3pPr marL="914400" indent="0">
+              <a:buNone/>
+              <a:defRPr sz="1600"/>
+            </a:lvl3pPr>
+            <a:lvl4pPr marL="1371600" indent="0">
+              <a:buNone/>
+              <a:defRPr sz="1600"/>
+            </a:lvl4pPr>
+            <a:lvl5pPr marL="1828800" indent="0">
+              <a:buNone/>
+              <a:defRPr sz="1600"/>
+            </a:lvl5pPr>
+            <a:lvl6pPr marL="2286000" indent="0">
+              <a:buNone/>
+              <a:defRPr sz="1600"/>
+            </a:lvl6pPr>
+            <a:lvl7pPr marL="2743200" indent="0">
+              <a:buNone/>
+              <a:defRPr sz="1600"/>
+            </a:lvl7pPr>
+            <a:lvl8pPr marL="3200400" indent="0">
+              <a:buNone/>
+              <a:defRPr sz="1600"/>
+            </a:lvl8pPr>
+            <a:lvl9pPr marL="3657600" indent="0">
+              <a:buNone/>
+              <a:defRPr sz="1600"/>
+            </a:lvl9pPr>
+          </a:lstStyle>
+          <a:p>
+            <a:r>
+              <a:rPr lang="ru-RU" smtClean="0"/>
+              <a:t>Вставка рисунка</a:t>
+            </a:r>
+            <a:endParaRPr lang="en-US" dirty="0"/>
+          </a:p>
+        </p:txBody>
+      </p:sp>
+      <p:sp>
+        <p:nvSpPr>
+          <p:cNvPr id="24" name="Text Placeholder 3"/>
+          <p:cNvSpPr>
+            <a:spLocks noGrp="1"/>
+          </p:cNvSpPr>
+          <p:nvPr>
+            <p:ph type="body" sz="half" idx="19"/>
+          </p:nvPr>
+        </p:nvSpPr>
+        <p:spPr>
+          <a:xfrm>
+            <a:off x="4441348" y="4772160"/>
+            <a:ext cx="3300336" cy="1019038"/>
+          </a:xfrm>
+        </p:spPr>
+        <p:txBody>
+          <a:bodyPr anchor="t">
+            <a:normAutofit/>
+          </a:bodyPr>
+          <a:lstStyle>
+            <a:lvl1pPr marL="0" indent="0" algn="ctr">
+              <a:buNone/>
+              <a:defRPr sz="1400"/>
+            </a:lvl1pPr>
+            <a:lvl2pPr marL="457200" indent="0">
+              <a:buNone/>
+              <a:defRPr sz="1200"/>
+            </a:lvl2pPr>
+            <a:lvl3pPr marL="914400" indent="0">
+              <a:buNone/>
+              <a:defRPr sz="1000"/>
+            </a:lvl3pPr>
+            <a:lvl4pPr marL="1371600" indent="0">
+              <a:buNone/>
+              <a:defRPr sz="900"/>
+            </a:lvl4pPr>
+            <a:lvl5pPr marL="1828800" indent="0">
+              <a:buNone/>
+              <a:defRPr sz="900"/>
+            </a:lvl5pPr>
+            <a:lvl6pPr marL="2286000" indent="0">
+              <a:buNone/>
+              <a:defRPr sz="900"/>
+            </a:lvl6pPr>
+            <a:lvl7pPr marL="2743200" indent="0">
+              <a:buNone/>
+              <a:defRPr sz="900"/>
+            </a:lvl7pPr>
+            <a:lvl8pPr marL="3200400" indent="0">
+              <a:buNone/>
+              <a:defRPr sz="900"/>
+            </a:lvl8pPr>
+            <a:lvl9pPr marL="3657600" indent="0">
+              <a:buNone/>
+              <a:defRPr sz="900"/>
+            </a:lvl9pPr>
+          </a:lstStyle>
+          <a:p>
+            <a:pPr lvl="0"/>
+            <a:r>
+              <a:rPr lang="ru-RU" smtClean="0"/>
+              <a:t>Образец текста</a:t>
+            </a:r>
+          </a:p>
+        </p:txBody>
+      </p:sp>
+      <p:sp>
+        <p:nvSpPr>
+          <p:cNvPr id="25" name="Text Placeholder 4"/>
+          <p:cNvSpPr>
+            <a:spLocks noGrp="1"/>
+          </p:cNvSpPr>
+          <p:nvPr>
+            <p:ph type="body" sz="quarter" idx="13"/>
+          </p:nvPr>
+        </p:nvSpPr>
+        <p:spPr>
+          <a:xfrm>
+            <a:off x="7973423" y="4195899"/>
+            <a:ext cx="3289900" cy="576262"/>
+          </a:xfrm>
+        </p:spPr>
+        <p:txBody>
+          <a:bodyPr anchor="b">
+            <a:noAutofit/>
+          </a:bodyPr>
+          <a:lstStyle>
+            <a:lvl1pPr marL="0" indent="0" algn="ctr">
+              <a:lnSpc>
+                <a:spcPct val="100000"/>
+              </a:lnSpc>
+              <a:buNone/>
+              <a:defRPr sz="2000" b="0">
+                <a:solidFill>
+                  <a:schemeClr val="tx1"/>
+                </a:solidFill>
+              </a:defRPr>
+            </a:lvl1pPr>
+            <a:lvl2pPr marL="457200" indent="0">
+              <a:buNone/>
+              <a:defRPr sz="2000" b="1"/>
+            </a:lvl2pPr>
+            <a:lvl3pPr marL="914400" indent="0">
+              <a:buNone/>
+              <a:defRPr sz="1800" b="1"/>
+            </a:lvl3pPr>
+            <a:lvl4pPr marL="1371600" indent="0">
+              <a:buNone/>
+              <a:defRPr sz="1600" b="1"/>
+            </a:lvl4pPr>
+            <a:lvl5pPr marL="1828800" indent="0">
+              <a:buNone/>
+              <a:defRPr sz="1600" b="1"/>
+            </a:lvl5pPr>
+            <a:lvl6pPr marL="2286000" indent="0">
+              <a:buNone/>
+              <a:defRPr sz="1600" b="1"/>
+            </a:lvl6pPr>
+            <a:lvl7pPr marL="2743200" indent="0">
+              <a:buNone/>
+              <a:defRPr sz="1600" b="1"/>
+            </a:lvl7pPr>
+            <a:lvl8pPr marL="3200400" indent="0">
+              <a:buNone/>
+              <a:defRPr sz="1600" b="1"/>
+            </a:lvl8pPr>
+            <a:lvl9pPr marL="3657600" indent="0">
+              <a:buNone/>
+              <a:defRPr sz="1600" b="1"/>
+            </a:lvl9pPr>
+          </a:lstStyle>
+          <a:p>
+            <a:pPr lvl="0"/>
+            <a:r>
+              <a:rPr lang="ru-RU" smtClean="0"/>
+              <a:t>Образец текста</a:t>
+            </a:r>
+          </a:p>
+        </p:txBody>
+      </p:sp>
+      <p:sp>
+        <p:nvSpPr>
+          <p:cNvPr id="26" name="Picture Placeholder 2"/>
+          <p:cNvSpPr>
+            <a:spLocks noGrp="1" noChangeAspect="1"/>
+          </p:cNvSpPr>
+          <p:nvPr>
+            <p:ph type="pic" idx="22"/>
+          </p:nvPr>
+        </p:nvSpPr>
+        <p:spPr>
+          <a:xfrm>
+            <a:off x="8152803" y="2298987"/>
+            <a:ext cx="2932113" cy="1524000"/>
+          </a:xfrm>
+          <a:prstGeom prst="roundRect">
+            <a:avLst>
+              <a:gd name="adj" fmla="val 0"/>
+            </a:avLst>
+          </a:prstGeom>
+          <a:noFill/>
+          <a:ln w="146050" cap="sq">
+            <a:solidFill>
+              <a:srgbClr val="FFFFFF"/>
+            </a:solidFill>
+            <a:miter lim="800000"/>
+          </a:ln>
+          <a:effectLst>
+            <a:outerShdw blurRad="55000" dist="18000" dir="5400000" algn="tl" rotWithShape="0">
+              <a:srgbClr val="000000">
+                <a:alpha val="40000"/>
+              </a:srgbClr>
+            </a:outerShdw>
+          </a:effectLst>
+          <a:scene3d>
+            <a:camera prst="orthographicFront"/>
+            <a:lightRig rig="twoPt" dir="t">
+              <a:rot lat="0" lon="0" rev="7200000"/>
+            </a:lightRig>
+          </a:scene3d>
+          <a:sp3d>
+            <a:bevelT w="25400" h="19050"/>
+            <a:contourClr>
+              <a:srgbClr val="FFFFFF"/>
+            </a:contourClr>
+          </a:sp3d>
+        </p:spPr>
+        <p:txBody>
+          <a:bodyPr anchor="t">
+            <a:normAutofit/>
+          </a:bodyPr>
+          <a:lstStyle>
+            <a:lvl1pPr marL="0" indent="0" algn="ctr">
+              <a:buNone/>
+              <a:defRPr sz="1600"/>
+            </a:lvl1pPr>
+            <a:lvl2pPr marL="457200" indent="0">
+              <a:buNone/>
+              <a:defRPr sz="1600"/>
+            </a:lvl2pPr>
+            <a:lvl3pPr marL="914400" indent="0">
+              <a:buNone/>
+              <a:defRPr sz="1600"/>
+            </a:lvl3pPr>
+            <a:lvl4pPr marL="1371600" indent="0">
+              <a:buNone/>
+              <a:defRPr sz="1600"/>
+            </a:lvl4pPr>
+            <a:lvl5pPr marL="1828800" indent="0">
+              <a:buNone/>
+              <a:defRPr sz="1600"/>
+            </a:lvl5pPr>
+            <a:lvl6pPr marL="2286000" indent="0">
+              <a:buNone/>
+              <a:defRPr sz="1600"/>
+            </a:lvl6pPr>
+            <a:lvl7pPr marL="2743200" indent="0">
+              <a:buNone/>
+              <a:defRPr sz="1600"/>
+            </a:lvl7pPr>
+            <a:lvl8pPr marL="3200400" indent="0">
+              <a:buNone/>
+              <a:defRPr sz="1600"/>
+            </a:lvl8pPr>
+            <a:lvl9pPr marL="3657600" indent="0">
+              <a:buNone/>
+              <a:defRPr sz="1600"/>
+            </a:lvl9pPr>
+          </a:lstStyle>
+          <a:p>
+            <a:r>
+              <a:rPr lang="ru-RU" smtClean="0"/>
+              <a:t>Вставка рисунка</a:t>
+            </a:r>
+            <a:endParaRPr lang="en-US" dirty="0"/>
+          </a:p>
+        </p:txBody>
+      </p:sp>
+      <p:sp>
+        <p:nvSpPr>
+          <p:cNvPr id="27" name="Text Placeholder 3"/>
+          <p:cNvSpPr>
+            <a:spLocks noGrp="1"/>
+          </p:cNvSpPr>
+          <p:nvPr>
+            <p:ph type="body" sz="half" idx="20"/>
+          </p:nvPr>
+        </p:nvSpPr>
+        <p:spPr>
+          <a:xfrm>
+            <a:off x="7973298" y="4772161"/>
+            <a:ext cx="3294258" cy="1019037"/>
+          </a:xfrm>
+        </p:spPr>
+        <p:txBody>
+          <a:bodyPr anchor="t">
+            <a:normAutofit/>
+          </a:bodyPr>
+          <a:lstStyle>
+            <a:lvl1pPr marL="0" indent="0" algn="ctr">
+              <a:buNone/>
+              <a:defRPr sz="1400"/>
+            </a:lvl1pPr>
+            <a:lvl2pPr marL="457200" indent="0">
+              <a:buNone/>
+              <a:defRPr sz="1200"/>
+            </a:lvl2pPr>
+            <a:lvl3pPr marL="914400" indent="0">
+              <a:buNone/>
+              <a:defRPr sz="1000"/>
+            </a:lvl3pPr>
+            <a:lvl4pPr marL="1371600" indent="0">
+              <a:buNone/>
+              <a:defRPr sz="900"/>
+            </a:lvl4pPr>
+            <a:lvl5pPr marL="1828800" indent="0">
+              <a:buNone/>
+              <a:defRPr sz="900"/>
+            </a:lvl5pPr>
+            <a:lvl6pPr marL="2286000" indent="0">
+              <a:buNone/>
+              <a:defRPr sz="900"/>
+            </a:lvl6pPr>
+            <a:lvl7pPr marL="2743200" indent="0">
+              <a:buNone/>
+              <a:defRPr sz="900"/>
+            </a:lvl7pPr>
+            <a:lvl8pPr marL="3200400" indent="0">
+              <a:buNone/>
+              <a:defRPr sz="900"/>
+            </a:lvl8pPr>
+            <a:lvl9pPr marL="3657600" indent="0">
+              <a:buNone/>
+              <a:defRPr sz="900"/>
+            </a:lvl9pPr>
+          </a:lstStyle>
+          <a:p>
+            <a:pPr lvl="0"/>
+            <a:r>
+              <a:rPr lang="ru-RU" smtClean="0"/>
+              <a:t>Образец текста</a:t>
+            </a:r>
+          </a:p>
+        </p:txBody>
+      </p:sp>
+      <p:sp>
+        <p:nvSpPr>
+          <p:cNvPr id="3" name="Date Placeholder 2"/>
+          <p:cNvSpPr>
+            <a:spLocks noGrp="1"/>
+          </p:cNvSpPr>
+          <p:nvPr>
+            <p:ph type="dt" sz="half" idx="10"/>
+          </p:nvPr>
+        </p:nvSpPr>
+        <p:spPr/>
+        <p:txBody>
+          <a:bodyPr/>
+          <a:lstStyle/>
+          <a:p>
+            <a:fld id="{73B6DABE-FE1D-45A7-BF54-84947C247836}" type="datetime1">
+              <a:rPr lang="ru-RU" smtClean="0"/>
+              <a:t>23.06.2020</a:t>
+            </a:fld>
+            <a:endParaRPr lang="ru-RU"/>
+          </a:p>
+        </p:txBody>
+      </p:sp>
+      <p:sp>
+        <p:nvSpPr>
+          <p:cNvPr id="4" name="Footer Placeholder 3"/>
+          <p:cNvSpPr>
+            <a:spLocks noGrp="1"/>
+          </p:cNvSpPr>
+          <p:nvPr>
+            <p:ph type="ftr" sz="quarter" idx="11"/>
+          </p:nvPr>
+        </p:nvSpPr>
+        <p:spPr/>
+        <p:txBody>
+          <a:bodyPr/>
+          <a:lstStyle/>
+          <a:p>
+            <a:endParaRPr lang="ru-RU"/>
+          </a:p>
+        </p:txBody>
+      </p:sp>
+      <p:sp>
+        <p:nvSpPr>
+          <p:cNvPr id="5" name="Slide Number Placeholder 4"/>
+          <p:cNvSpPr>
+            <a:spLocks noGrp="1"/>
+          </p:cNvSpPr>
+          <p:nvPr>
+            <p:ph type="sldNum" sz="quarter" idx="12"/>
+          </p:nvPr>
+        </p:nvSpPr>
+        <p:spPr/>
+        <p:txBody>
+          <a:bodyPr/>
+          <a:lstStyle/>
+          <a:p>
+            <a:fld id="{DD194C9D-7DDB-4F26-A664-84C7039047D2}" type="slidenum">
+              <a:rPr lang="ru-RU" smtClean="0"/>
+              <a:t>‹#›</a:t>
+            </a:fld>
+            <a:endParaRPr lang="ru-RU"/>
+          </a:p>
+        </p:txBody>
+      </p:sp>
+    </p:spTree>
+    <p:extLst>
+      <p:ext uri="{BB962C8B-B14F-4D97-AF65-F5344CB8AC3E}">
+        <p14:creationId xmlns:p14="http://schemas.microsoft.com/office/powerpoint/2010/main" val="492772175"/>
+      </p:ext>
+    </p:extLst>
+  </p:cSld>
+  <p:clrMapOvr>
+    <a:masterClrMapping/>
+  </p:clrMapOvr>
+  <p:hf hdr="0" ftr="0" dt="0"/>
+</p:sldLayout>
+</file>
+
+<file path=ppt/slideLayouts/slideLayout16.xml><?xml version="1.0" encoding="utf-8"?>
 <p:sldLayout xmlns:a="http://schemas.openxmlformats.org/drawingml/2006/main" xmlns:r="http://schemas.openxmlformats.org/officeDocument/2006/relationships" xmlns:p="http://schemas.openxmlformats.org/presentationml/2006/main" type="vertTx" preserve="1">
   <p:cSld name="Заголовок и вертикальный текст">
     <p:spTree>
@@ -942,7 +3500,7 @@
       </p:grpSpPr>
       <p:sp>
         <p:nvSpPr>
-          <p:cNvPr id="2" name="Заголовок 1"/>
+          <p:cNvPr id="2" name="Title 1"/>
           <p:cNvSpPr>
             <a:spLocks noGrp="1"/>
           </p:cNvSpPr>
@@ -959,13 +3517,13 @@
               <a:rPr lang="ru-RU" smtClean="0"/>
               <a:t>Образец заголовка</a:t>
             </a:r>
-            <a:endParaRPr lang="ru-RU"/>
-          </a:p>
-        </p:txBody>
-      </p:sp>
-      <p:sp>
-        <p:nvSpPr>
-          <p:cNvPr id="3" name="Вертикальный текст 2"/>
+            <a:endParaRPr lang="en-US" dirty="0"/>
+          </a:p>
+        </p:txBody>
+      </p:sp>
+      <p:sp>
+        <p:nvSpPr>
+          <p:cNvPr id="3" name="Vertical Text Placeholder 2"/>
           <p:cNvSpPr>
             <a:spLocks noGrp="1"/>
           </p:cNvSpPr>
@@ -1011,13 +3569,13 @@
               <a:rPr lang="ru-RU" smtClean="0"/>
               <a:t>Пятый уровень</a:t>
             </a:r>
-            <a:endParaRPr lang="ru-RU"/>
-          </a:p>
-        </p:txBody>
-      </p:sp>
-      <p:sp>
-        <p:nvSpPr>
-          <p:cNvPr id="4" name="Дата 3"/>
+            <a:endParaRPr lang="en-US" dirty="0"/>
+          </a:p>
+        </p:txBody>
+      </p:sp>
+      <p:sp>
+        <p:nvSpPr>
+          <p:cNvPr id="4" name="Date Placeholder 3"/>
           <p:cNvSpPr>
             <a:spLocks noGrp="1"/>
           </p:cNvSpPr>
@@ -1032,7 +3590,7 @@
           <a:p>
             <a:fld id="{73A3E9F3-BD82-446E-A77E-97DCC53EF187}" type="datetime1">
               <a:rPr lang="ru-RU" smtClean="0"/>
-              <a:t>22.06.2020</a:t>
+              <a:t>23.06.2020</a:t>
             </a:fld>
             <a:endParaRPr lang="ru-RU"/>
           </a:p>
@@ -1040,7 +3598,7 @@
       </p:sp>
       <p:sp>
         <p:nvSpPr>
-          <p:cNvPr id="5" name="Нижний колонтитул 4"/>
+          <p:cNvPr id="5" name="Footer Placeholder 4"/>
           <p:cNvSpPr>
             <a:spLocks noGrp="1"/>
           </p:cNvSpPr>
@@ -1059,7 +3617,7 @@
       </p:sp>
       <p:sp>
         <p:nvSpPr>
-          <p:cNvPr id="6" name="Номер слайда 5"/>
+          <p:cNvPr id="6" name="Slide Number Placeholder 5"/>
           <p:cNvSpPr>
             <a:spLocks noGrp="1"/>
           </p:cNvSpPr>
@@ -1083,7 +3641,7 @@
     </p:spTree>
     <p:extLst>
       <p:ext uri="{BB962C8B-B14F-4D97-AF65-F5344CB8AC3E}">
-        <p14:creationId xmlns:p14="http://schemas.microsoft.com/office/powerpoint/2010/main" val="589431289"/>
+        <p14:creationId xmlns:p14="http://schemas.microsoft.com/office/powerpoint/2010/main" val="2154707865"/>
       </p:ext>
     </p:extLst>
   </p:cSld>
@@ -1093,7 +3651,7 @@
 </p:sldLayout>
 </file>
 
-<file path=ppt/slideLayouts/slideLayout11.xml><?xml version="1.0" encoding="utf-8"?>
+<file path=ppt/slideLayouts/slideLayout17.xml><?xml version="1.0" encoding="utf-8"?>
 <p:sldLayout xmlns:a="http://schemas.openxmlformats.org/drawingml/2006/main" xmlns:r="http://schemas.openxmlformats.org/officeDocument/2006/relationships" xmlns:p="http://schemas.openxmlformats.org/presentationml/2006/main" type="vertTitleAndTx" preserve="1">
   <p:cSld name="Вертикальный заголовок и текст">
     <p:spTree>
@@ -1112,7 +3670,7 @@
       </p:grpSpPr>
       <p:sp>
         <p:nvSpPr>
-          <p:cNvPr id="2" name="Вертикальный заголовок 1"/>
+          <p:cNvPr id="2" name="Vertical Title 1"/>
           <p:cNvSpPr>
             <a:spLocks noGrp="1"/>
           </p:cNvSpPr>
@@ -1122,25 +3680,29 @@
         </p:nvSpPr>
         <p:spPr>
           <a:xfrm>
-            <a:off x="8724900" y="365125"/>
-            <a:ext cx="2628900" cy="5811838"/>
+            <a:off x="8724900" y="609599"/>
+            <a:ext cx="2542657" cy="5181601"/>
           </a:xfrm>
         </p:spPr>
         <p:txBody>
           <a:bodyPr vert="eaVert"/>
-          <a:lstStyle/>
+          <a:lstStyle>
+            <a:lvl1pPr algn="l">
+              <a:defRPr/>
+            </a:lvl1pPr>
+          </a:lstStyle>
           <a:p>
             <a:r>
               <a:rPr lang="ru-RU" smtClean="0"/>
               <a:t>Образец заголовка</a:t>
             </a:r>
-            <a:endParaRPr lang="ru-RU"/>
-          </a:p>
-        </p:txBody>
-      </p:sp>
-      <p:sp>
-        <p:nvSpPr>
-          <p:cNvPr id="3" name="Вертикальный текст 2"/>
+            <a:endParaRPr lang="en-US" dirty="0"/>
+          </a:p>
+        </p:txBody>
+      </p:sp>
+      <p:sp>
+        <p:nvSpPr>
+          <p:cNvPr id="3" name="Vertical Text Placeholder 2"/>
           <p:cNvSpPr>
             <a:spLocks noGrp="1"/>
           </p:cNvSpPr>
@@ -1150,8 +3712,8 @@
         </p:nvSpPr>
         <p:spPr>
           <a:xfrm>
-            <a:off x="838200" y="365125"/>
-            <a:ext cx="7734300" cy="5811838"/>
+            <a:off x="913794" y="609599"/>
+            <a:ext cx="7658705" cy="5181601"/>
           </a:xfrm>
         </p:spPr>
         <p:txBody>
@@ -1191,13 +3753,13 @@
               <a:rPr lang="ru-RU" smtClean="0"/>
               <a:t>Пятый уровень</a:t>
             </a:r>
-            <a:endParaRPr lang="ru-RU"/>
-          </a:p>
-        </p:txBody>
-      </p:sp>
-      <p:sp>
-        <p:nvSpPr>
-          <p:cNvPr id="4" name="Дата 3"/>
+            <a:endParaRPr lang="en-US" dirty="0"/>
+          </a:p>
+        </p:txBody>
+      </p:sp>
+      <p:sp>
+        <p:nvSpPr>
+          <p:cNvPr id="4" name="Date Placeholder 3"/>
           <p:cNvSpPr>
             <a:spLocks noGrp="1"/>
           </p:cNvSpPr>
@@ -1212,7 +3774,7 @@
           <a:p>
             <a:fld id="{3183BFCE-D1FE-4FF0-A566-CC9C6E9F1D2E}" type="datetime1">
               <a:rPr lang="ru-RU" smtClean="0"/>
-              <a:t>22.06.2020</a:t>
+              <a:t>23.06.2020</a:t>
             </a:fld>
             <a:endParaRPr lang="ru-RU"/>
           </a:p>
@@ -1220,7 +3782,7 @@
       </p:sp>
       <p:sp>
         <p:nvSpPr>
-          <p:cNvPr id="5" name="Нижний колонтитул 4"/>
+          <p:cNvPr id="5" name="Footer Placeholder 4"/>
           <p:cNvSpPr>
             <a:spLocks noGrp="1"/>
           </p:cNvSpPr>
@@ -1239,7 +3801,7 @@
       </p:sp>
       <p:sp>
         <p:nvSpPr>
-          <p:cNvPr id="6" name="Номер слайда 5"/>
+          <p:cNvPr id="6" name="Slide Number Placeholder 5"/>
           <p:cNvSpPr>
             <a:spLocks noGrp="1"/>
           </p:cNvSpPr>
@@ -1263,7 +3825,7 @@
     </p:spTree>
     <p:extLst>
       <p:ext uri="{BB962C8B-B14F-4D97-AF65-F5344CB8AC3E}">
-        <p14:creationId xmlns:p14="http://schemas.microsoft.com/office/powerpoint/2010/main" val="1844054585"/>
+        <p14:creationId xmlns:p14="http://schemas.microsoft.com/office/powerpoint/2010/main" val="3715774073"/>
       </p:ext>
     </p:extLst>
   </p:cSld>
@@ -1292,7 +3854,7 @@
       </p:grpSpPr>
       <p:sp>
         <p:nvSpPr>
-          <p:cNvPr id="2" name="Заголовок 1"/>
+          <p:cNvPr id="2" name="Title 1"/>
           <p:cNvSpPr>
             <a:spLocks noGrp="1"/>
           </p:cNvSpPr>
@@ -1309,13 +3871,13 @@
               <a:rPr lang="ru-RU" smtClean="0"/>
               <a:t>Образец заголовка</a:t>
             </a:r>
-            <a:endParaRPr lang="ru-RU"/>
-          </a:p>
-        </p:txBody>
-      </p:sp>
-      <p:sp>
-        <p:nvSpPr>
-          <p:cNvPr id="3" name="Объект 2"/>
+            <a:endParaRPr lang="en-US" dirty="0"/>
+          </a:p>
+        </p:txBody>
+      </p:sp>
+      <p:sp>
+        <p:nvSpPr>
+          <p:cNvPr id="3" name="Content Placeholder 2"/>
           <p:cNvSpPr>
             <a:spLocks noGrp="1"/>
           </p:cNvSpPr>
@@ -1361,13 +3923,13 @@
               <a:rPr lang="ru-RU" smtClean="0"/>
               <a:t>Пятый уровень</a:t>
             </a:r>
-            <a:endParaRPr lang="ru-RU"/>
-          </a:p>
-        </p:txBody>
-      </p:sp>
-      <p:sp>
-        <p:nvSpPr>
-          <p:cNvPr id="4" name="Дата 3"/>
+            <a:endParaRPr lang="en-US" dirty="0"/>
+          </a:p>
+        </p:txBody>
+      </p:sp>
+      <p:sp>
+        <p:nvSpPr>
+          <p:cNvPr id="4" name="Date Placeholder 3"/>
           <p:cNvSpPr>
             <a:spLocks noGrp="1"/>
           </p:cNvSpPr>
@@ -1382,7 +3944,7 @@
           <a:p>
             <a:fld id="{6DAD5DC6-7F68-4FBE-8921-297E16E1609D}" type="datetime1">
               <a:rPr lang="ru-RU" smtClean="0"/>
-              <a:t>22.06.2020</a:t>
+              <a:t>23.06.2020</a:t>
             </a:fld>
             <a:endParaRPr lang="ru-RU"/>
           </a:p>
@@ -1390,7 +3952,7 @@
       </p:sp>
       <p:sp>
         <p:nvSpPr>
-          <p:cNvPr id="5" name="Нижний колонтитул 4"/>
+          <p:cNvPr id="5" name="Footer Placeholder 4"/>
           <p:cNvSpPr>
             <a:spLocks noGrp="1"/>
           </p:cNvSpPr>
@@ -1409,7 +3971,7 @@
       </p:sp>
       <p:sp>
         <p:nvSpPr>
-          <p:cNvPr id="6" name="Номер слайда 5"/>
+          <p:cNvPr id="6" name="Slide Number Placeholder 5"/>
           <p:cNvSpPr>
             <a:spLocks noGrp="1"/>
           </p:cNvSpPr>
@@ -1433,7 +3995,7 @@
     </p:spTree>
     <p:extLst>
       <p:ext uri="{BB962C8B-B14F-4D97-AF65-F5344CB8AC3E}">
-        <p14:creationId xmlns:p14="http://schemas.microsoft.com/office/powerpoint/2010/main" val="4245919222"/>
+        <p14:creationId xmlns:p14="http://schemas.microsoft.com/office/powerpoint/2010/main" val="1063753208"/>
       </p:ext>
     </p:extLst>
   </p:cSld>
@@ -1462,7 +4024,7 @@
       </p:grpSpPr>
       <p:sp>
         <p:nvSpPr>
-          <p:cNvPr id="2" name="Заголовок 1"/>
+          <p:cNvPr id="2" name="Title 1"/>
           <p:cNvSpPr>
             <a:spLocks noGrp="1"/>
           </p:cNvSpPr>
@@ -1472,15 +4034,17 @@
         </p:nvSpPr>
         <p:spPr>
           <a:xfrm>
-            <a:off x="831850" y="1709738"/>
-            <a:ext cx="10515600" cy="2852737"/>
+            <a:off x="1229244" y="657226"/>
+            <a:ext cx="9733512" cy="2852737"/>
           </a:xfrm>
         </p:spPr>
         <p:txBody>
-          <a:bodyPr anchor="b"/>
+          <a:bodyPr anchor="b">
+            <a:normAutofit/>
+          </a:bodyPr>
           <a:lstStyle>
             <a:lvl1pPr>
-              <a:defRPr sz="6000"/>
+              <a:defRPr sz="3400"/>
             </a:lvl1pPr>
           </a:lstStyle>
           <a:p>
@@ -1488,13 +4052,13 @@
               <a:rPr lang="ru-RU" smtClean="0"/>
               <a:t>Образец заголовка</a:t>
             </a:r>
-            <a:endParaRPr lang="ru-RU"/>
-          </a:p>
-        </p:txBody>
-      </p:sp>
-      <p:sp>
-        <p:nvSpPr>
-          <p:cNvPr id="3" name="Текст 2"/>
+            <a:endParaRPr lang="en-US" dirty="0"/>
+          </a:p>
+        </p:txBody>
+      </p:sp>
+      <p:sp>
+        <p:nvSpPr>
+          <p:cNvPr id="3" name="Text Placeholder 2"/>
           <p:cNvSpPr>
             <a:spLocks noGrp="1"/>
           </p:cNvSpPr>
@@ -1504,14 +4068,14 @@
         </p:nvSpPr>
         <p:spPr>
           <a:xfrm>
-            <a:off x="831850" y="4589463"/>
-            <a:ext cx="10515600" cy="1500187"/>
+            <a:off x="1229244" y="3602038"/>
+            <a:ext cx="9733512" cy="1500187"/>
           </a:xfrm>
         </p:spPr>
         <p:txBody>
           <a:bodyPr/>
           <a:lstStyle>
-            <a:lvl1pPr marL="0" indent="0">
+            <a:lvl1pPr marL="0" indent="0" algn="ctr">
               <a:buNone/>
               <a:defRPr sz="2400">
                 <a:solidFill>
@@ -1613,7 +4177,7 @@
       </p:sp>
       <p:sp>
         <p:nvSpPr>
-          <p:cNvPr id="4" name="Дата 3"/>
+          <p:cNvPr id="4" name="Date Placeholder 3"/>
           <p:cNvSpPr>
             <a:spLocks noGrp="1"/>
           </p:cNvSpPr>
@@ -1628,7 +4192,7 @@
           <a:p>
             <a:fld id="{0E3190F6-3AEB-4720-BF18-B2D53A29FEDE}" type="datetime1">
               <a:rPr lang="ru-RU" smtClean="0"/>
-              <a:t>22.06.2020</a:t>
+              <a:t>23.06.2020</a:t>
             </a:fld>
             <a:endParaRPr lang="ru-RU"/>
           </a:p>
@@ -1636,7 +4200,7 @@
       </p:sp>
       <p:sp>
         <p:nvSpPr>
-          <p:cNvPr id="5" name="Нижний колонтитул 4"/>
+          <p:cNvPr id="5" name="Footer Placeholder 4"/>
           <p:cNvSpPr>
             <a:spLocks noGrp="1"/>
           </p:cNvSpPr>
@@ -1655,7 +4219,7 @@
       </p:sp>
       <p:sp>
         <p:nvSpPr>
-          <p:cNvPr id="6" name="Номер слайда 5"/>
+          <p:cNvPr id="6" name="Slide Number Placeholder 5"/>
           <p:cNvSpPr>
             <a:spLocks noGrp="1"/>
           </p:cNvSpPr>
@@ -1679,7 +4243,7 @@
     </p:spTree>
     <p:extLst>
       <p:ext uri="{BB962C8B-B14F-4D97-AF65-F5344CB8AC3E}">
-        <p14:creationId xmlns:p14="http://schemas.microsoft.com/office/powerpoint/2010/main" val="38456845"/>
+        <p14:creationId xmlns:p14="http://schemas.microsoft.com/office/powerpoint/2010/main" val="3597571770"/>
       </p:ext>
     </p:extLst>
   </p:cSld>
@@ -1708,7 +4272,7 @@
       </p:grpSpPr>
       <p:sp>
         <p:nvSpPr>
-          <p:cNvPr id="2" name="Заголовок 1"/>
+          <p:cNvPr id="2" name="Title 1"/>
           <p:cNvSpPr>
             <a:spLocks noGrp="1"/>
           </p:cNvSpPr>
@@ -1716,7 +4280,12 @@
             <p:ph type="title"/>
           </p:nvPr>
         </p:nvSpPr>
-        <p:spPr/>
+        <p:spPr>
+          <a:xfrm>
+            <a:off x="913795" y="609600"/>
+            <a:ext cx="10353761" cy="1326321"/>
+          </a:xfrm>
+        </p:spPr>
         <p:txBody>
           <a:bodyPr/>
           <a:lstStyle/>
@@ -1725,13 +4294,13 @@
               <a:rPr lang="ru-RU" smtClean="0"/>
               <a:t>Образец заголовка</a:t>
             </a:r>
-            <a:endParaRPr lang="ru-RU"/>
-          </a:p>
-        </p:txBody>
-      </p:sp>
-      <p:sp>
-        <p:nvSpPr>
-          <p:cNvPr id="3" name="Объект 2"/>
+            <a:endParaRPr lang="en-US" dirty="0"/>
+          </a:p>
+        </p:txBody>
+      </p:sp>
+      <p:sp>
+        <p:nvSpPr>
+          <p:cNvPr id="3" name="Content Placeholder 2"/>
           <p:cNvSpPr>
             <a:spLocks noGrp="1"/>
           </p:cNvSpPr>
@@ -1741,8 +4310,8 @@
         </p:nvSpPr>
         <p:spPr>
           <a:xfrm>
-            <a:off x="838200" y="1825625"/>
-            <a:ext cx="5181600" cy="4351338"/>
+            <a:off x="913795" y="2088319"/>
+            <a:ext cx="5106004" cy="3702881"/>
           </a:xfrm>
         </p:spPr>
         <p:txBody>
@@ -1782,13 +4351,13 @@
               <a:rPr lang="ru-RU" smtClean="0"/>
               <a:t>Пятый уровень</a:t>
             </a:r>
-            <a:endParaRPr lang="ru-RU"/>
-          </a:p>
-        </p:txBody>
-      </p:sp>
-      <p:sp>
-        <p:nvSpPr>
-          <p:cNvPr id="4" name="Объект 3"/>
+            <a:endParaRPr lang="en-US" dirty="0"/>
+          </a:p>
+        </p:txBody>
+      </p:sp>
+      <p:sp>
+        <p:nvSpPr>
+          <p:cNvPr id="4" name="Content Placeholder 3"/>
           <p:cNvSpPr>
             <a:spLocks noGrp="1"/>
           </p:cNvSpPr>
@@ -1798,8 +4367,8 @@
         </p:nvSpPr>
         <p:spPr>
           <a:xfrm>
-            <a:off x="6172200" y="1825625"/>
-            <a:ext cx="5181600" cy="4351338"/>
+            <a:off x="6173403" y="2088319"/>
+            <a:ext cx="5094154" cy="3702881"/>
           </a:xfrm>
         </p:spPr>
         <p:txBody>
@@ -1839,13 +4408,13 @@
               <a:rPr lang="ru-RU" smtClean="0"/>
               <a:t>Пятый уровень</a:t>
             </a:r>
-            <a:endParaRPr lang="ru-RU"/>
-          </a:p>
-        </p:txBody>
-      </p:sp>
-      <p:sp>
-        <p:nvSpPr>
-          <p:cNvPr id="5" name="Дата 4"/>
+            <a:endParaRPr lang="en-US" dirty="0"/>
+          </a:p>
+        </p:txBody>
+      </p:sp>
+      <p:sp>
+        <p:nvSpPr>
+          <p:cNvPr id="5" name="Date Placeholder 4"/>
           <p:cNvSpPr>
             <a:spLocks noGrp="1"/>
           </p:cNvSpPr>
@@ -1860,7 +4429,7 @@
           <a:p>
             <a:fld id="{BD5028E7-90C5-4409-82C5-4D5ED08B5429}" type="datetime1">
               <a:rPr lang="ru-RU" smtClean="0"/>
-              <a:t>22.06.2020</a:t>
+              <a:t>23.06.2020</a:t>
             </a:fld>
             <a:endParaRPr lang="ru-RU"/>
           </a:p>
@@ -1868,7 +4437,7 @@
       </p:sp>
       <p:sp>
         <p:nvSpPr>
-          <p:cNvPr id="6" name="Нижний колонтитул 5"/>
+          <p:cNvPr id="6" name="Footer Placeholder 5"/>
           <p:cNvSpPr>
             <a:spLocks noGrp="1"/>
           </p:cNvSpPr>
@@ -1887,7 +4456,7 @@
       </p:sp>
       <p:sp>
         <p:nvSpPr>
-          <p:cNvPr id="7" name="Номер слайда 6"/>
+          <p:cNvPr id="7" name="Slide Number Placeholder 6"/>
           <p:cNvSpPr>
             <a:spLocks noGrp="1"/>
           </p:cNvSpPr>
@@ -1911,7 +4480,7 @@
     </p:spTree>
     <p:extLst>
       <p:ext uri="{BB962C8B-B14F-4D97-AF65-F5344CB8AC3E}">
-        <p14:creationId xmlns:p14="http://schemas.microsoft.com/office/powerpoint/2010/main" val="865106686"/>
+        <p14:creationId xmlns:p14="http://schemas.microsoft.com/office/powerpoint/2010/main" val="3114992244"/>
       </p:ext>
     </p:extLst>
   </p:cSld>
@@ -1940,7 +4509,7 @@
       </p:grpSpPr>
       <p:sp>
         <p:nvSpPr>
-          <p:cNvPr id="2" name="Заголовок 1"/>
+          <p:cNvPr id="2" name="Title 1"/>
           <p:cNvSpPr>
             <a:spLocks noGrp="1"/>
           </p:cNvSpPr>
@@ -1950,8 +4519,8 @@
         </p:nvSpPr>
         <p:spPr>
           <a:xfrm>
-            <a:off x="839788" y="365125"/>
-            <a:ext cx="10515600" cy="1325563"/>
+            <a:off x="913795" y="609600"/>
+            <a:ext cx="10353761" cy="1325563"/>
           </a:xfrm>
         </p:spPr>
         <p:txBody>
@@ -1962,13 +4531,13 @@
               <a:rPr lang="ru-RU" smtClean="0"/>
               <a:t>Образец заголовка</a:t>
             </a:r>
-            <a:endParaRPr lang="ru-RU"/>
-          </a:p>
-        </p:txBody>
-      </p:sp>
-      <p:sp>
-        <p:nvSpPr>
-          <p:cNvPr id="3" name="Текст 2"/>
+            <a:endParaRPr lang="en-US" dirty="0"/>
+          </a:p>
+        </p:txBody>
+      </p:sp>
+      <p:sp>
+        <p:nvSpPr>
+          <p:cNvPr id="3" name="Text Placeholder 2"/>
           <p:cNvSpPr>
             <a:spLocks noGrp="1"/>
           </p:cNvSpPr>
@@ -1978,14 +4547,17 @@
         </p:nvSpPr>
         <p:spPr>
           <a:xfrm>
-            <a:off x="839788" y="1681163"/>
-            <a:ext cx="5157787" cy="823912"/>
+            <a:off x="1141804" y="2088320"/>
+            <a:ext cx="4879199" cy="823912"/>
           </a:xfrm>
         </p:spPr>
         <p:txBody>
           <a:bodyPr anchor="b"/>
           <a:lstStyle>
             <a:lvl1pPr marL="0" indent="0">
+              <a:lnSpc>
+                <a:spcPct val="100000"/>
+              </a:lnSpc>
               <a:buNone/>
               <a:defRPr sz="2400" b="1"/>
             </a:lvl1pPr>
@@ -2033,7 +4605,7 @@
       </p:sp>
       <p:sp>
         <p:nvSpPr>
-          <p:cNvPr id="4" name="Объект 3"/>
+          <p:cNvPr id="4" name="Content Placeholder 3"/>
           <p:cNvSpPr>
             <a:spLocks noGrp="1"/>
           </p:cNvSpPr>
@@ -2043,8 +4615,8 @@
         </p:nvSpPr>
         <p:spPr>
           <a:xfrm>
-            <a:off x="839788" y="2505075"/>
-            <a:ext cx="5157787" cy="3684588"/>
+            <a:off x="913795" y="2912232"/>
+            <a:ext cx="5107208" cy="2878968"/>
           </a:xfrm>
         </p:spPr>
         <p:txBody>
@@ -2084,13 +4656,13 @@
               <a:rPr lang="ru-RU" smtClean="0"/>
               <a:t>Пятый уровень</a:t>
             </a:r>
-            <a:endParaRPr lang="ru-RU"/>
-          </a:p>
-        </p:txBody>
-      </p:sp>
-      <p:sp>
-        <p:nvSpPr>
-          <p:cNvPr id="5" name="Текст 4"/>
+            <a:endParaRPr lang="en-US" dirty="0"/>
+          </a:p>
+        </p:txBody>
+      </p:sp>
+      <p:sp>
+        <p:nvSpPr>
+          <p:cNvPr id="5" name="Text Placeholder 4"/>
           <p:cNvSpPr>
             <a:spLocks noGrp="1"/>
           </p:cNvSpPr>
@@ -2100,14 +4672,17 @@
         </p:nvSpPr>
         <p:spPr>
           <a:xfrm>
-            <a:off x="6172200" y="1681163"/>
-            <a:ext cx="5183188" cy="823912"/>
+            <a:off x="6402003" y="2088320"/>
+            <a:ext cx="4865554" cy="823912"/>
           </a:xfrm>
         </p:spPr>
         <p:txBody>
           <a:bodyPr anchor="b"/>
           <a:lstStyle>
             <a:lvl1pPr marL="0" indent="0">
+              <a:lnSpc>
+                <a:spcPct val="100000"/>
+              </a:lnSpc>
               <a:buNone/>
               <a:defRPr sz="2400" b="1"/>
             </a:lvl1pPr>
@@ -2155,7 +4730,7 @@
       </p:sp>
       <p:sp>
         <p:nvSpPr>
-          <p:cNvPr id="6" name="Объект 5"/>
+          <p:cNvPr id="6" name="Content Placeholder 5"/>
           <p:cNvSpPr>
             <a:spLocks noGrp="1"/>
           </p:cNvSpPr>
@@ -2165,8 +4740,8 @@
         </p:nvSpPr>
         <p:spPr>
           <a:xfrm>
-            <a:off x="6172200" y="2505075"/>
-            <a:ext cx="5183188" cy="3684588"/>
+            <a:off x="6172200" y="2912232"/>
+            <a:ext cx="5095357" cy="2878968"/>
           </a:xfrm>
         </p:spPr>
         <p:txBody>
@@ -2206,13 +4781,13 @@
               <a:rPr lang="ru-RU" smtClean="0"/>
               <a:t>Пятый уровень</a:t>
             </a:r>
-            <a:endParaRPr lang="ru-RU"/>
-          </a:p>
-        </p:txBody>
-      </p:sp>
-      <p:sp>
-        <p:nvSpPr>
-          <p:cNvPr id="7" name="Дата 6"/>
+            <a:endParaRPr lang="en-US" dirty="0"/>
+          </a:p>
+        </p:txBody>
+      </p:sp>
+      <p:sp>
+        <p:nvSpPr>
+          <p:cNvPr id="7" name="Date Placeholder 6"/>
           <p:cNvSpPr>
             <a:spLocks noGrp="1"/>
           </p:cNvSpPr>
@@ -2227,7 +4802,7 @@
           <a:p>
             <a:fld id="{4055FFA6-53FF-4D9B-9868-B2309A2D8855}" type="datetime1">
               <a:rPr lang="ru-RU" smtClean="0"/>
-              <a:t>22.06.2020</a:t>
+              <a:t>23.06.2020</a:t>
             </a:fld>
             <a:endParaRPr lang="ru-RU"/>
           </a:p>
@@ -2235,7 +4810,7 @@
       </p:sp>
       <p:sp>
         <p:nvSpPr>
-          <p:cNvPr id="8" name="Нижний колонтитул 7"/>
+          <p:cNvPr id="8" name="Footer Placeholder 7"/>
           <p:cNvSpPr>
             <a:spLocks noGrp="1"/>
           </p:cNvSpPr>
@@ -2254,7 +4829,7 @@
       </p:sp>
       <p:sp>
         <p:nvSpPr>
-          <p:cNvPr id="9" name="Номер слайда 8"/>
+          <p:cNvPr id="9" name="Slide Number Placeholder 8"/>
           <p:cNvSpPr>
             <a:spLocks noGrp="1"/>
           </p:cNvSpPr>
@@ -2278,7 +4853,7 @@
     </p:spTree>
     <p:extLst>
       <p:ext uri="{BB962C8B-B14F-4D97-AF65-F5344CB8AC3E}">
-        <p14:creationId xmlns:p14="http://schemas.microsoft.com/office/powerpoint/2010/main" val="248562221"/>
+        <p14:creationId xmlns:p14="http://schemas.microsoft.com/office/powerpoint/2010/main" val="1916486962"/>
       </p:ext>
     </p:extLst>
   </p:cSld>
@@ -2307,7 +4882,7 @@
       </p:grpSpPr>
       <p:sp>
         <p:nvSpPr>
-          <p:cNvPr id="2" name="Заголовок 1"/>
+          <p:cNvPr id="2" name="Title 1"/>
           <p:cNvSpPr>
             <a:spLocks noGrp="1"/>
           </p:cNvSpPr>
@@ -2324,13 +4899,13 @@
               <a:rPr lang="ru-RU" smtClean="0"/>
               <a:t>Образец заголовка</a:t>
             </a:r>
-            <a:endParaRPr lang="ru-RU"/>
-          </a:p>
-        </p:txBody>
-      </p:sp>
-      <p:sp>
-        <p:nvSpPr>
-          <p:cNvPr id="3" name="Дата 2"/>
+            <a:endParaRPr lang="en-US" dirty="0"/>
+          </a:p>
+        </p:txBody>
+      </p:sp>
+      <p:sp>
+        <p:nvSpPr>
+          <p:cNvPr id="3" name="Date Placeholder 2"/>
           <p:cNvSpPr>
             <a:spLocks noGrp="1"/>
           </p:cNvSpPr>
@@ -2345,7 +4920,7 @@
           <a:p>
             <a:fld id="{FC591EE0-40AE-4DEA-AB72-FDEBB913A656}" type="datetime1">
               <a:rPr lang="ru-RU" smtClean="0"/>
-              <a:t>22.06.2020</a:t>
+              <a:t>23.06.2020</a:t>
             </a:fld>
             <a:endParaRPr lang="ru-RU"/>
           </a:p>
@@ -2353,7 +4928,7 @@
       </p:sp>
       <p:sp>
         <p:nvSpPr>
-          <p:cNvPr id="4" name="Нижний колонтитул 3"/>
+          <p:cNvPr id="4" name="Footer Placeholder 3"/>
           <p:cNvSpPr>
             <a:spLocks noGrp="1"/>
           </p:cNvSpPr>
@@ -2372,7 +4947,7 @@
       </p:sp>
       <p:sp>
         <p:nvSpPr>
-          <p:cNvPr id="5" name="Номер слайда 4"/>
+          <p:cNvPr id="5" name="Slide Number Placeholder 4"/>
           <p:cNvSpPr>
             <a:spLocks noGrp="1"/>
           </p:cNvSpPr>
@@ -2396,7 +4971,7 @@
     </p:spTree>
     <p:extLst>
       <p:ext uri="{BB962C8B-B14F-4D97-AF65-F5344CB8AC3E}">
-        <p14:creationId xmlns:p14="http://schemas.microsoft.com/office/powerpoint/2010/main" val="4086347260"/>
+        <p14:creationId xmlns:p14="http://schemas.microsoft.com/office/powerpoint/2010/main" val="3195006799"/>
       </p:ext>
     </p:extLst>
   </p:cSld>
@@ -2425,7 +5000,7 @@
       </p:grpSpPr>
       <p:sp>
         <p:nvSpPr>
-          <p:cNvPr id="2" name="Дата 1"/>
+          <p:cNvPr id="2" name="Date Placeholder 1"/>
           <p:cNvSpPr>
             <a:spLocks noGrp="1"/>
           </p:cNvSpPr>
@@ -2440,7 +5015,7 @@
           <a:p>
             <a:fld id="{83BD245D-4988-41DC-8E8C-B9910D503701}" type="datetime1">
               <a:rPr lang="ru-RU" smtClean="0"/>
-              <a:t>22.06.2020</a:t>
+              <a:t>23.06.2020</a:t>
             </a:fld>
             <a:endParaRPr lang="ru-RU"/>
           </a:p>
@@ -2448,7 +5023,7 @@
       </p:sp>
       <p:sp>
         <p:nvSpPr>
-          <p:cNvPr id="3" name="Нижний колонтитул 2"/>
+          <p:cNvPr id="3" name="Footer Placeholder 2"/>
           <p:cNvSpPr>
             <a:spLocks noGrp="1"/>
           </p:cNvSpPr>
@@ -2467,7 +5042,7 @@
       </p:sp>
       <p:sp>
         <p:nvSpPr>
-          <p:cNvPr id="4" name="Номер слайда 3"/>
+          <p:cNvPr id="4" name="Slide Number Placeholder 3"/>
           <p:cNvSpPr>
             <a:spLocks noGrp="1"/>
           </p:cNvSpPr>
@@ -2491,7 +5066,7 @@
     </p:spTree>
     <p:extLst>
       <p:ext uri="{BB962C8B-B14F-4D97-AF65-F5344CB8AC3E}">
-        <p14:creationId xmlns:p14="http://schemas.microsoft.com/office/powerpoint/2010/main" val="852900153"/>
+        <p14:creationId xmlns:p14="http://schemas.microsoft.com/office/powerpoint/2010/main" val="3645114216"/>
       </p:ext>
     </p:extLst>
   </p:cSld>
@@ -2520,7 +5095,7 @@
       </p:grpSpPr>
       <p:sp>
         <p:nvSpPr>
-          <p:cNvPr id="2" name="Заголовок 1"/>
+          <p:cNvPr id="2" name="Title 1"/>
           <p:cNvSpPr>
             <a:spLocks noGrp="1"/>
           </p:cNvSpPr>
@@ -2530,15 +5105,17 @@
         </p:nvSpPr>
         <p:spPr>
           <a:xfrm>
-            <a:off x="839788" y="457200"/>
-            <a:ext cx="3932237" cy="1600200"/>
+            <a:off x="917228" y="609600"/>
+            <a:ext cx="3932237" cy="2362200"/>
           </a:xfrm>
         </p:spPr>
         <p:txBody>
-          <a:bodyPr anchor="b"/>
+          <a:bodyPr anchor="b">
+            <a:normAutofit/>
+          </a:bodyPr>
           <a:lstStyle>
             <a:lvl1pPr>
-              <a:defRPr sz="3200"/>
+              <a:defRPr sz="2800"/>
             </a:lvl1pPr>
           </a:lstStyle>
           <a:p>
@@ -2546,13 +5123,13 @@
               <a:rPr lang="ru-RU" smtClean="0"/>
               <a:t>Образец заголовка</a:t>
             </a:r>
-            <a:endParaRPr lang="ru-RU"/>
-          </a:p>
-        </p:txBody>
-      </p:sp>
-      <p:sp>
-        <p:nvSpPr>
-          <p:cNvPr id="3" name="Объект 2"/>
+            <a:endParaRPr lang="en-US" dirty="0"/>
+          </a:p>
+        </p:txBody>
+      </p:sp>
+      <p:sp>
+        <p:nvSpPr>
+          <p:cNvPr id="3" name="Content Placeholder 2"/>
           <p:cNvSpPr>
             <a:spLocks noGrp="1"/>
           </p:cNvSpPr>
@@ -2562,99 +5139,71 @@
         </p:nvSpPr>
         <p:spPr>
           <a:xfrm>
-            <a:off x="5183188" y="987425"/>
-            <a:ext cx="6172200" cy="4873625"/>
+            <a:off x="5078064" y="609600"/>
+            <a:ext cx="6189492" cy="5181600"/>
           </a:xfrm>
         </p:spPr>
         <p:txBody>
+          <a:bodyPr anchor="ctr"/>
+          <a:lstStyle/>
+          <a:p>
+            <a:pPr lvl="0"/>
+            <a:r>
+              <a:rPr lang="ru-RU" smtClean="0"/>
+              <a:t>Образец текста</a:t>
+            </a:r>
+          </a:p>
+          <a:p>
+            <a:pPr lvl="1"/>
+            <a:r>
+              <a:rPr lang="ru-RU" smtClean="0"/>
+              <a:t>Второй уровень</a:t>
+            </a:r>
+          </a:p>
+          <a:p>
+            <a:pPr lvl="2"/>
+            <a:r>
+              <a:rPr lang="ru-RU" smtClean="0"/>
+              <a:t>Третий уровень</a:t>
+            </a:r>
+          </a:p>
+          <a:p>
+            <a:pPr lvl="3"/>
+            <a:r>
+              <a:rPr lang="ru-RU" smtClean="0"/>
+              <a:t>Четвертый уровень</a:t>
+            </a:r>
+          </a:p>
+          <a:p>
+            <a:pPr lvl="4"/>
+            <a:r>
+              <a:rPr lang="ru-RU" smtClean="0"/>
+              <a:t>Пятый уровень</a:t>
+            </a:r>
+            <a:endParaRPr lang="en-US" dirty="0"/>
+          </a:p>
+        </p:txBody>
+      </p:sp>
+      <p:sp>
+        <p:nvSpPr>
+          <p:cNvPr id="4" name="Text Placeholder 3"/>
+          <p:cNvSpPr>
+            <a:spLocks noGrp="1"/>
+          </p:cNvSpPr>
+          <p:nvPr>
+            <p:ph type="body" sz="half" idx="2"/>
+          </p:nvPr>
+        </p:nvSpPr>
+        <p:spPr>
+          <a:xfrm>
+            <a:off x="917228" y="2971800"/>
+            <a:ext cx="3932237" cy="2819399"/>
+          </a:xfrm>
+        </p:spPr>
+        <p:txBody>
           <a:bodyPr/>
           <a:lstStyle>
-            <a:lvl1pPr>
-              <a:defRPr sz="3200"/>
-            </a:lvl1pPr>
-            <a:lvl2pPr>
-              <a:defRPr sz="2800"/>
-            </a:lvl2pPr>
-            <a:lvl3pPr>
-              <a:defRPr sz="2400"/>
-            </a:lvl3pPr>
-            <a:lvl4pPr>
-              <a:defRPr sz="2000"/>
-            </a:lvl4pPr>
-            <a:lvl5pPr>
-              <a:defRPr sz="2000"/>
-            </a:lvl5pPr>
-            <a:lvl6pPr>
-              <a:defRPr sz="2000"/>
-            </a:lvl6pPr>
-            <a:lvl7pPr>
-              <a:defRPr sz="2000"/>
-            </a:lvl7pPr>
-            <a:lvl8pPr>
-              <a:defRPr sz="2000"/>
-            </a:lvl8pPr>
-            <a:lvl9pPr>
-              <a:defRPr sz="2000"/>
-            </a:lvl9pPr>
-          </a:lstStyle>
-          <a:p>
-            <a:pPr lvl="0"/>
-            <a:r>
-              <a:rPr lang="ru-RU" smtClean="0"/>
-              <a:t>Образец текста</a:t>
-            </a:r>
-          </a:p>
-          <a:p>
-            <a:pPr lvl="1"/>
-            <a:r>
-              <a:rPr lang="ru-RU" smtClean="0"/>
-              <a:t>Второй уровень</a:t>
-            </a:r>
-          </a:p>
-          <a:p>
-            <a:pPr lvl="2"/>
-            <a:r>
-              <a:rPr lang="ru-RU" smtClean="0"/>
-              <a:t>Третий уровень</a:t>
-            </a:r>
-          </a:p>
-          <a:p>
-            <a:pPr lvl="3"/>
-            <a:r>
-              <a:rPr lang="ru-RU" smtClean="0"/>
-              <a:t>Четвертый уровень</a:t>
-            </a:r>
-          </a:p>
-          <a:p>
-            <a:pPr lvl="4"/>
-            <a:r>
-              <a:rPr lang="ru-RU" smtClean="0"/>
-              <a:t>Пятый уровень</a:t>
-            </a:r>
-            <a:endParaRPr lang="ru-RU"/>
-          </a:p>
-        </p:txBody>
-      </p:sp>
-      <p:sp>
-        <p:nvSpPr>
-          <p:cNvPr id="4" name="Текст 3"/>
-          <p:cNvSpPr>
-            <a:spLocks noGrp="1"/>
-          </p:cNvSpPr>
-          <p:nvPr>
-            <p:ph type="body" sz="half" idx="2"/>
-          </p:nvPr>
-        </p:nvSpPr>
-        <p:spPr>
-          <a:xfrm>
-            <a:off x="839788" y="2057400"/>
-            <a:ext cx="3932237" cy="3811588"/>
-          </a:xfrm>
-        </p:spPr>
-        <p:txBody>
-          <a:bodyPr/>
-          <a:lstStyle>
-            <a:lvl1pPr marL="0" indent="0">
+            <a:lvl1pPr marL="0" indent="0" algn="ctr">
               <a:buNone/>
               <a:defRPr sz="1600"/>
             </a:lvl1pPr>
@@ -2702,7 +5251,7 @@
       </p:sp>
       <p:sp>
         <p:nvSpPr>
-          <p:cNvPr id="5" name="Дата 4"/>
+          <p:cNvPr id="5" name="Date Placeholder 4"/>
           <p:cNvSpPr>
             <a:spLocks noGrp="1"/>
           </p:cNvSpPr>
@@ -2717,7 +5266,7 @@
           <a:p>
             <a:fld id="{EAB3BC6D-7D4A-4867-A080-E9EAC16DF30B}" type="datetime1">
               <a:rPr lang="ru-RU" smtClean="0"/>
-              <a:t>22.06.2020</a:t>
+              <a:t>23.06.2020</a:t>
             </a:fld>
             <a:endParaRPr lang="ru-RU"/>
           </a:p>
@@ -2725,7 +5274,7 @@
       </p:sp>
       <p:sp>
         <p:nvSpPr>
-          <p:cNvPr id="6" name="Нижний колонтитул 5"/>
+          <p:cNvPr id="6" name="Footer Placeholder 5"/>
           <p:cNvSpPr>
             <a:spLocks noGrp="1"/>
           </p:cNvSpPr>
@@ -2744,7 +5293,7 @@
       </p:sp>
       <p:sp>
         <p:nvSpPr>
-          <p:cNvPr id="7" name="Номер слайда 6"/>
+          <p:cNvPr id="7" name="Slide Number Placeholder 6"/>
           <p:cNvSpPr>
             <a:spLocks noGrp="1"/>
           </p:cNvSpPr>
@@ -2768,7 +5317,7 @@
     </p:spTree>
     <p:extLst>
       <p:ext uri="{BB962C8B-B14F-4D97-AF65-F5344CB8AC3E}">
-        <p14:creationId xmlns:p14="http://schemas.microsoft.com/office/powerpoint/2010/main" val="1709941225"/>
+        <p14:creationId xmlns:p14="http://schemas.microsoft.com/office/powerpoint/2010/main" val="1727203740"/>
       </p:ext>
     </p:extLst>
   </p:cSld>
@@ -2797,7 +5346,7 @@
       </p:grpSpPr>
       <p:sp>
         <p:nvSpPr>
-          <p:cNvPr id="2" name="Заголовок 1"/>
+          <p:cNvPr id="2" name="Title 1"/>
           <p:cNvSpPr>
             <a:spLocks noGrp="1"/>
           </p:cNvSpPr>
@@ -2807,12 +5356,14 @@
         </p:nvSpPr>
         <p:spPr>
           <a:xfrm>
-            <a:off x="839788" y="457200"/>
-            <a:ext cx="3932237" cy="1600200"/>
+            <a:off x="917227" y="609600"/>
+            <a:ext cx="5929773" cy="2362200"/>
           </a:xfrm>
         </p:spPr>
         <p:txBody>
-          <a:bodyPr anchor="b"/>
+          <a:bodyPr anchor="b">
+            <a:normAutofit/>
+          </a:bodyPr>
           <a:lstStyle>
             <a:lvl1pPr>
               <a:defRPr sz="3200"/>
@@ -2823,15 +5374,15 @@
               <a:rPr lang="ru-RU" smtClean="0"/>
               <a:t>Образец заголовка</a:t>
             </a:r>
-            <a:endParaRPr lang="ru-RU"/>
-          </a:p>
-        </p:txBody>
-      </p:sp>
-      <p:sp>
-        <p:nvSpPr>
-          <p:cNvPr id="3" name="Рисунок 2"/>
-          <p:cNvSpPr>
-            <a:spLocks noGrp="1"/>
+            <a:endParaRPr lang="en-US" dirty="0"/>
+          </a:p>
+        </p:txBody>
+      </p:sp>
+      <p:sp>
+        <p:nvSpPr>
+          <p:cNvPr id="3" name="Picture Placeholder 2"/>
+          <p:cNvSpPr>
+            <a:spLocks noGrp="1" noChangeAspect="1"/>
           </p:cNvSpPr>
           <p:nvPr>
             <p:ph type="pic" idx="1"/>
@@ -2839,14 +5390,40 @@
         </p:nvSpPr>
         <p:spPr>
           <a:xfrm>
-            <a:off x="5183188" y="987425"/>
-            <a:ext cx="6172200" cy="4873625"/>
+            <a:off x="7424804" y="758881"/>
+            <a:ext cx="3255356" cy="4883038"/>
           </a:xfrm>
+          <a:noFill/>
+          <a:ln w="190500" cap="sq">
+            <a:solidFill>
+              <a:srgbClr val="FFFFFF"/>
+            </a:solidFill>
+            <a:miter lim="800000"/>
+          </a:ln>
+          <a:effectLst>
+            <a:outerShdw blurRad="55000" dist="18000" dir="5400000" algn="tl" rotWithShape="0">
+              <a:srgbClr val="000000">
+                <a:alpha val="40000"/>
+              </a:srgbClr>
+            </a:outerShdw>
+          </a:effectLst>
+          <a:scene3d>
+            <a:camera prst="orthographicFront"/>
+            <a:lightRig rig="twoPt" dir="t">
+              <a:rot lat="0" lon="0" rev="7200000"/>
+            </a:lightRig>
+          </a:scene3d>
+          <a:sp3d>
+            <a:bevelT w="25400" h="19050"/>
+            <a:contourClr>
+              <a:srgbClr val="FFFFFF"/>
+            </a:contourClr>
+          </a:sp3d>
         </p:spPr>
         <p:txBody>
-          <a:bodyPr/>
+          <a:bodyPr anchor="t"/>
           <a:lstStyle>
-            <a:lvl1pPr marL="0" indent="0">
+            <a:lvl1pPr marL="0" indent="0" algn="ctr">
               <a:buNone/>
               <a:defRPr sz="3200"/>
             </a:lvl1pPr>
@@ -2884,13 +5461,17 @@
             </a:lvl9pPr>
           </a:lstStyle>
           <a:p>
-            <a:endParaRPr lang="ru-RU"/>
-          </a:p>
-        </p:txBody>
-      </p:sp>
-      <p:sp>
-        <p:nvSpPr>
-          <p:cNvPr id="4" name="Текст 3"/>
+            <a:r>
+              <a:rPr lang="ru-RU" smtClean="0"/>
+              <a:t>Вставка рисунка</a:t>
+            </a:r>
+            <a:endParaRPr lang="en-US" dirty="0"/>
+          </a:p>
+        </p:txBody>
+      </p:sp>
+      <p:sp>
+        <p:nvSpPr>
+          <p:cNvPr id="4" name="Text Placeholder 3"/>
           <p:cNvSpPr>
             <a:spLocks noGrp="1"/>
           </p:cNvSpPr>
@@ -2900,16 +5481,18 @@
         </p:nvSpPr>
         <p:spPr>
           <a:xfrm>
-            <a:off x="839788" y="2057400"/>
-            <a:ext cx="3932237" cy="3811588"/>
+            <a:off x="913794" y="2971800"/>
+            <a:ext cx="5934950" cy="2819400"/>
           </a:xfrm>
         </p:spPr>
         <p:txBody>
-          <a:bodyPr/>
+          <a:bodyPr>
+            <a:normAutofit/>
+          </a:bodyPr>
           <a:lstStyle>
-            <a:lvl1pPr marL="0" indent="0">
-              <a:buNone/>
-              <a:defRPr sz="1600"/>
+            <a:lvl1pPr marL="0" indent="0" algn="ctr">
+              <a:buNone/>
+              <a:defRPr sz="1800"/>
             </a:lvl1pPr>
             <a:lvl2pPr marL="457200" indent="0">
               <a:buNone/>
@@ -2955,7 +5538,7 @@
       </p:sp>
       <p:sp>
         <p:nvSpPr>
-          <p:cNvPr id="5" name="Дата 4"/>
+          <p:cNvPr id="5" name="Date Placeholder 4"/>
           <p:cNvSpPr>
             <a:spLocks noGrp="1"/>
           </p:cNvSpPr>
@@ -2970,7 +5553,7 @@
           <a:p>
             <a:fld id="{C2B0213D-EDC7-4CEF-AB96-B31960FBF2B3}" type="datetime1">
               <a:rPr lang="ru-RU" smtClean="0"/>
-              <a:t>22.06.2020</a:t>
+              <a:t>23.06.2020</a:t>
             </a:fld>
             <a:endParaRPr lang="ru-RU"/>
           </a:p>
@@ -2978,7 +5561,7 @@
       </p:sp>
       <p:sp>
         <p:nvSpPr>
-          <p:cNvPr id="6" name="Нижний колонтитул 5"/>
+          <p:cNvPr id="6" name="Footer Placeholder 5"/>
           <p:cNvSpPr>
             <a:spLocks noGrp="1"/>
           </p:cNvSpPr>
@@ -2997,7 +5580,7 @@
       </p:sp>
       <p:sp>
         <p:nvSpPr>
-          <p:cNvPr id="7" name="Номер слайда 6"/>
+          <p:cNvPr id="7" name="Slide Number Placeholder 6"/>
           <p:cNvSpPr>
             <a:spLocks noGrp="1"/>
           </p:cNvSpPr>
@@ -3021,7 +5604,7 @@
     </p:spTree>
     <p:extLst>
       <p:ext uri="{BB962C8B-B14F-4D97-AF65-F5344CB8AC3E}">
-        <p14:creationId xmlns:p14="http://schemas.microsoft.com/office/powerpoint/2010/main" val="2465075396"/>
+        <p14:creationId xmlns:p14="http://schemas.microsoft.com/office/powerpoint/2010/main" val="2349957626"/>
       </p:ext>
     </p:extLst>
   </p:cSld>
@@ -3035,8 +5618,8 @@
 <p:sldMaster xmlns:a="http://schemas.openxmlformats.org/drawingml/2006/main" xmlns:r="http://schemas.openxmlformats.org/officeDocument/2006/relationships" xmlns:p="http://schemas.openxmlformats.org/presentationml/2006/main">
   <p:cSld>
     <p:bg>
-      <p:bgRef idx="1001">
-        <a:schemeClr val="bg1"/>
+      <p:bgRef idx="1003">
+        <a:schemeClr val="bg2"/>
       </p:bgRef>
     </p:bg>
     <p:spTree>
@@ -3055,7 +5638,7 @@
       </p:grpSpPr>
       <p:sp>
         <p:nvSpPr>
-          <p:cNvPr id="2" name="Заголовок 1"/>
+          <p:cNvPr id="2" name="Title Placeholder 1"/>
           <p:cNvSpPr>
             <a:spLocks noGrp="1"/>
           </p:cNvSpPr>
@@ -3065,8 +5648,8 @@
         </p:nvSpPr>
         <p:spPr>
           <a:xfrm>
-            <a:off x="838200" y="365125"/>
-            <a:ext cx="10515600" cy="1325563"/>
+            <a:off x="913795" y="609600"/>
+            <a:ext cx="10353761" cy="1326321"/>
           </a:xfrm>
           <a:prstGeom prst="rect">
             <a:avLst/>
@@ -3082,13 +5665,13 @@
               <a:rPr lang="ru-RU" smtClean="0"/>
               <a:t>Образец заголовка</a:t>
             </a:r>
-            <a:endParaRPr lang="ru-RU"/>
-          </a:p>
-        </p:txBody>
-      </p:sp>
-      <p:sp>
-        <p:nvSpPr>
-          <p:cNvPr id="3" name="Текст 2"/>
+            <a:endParaRPr lang="en-US" dirty="0"/>
+          </a:p>
+        </p:txBody>
+      </p:sp>
+      <p:sp>
+        <p:nvSpPr>
+          <p:cNvPr id="3" name="Text Placeholder 2"/>
           <p:cNvSpPr>
             <a:spLocks noGrp="1"/>
           </p:cNvSpPr>
@@ -3098,8 +5681,8 @@
         </p:nvSpPr>
         <p:spPr>
           <a:xfrm>
-            <a:off x="838200" y="1825625"/>
-            <a:ext cx="10515600" cy="4351338"/>
+            <a:off x="913795" y="2096064"/>
+            <a:ext cx="10353762" cy="3695136"/>
           </a:xfrm>
           <a:prstGeom prst="rect">
             <a:avLst/>
@@ -3144,13 +5727,13 @@
               <a:rPr lang="ru-RU" smtClean="0"/>
               <a:t>Пятый уровень</a:t>
             </a:r>
-            <a:endParaRPr lang="ru-RU"/>
-          </a:p>
-        </p:txBody>
-      </p:sp>
-      <p:sp>
-        <p:nvSpPr>
-          <p:cNvPr id="4" name="Дата 3"/>
+            <a:endParaRPr lang="en-US" dirty="0"/>
+          </a:p>
+        </p:txBody>
+      </p:sp>
+      <p:sp>
+        <p:nvSpPr>
+          <p:cNvPr id="4" name="Date Placeholder 3"/>
           <p:cNvSpPr>
             <a:spLocks noGrp="1"/>
           </p:cNvSpPr>
@@ -3160,7 +5743,7 @@
         </p:nvSpPr>
         <p:spPr>
           <a:xfrm>
-            <a:off x="838200" y="6356350"/>
+            <a:off x="7678736" y="5883275"/>
             <a:ext cx="2743200" cy="365125"/>
           </a:xfrm>
           <a:prstGeom prst="rect">
@@ -3170,8 +5753,8 @@
         <p:txBody>
           <a:bodyPr vert="horz" lIns="91440" tIns="45720" rIns="91440" bIns="45720" rtlCol="0" anchor="ctr"/>
           <a:lstStyle>
-            <a:lvl1pPr algn="l">
-              <a:defRPr sz="1200">
+            <a:lvl1pPr algn="r">
+              <a:defRPr sz="1000">
                 <a:solidFill>
                   <a:schemeClr val="tx1">
                     <a:tint val="75000"/>
@@ -3183,7 +5766,7 @@
           <a:p>
             <a:fld id="{73B6DABE-FE1D-45A7-BF54-84947C247836}" type="datetime1">
               <a:rPr lang="ru-RU" smtClean="0"/>
-              <a:t>22.06.2020</a:t>
+              <a:t>23.06.2020</a:t>
             </a:fld>
             <a:endParaRPr lang="ru-RU"/>
           </a:p>
@@ -3191,7 +5774,7 @@
       </p:sp>
       <p:sp>
         <p:nvSpPr>
-          <p:cNvPr id="5" name="Нижний колонтитул 4"/>
+          <p:cNvPr id="5" name="Footer Placeholder 4"/>
           <p:cNvSpPr>
             <a:spLocks noGrp="1"/>
           </p:cNvSpPr>
@@ -3201,8 +5784,8 @@
         </p:nvSpPr>
         <p:spPr>
           <a:xfrm>
-            <a:off x="4038600" y="6356350"/>
-            <a:ext cx="4114800" cy="365125"/>
+            <a:off x="913794" y="5883275"/>
+            <a:ext cx="6672865" cy="365125"/>
           </a:xfrm>
           <a:prstGeom prst="rect">
             <a:avLst/>
@@ -3211,8 +5794,8 @@
         <p:txBody>
           <a:bodyPr vert="horz" lIns="91440" tIns="45720" rIns="91440" bIns="45720" rtlCol="0" anchor="ctr"/>
           <a:lstStyle>
-            <a:lvl1pPr algn="ctr">
-              <a:defRPr sz="1200">
+            <a:lvl1pPr algn="l">
+              <a:defRPr sz="1000">
                 <a:solidFill>
                   <a:schemeClr val="tx1">
                     <a:tint val="75000"/>
@@ -3228,7 +5811,7 @@
       </p:sp>
       <p:sp>
         <p:nvSpPr>
-          <p:cNvPr id="6" name="Номер слайда 5"/>
+          <p:cNvPr id="6" name="Slide Number Placeholder 5"/>
           <p:cNvSpPr>
             <a:spLocks noGrp="1"/>
           </p:cNvSpPr>
@@ -3238,8 +5821,8 @@
         </p:nvSpPr>
         <p:spPr>
           <a:xfrm>
-            <a:off x="8610600" y="6356350"/>
-            <a:ext cx="2743200" cy="365125"/>
+            <a:off x="10514011" y="5883275"/>
+            <a:ext cx="753545" cy="365125"/>
           </a:xfrm>
           <a:prstGeom prst="rect">
             <a:avLst/>
@@ -3249,7 +5832,7 @@
           <a:bodyPr vert="horz" lIns="91440" tIns="45720" rIns="91440" bIns="45720" rtlCol="0" anchor="ctr"/>
           <a:lstStyle>
             <a:lvl1pPr algn="r">
-              <a:defRPr sz="1200">
+              <a:defRPr sz="1000">
                 <a:solidFill>
                   <a:schemeClr val="tx1">
                     <a:tint val="75000"/>
@@ -3270,28 +5853,34 @@
     </p:spTree>
     <p:extLst>
       <p:ext uri="{BB962C8B-B14F-4D97-AF65-F5344CB8AC3E}">
-        <p14:creationId xmlns:p14="http://schemas.microsoft.com/office/powerpoint/2010/main" val="4221163316"/>
+        <p14:creationId xmlns:p14="http://schemas.microsoft.com/office/powerpoint/2010/main" val="113114035"/>
       </p:ext>
     </p:extLst>
   </p:cSld>
-  <p:clrMap bg1="lt1" tx1="dk1" bg2="lt2" tx2="dk2" accent1="accent1" accent2="accent2" accent3="accent3" accent4="accent4" accent5="accent5" accent6="accent6" hlink="hlink" folHlink="folHlink"/>
+  <p:clrMap bg1="dk1" tx1="lt1" bg2="dk2" tx2="lt2" accent1="accent1" accent2="accent2" accent3="accent3" accent4="accent4" accent5="accent5" accent6="accent6" hlink="hlink" folHlink="folHlink"/>
   <p:sldLayoutIdLst>
-    <p:sldLayoutId id="2147483649" r:id="rId1"/>
-    <p:sldLayoutId id="2147483650" r:id="rId2"/>
-    <p:sldLayoutId id="2147483651" r:id="rId3"/>
-    <p:sldLayoutId id="2147483652" r:id="rId4"/>
-    <p:sldLayoutId id="2147483653" r:id="rId5"/>
-    <p:sldLayoutId id="2147483654" r:id="rId6"/>
-    <p:sldLayoutId id="2147483655" r:id="rId7"/>
-    <p:sldLayoutId id="2147483656" r:id="rId8"/>
-    <p:sldLayoutId id="2147483657" r:id="rId9"/>
-    <p:sldLayoutId id="2147483658" r:id="rId10"/>
-    <p:sldLayoutId id="2147483659" r:id="rId11"/>
+    <p:sldLayoutId id="2147483816" r:id="rId1"/>
+    <p:sldLayoutId id="2147483817" r:id="rId2"/>
+    <p:sldLayoutId id="2147483818" r:id="rId3"/>
+    <p:sldLayoutId id="2147483819" r:id="rId4"/>
+    <p:sldLayoutId id="2147483820" r:id="rId5"/>
+    <p:sldLayoutId id="2147483821" r:id="rId6"/>
+    <p:sldLayoutId id="2147483822" r:id="rId7"/>
+    <p:sldLayoutId id="2147483823" r:id="rId8"/>
+    <p:sldLayoutId id="2147483824" r:id="rId9"/>
+    <p:sldLayoutId id="2147483825" r:id="rId10"/>
+    <p:sldLayoutId id="2147483826" r:id="rId11"/>
+    <p:sldLayoutId id="2147483827" r:id="rId12"/>
+    <p:sldLayoutId id="2147483828" r:id="rId13"/>
+    <p:sldLayoutId id="2147483829" r:id="rId14"/>
+    <p:sldLayoutId id="2147483830" r:id="rId15"/>
+    <p:sldLayoutId id="2147483831" r:id="rId16"/>
+    <p:sldLayoutId id="2147483832" r:id="rId17"/>
   </p:sldLayoutIdLst>
   <p:hf hdr="0" ftr="0" dt="0"/>
   <p:txStyles>
     <p:titleStyle>
-      <a:lvl1pPr algn="l" defTabSz="914400" rtl="0" eaLnBrk="1" latinLnBrk="0" hangingPunct="1">
+      <a:lvl1pPr algn="ctr" defTabSz="914400" rtl="0" eaLnBrk="1" latinLnBrk="0" hangingPunct="1">
         <a:lnSpc>
           <a:spcPct val="90000"/>
         </a:lnSpc>
@@ -3299,10 +5888,17 @@
           <a:spcPct val="0"/>
         </a:spcBef>
         <a:buNone/>
-        <a:defRPr sz="4400" kern="1200">
+        <a:defRPr sz="3400" b="1" i="0" kern="1200" cap="all">
           <a:solidFill>
             <a:schemeClr val="tx1"/>
           </a:solidFill>
+          <a:effectLst>
+            <a:outerShdw blurRad="50800" dist="63500" dir="2700000" algn="tl" rotWithShape="0">
+              <a:srgbClr val="000000">
+                <a:alpha val="48000"/>
+              </a:srgbClr>
+            </a:outerShdw>
+          </a:effectLst>
           <a:latin typeface="+mj-lt"/>
           <a:ea typeface="+mj-ea"/>
           <a:cs typeface="+mj-cs"/>
@@ -3312,17 +5908,24 @@
     <p:bodyStyle>
       <a:lvl1pPr marL="228600" indent="-228600" algn="l" defTabSz="914400" rtl="0" eaLnBrk="1" latinLnBrk="0" hangingPunct="1">
         <a:lnSpc>
-          <a:spcPct val="90000"/>
+          <a:spcPct val="120000"/>
         </a:lnSpc>
         <a:spcBef>
           <a:spcPts val="1000"/>
         </a:spcBef>
         <a:buFont typeface="Arial" panose="020B0604020202020204" pitchFamily="34" charset="0"/>
         <a:buChar char="•"/>
-        <a:defRPr sz="2800" kern="1200">
+        <a:defRPr sz="2000" kern="1200">
           <a:solidFill>
             <a:schemeClr val="tx1"/>
           </a:solidFill>
+          <a:effectLst>
+            <a:outerShdw blurRad="50800" dist="38100" dir="2700000" algn="tl" rotWithShape="0">
+              <a:srgbClr val="000000">
+                <a:alpha val="48000"/>
+              </a:srgbClr>
+            </a:outerShdw>
+          </a:effectLst>
           <a:latin typeface="+mn-lt"/>
           <a:ea typeface="+mn-ea"/>
           <a:cs typeface="+mn-cs"/>
@@ -3330,43 +5933,7 @@
       </a:lvl1pPr>
       <a:lvl2pPr marL="685800" indent="-228600" algn="l" defTabSz="914400" rtl="0" eaLnBrk="1" latinLnBrk="0" hangingPunct="1">
         <a:lnSpc>
-          <a:spcPct val="90000"/>
-        </a:lnSpc>
-        <a:spcBef>
-          <a:spcPts val="500"/>
-        </a:spcBef>
-        <a:buFont typeface="Arial" panose="020B0604020202020204" pitchFamily="34" charset="0"/>
-        <a:buChar char="•"/>
-        <a:defRPr sz="2400" kern="1200">
-          <a:solidFill>
-            <a:schemeClr val="tx1"/>
-          </a:solidFill>
-          <a:latin typeface="+mn-lt"/>
-          <a:ea typeface="+mn-ea"/>
-          <a:cs typeface="+mn-cs"/>
-        </a:defRPr>
-      </a:lvl2pPr>
-      <a:lvl3pPr marL="1143000" indent="-228600" algn="l" defTabSz="914400" rtl="0" eaLnBrk="1" latinLnBrk="0" hangingPunct="1">
-        <a:lnSpc>
-          <a:spcPct val="90000"/>
-        </a:lnSpc>
-        <a:spcBef>
-          <a:spcPts val="500"/>
-        </a:spcBef>
-        <a:buFont typeface="Arial" panose="020B0604020202020204" pitchFamily="34" charset="0"/>
-        <a:buChar char="•"/>
-        <a:defRPr sz="2000" kern="1200">
-          <a:solidFill>
-            <a:schemeClr val="tx1"/>
-          </a:solidFill>
-          <a:latin typeface="+mn-lt"/>
-          <a:ea typeface="+mn-ea"/>
-          <a:cs typeface="+mn-cs"/>
-        </a:defRPr>
-      </a:lvl3pPr>
-      <a:lvl4pPr marL="1600200" indent="-228600" algn="l" defTabSz="914400" rtl="0" eaLnBrk="1" latinLnBrk="0" hangingPunct="1">
-        <a:lnSpc>
-          <a:spcPct val="90000"/>
+          <a:spcPct val="120000"/>
         </a:lnSpc>
         <a:spcBef>
           <a:spcPts val="500"/>
@@ -3377,6 +5944,63 @@
           <a:solidFill>
             <a:schemeClr val="tx1"/>
           </a:solidFill>
+          <a:effectLst>
+            <a:outerShdw blurRad="50800" dist="38100" dir="2700000" algn="tl" rotWithShape="0">
+              <a:srgbClr val="000000">
+                <a:alpha val="48000"/>
+              </a:srgbClr>
+            </a:outerShdw>
+          </a:effectLst>
+          <a:latin typeface="+mn-lt"/>
+          <a:ea typeface="+mn-ea"/>
+          <a:cs typeface="+mn-cs"/>
+        </a:defRPr>
+      </a:lvl2pPr>
+      <a:lvl3pPr marL="1143000" indent="-228600" algn="l" defTabSz="914400" rtl="0" eaLnBrk="1" latinLnBrk="0" hangingPunct="1">
+        <a:lnSpc>
+          <a:spcPct val="120000"/>
+        </a:lnSpc>
+        <a:spcBef>
+          <a:spcPts val="500"/>
+        </a:spcBef>
+        <a:buFont typeface="Arial" panose="020B0604020202020204" pitchFamily="34" charset="0"/>
+        <a:buChar char="•"/>
+        <a:defRPr sz="1600" kern="1200">
+          <a:solidFill>
+            <a:schemeClr val="tx1"/>
+          </a:solidFill>
+          <a:effectLst>
+            <a:outerShdw blurRad="50800" dist="38100" dir="2700000" algn="tl" rotWithShape="0">
+              <a:srgbClr val="000000">
+                <a:alpha val="48000"/>
+              </a:srgbClr>
+            </a:outerShdw>
+          </a:effectLst>
+          <a:latin typeface="+mn-lt"/>
+          <a:ea typeface="+mn-ea"/>
+          <a:cs typeface="+mn-cs"/>
+        </a:defRPr>
+      </a:lvl3pPr>
+      <a:lvl4pPr marL="1600200" indent="-228600" algn="l" defTabSz="914400" rtl="0" eaLnBrk="1" latinLnBrk="0" hangingPunct="1">
+        <a:lnSpc>
+          <a:spcPct val="120000"/>
+        </a:lnSpc>
+        <a:spcBef>
+          <a:spcPts val="500"/>
+        </a:spcBef>
+        <a:buFont typeface="Arial" panose="020B0604020202020204" pitchFamily="34" charset="0"/>
+        <a:buChar char="•"/>
+        <a:defRPr sz="1400" kern="1200">
+          <a:solidFill>
+            <a:schemeClr val="tx1"/>
+          </a:solidFill>
+          <a:effectLst>
+            <a:outerShdw blurRad="50800" dist="38100" dir="2700000" algn="tl" rotWithShape="0">
+              <a:srgbClr val="000000">
+                <a:alpha val="48000"/>
+              </a:srgbClr>
+            </a:outerShdw>
+          </a:effectLst>
           <a:latin typeface="+mn-lt"/>
           <a:ea typeface="+mn-ea"/>
           <a:cs typeface="+mn-cs"/>
@@ -3384,17 +6008,24 @@
       </a:lvl4pPr>
       <a:lvl5pPr marL="2057400" indent="-228600" algn="l" defTabSz="914400" rtl="0" eaLnBrk="1" latinLnBrk="0" hangingPunct="1">
         <a:lnSpc>
-          <a:spcPct val="90000"/>
+          <a:spcPct val="120000"/>
         </a:lnSpc>
         <a:spcBef>
           <a:spcPts val="500"/>
         </a:spcBef>
         <a:buFont typeface="Arial" panose="020B0604020202020204" pitchFamily="34" charset="0"/>
         <a:buChar char="•"/>
-        <a:defRPr sz="1800" kern="1200">
+        <a:defRPr sz="1200" kern="1200">
           <a:solidFill>
             <a:schemeClr val="tx1"/>
           </a:solidFill>
+          <a:effectLst>
+            <a:outerShdw blurRad="50800" dist="38100" dir="2700000" algn="tl" rotWithShape="0">
+              <a:srgbClr val="000000">
+                <a:alpha val="48000"/>
+              </a:srgbClr>
+            </a:outerShdw>
+          </a:effectLst>
           <a:latin typeface="+mn-lt"/>
           <a:ea typeface="+mn-ea"/>
           <a:cs typeface="+mn-cs"/>
@@ -3402,17 +6033,24 @@
       </a:lvl5pPr>
       <a:lvl6pPr marL="2514600" indent="-228600" algn="l" defTabSz="914400" rtl="0" eaLnBrk="1" latinLnBrk="0" hangingPunct="1">
         <a:lnSpc>
-          <a:spcPct val="90000"/>
+          <a:spcPct val="120000"/>
         </a:lnSpc>
         <a:spcBef>
           <a:spcPts val="500"/>
         </a:spcBef>
         <a:buFont typeface="Arial" panose="020B0604020202020204" pitchFamily="34" charset="0"/>
         <a:buChar char="•"/>
-        <a:defRPr sz="1800" kern="1200">
+        <a:defRPr sz="1200" kern="1200">
           <a:solidFill>
             <a:schemeClr val="tx1"/>
           </a:solidFill>
+          <a:effectLst>
+            <a:outerShdw blurRad="50800" dist="38100" dir="2700000" algn="tl" rotWithShape="0">
+              <a:srgbClr val="000000">
+                <a:alpha val="48000"/>
+              </a:srgbClr>
+            </a:outerShdw>
+          </a:effectLst>
           <a:latin typeface="+mn-lt"/>
           <a:ea typeface="+mn-ea"/>
           <a:cs typeface="+mn-cs"/>
@@ -3420,17 +6058,24 @@
       </a:lvl6pPr>
       <a:lvl7pPr marL="2971800" indent="-228600" algn="l" defTabSz="914400" rtl="0" eaLnBrk="1" latinLnBrk="0" hangingPunct="1">
         <a:lnSpc>
-          <a:spcPct val="90000"/>
+          <a:spcPct val="120000"/>
         </a:lnSpc>
         <a:spcBef>
           <a:spcPts val="500"/>
         </a:spcBef>
         <a:buFont typeface="Arial" panose="020B0604020202020204" pitchFamily="34" charset="0"/>
         <a:buChar char="•"/>
-        <a:defRPr sz="1800" kern="1200">
+        <a:defRPr sz="1200" kern="1200">
           <a:solidFill>
             <a:schemeClr val="tx1"/>
           </a:solidFill>
+          <a:effectLst>
+            <a:outerShdw blurRad="50800" dist="38100" dir="2700000" algn="tl" rotWithShape="0">
+              <a:srgbClr val="000000">
+                <a:alpha val="48000"/>
+              </a:srgbClr>
+            </a:outerShdw>
+          </a:effectLst>
           <a:latin typeface="+mn-lt"/>
           <a:ea typeface="+mn-ea"/>
           <a:cs typeface="+mn-cs"/>
@@ -3438,17 +6083,24 @@
       </a:lvl7pPr>
       <a:lvl8pPr marL="3429000" indent="-228600" algn="l" defTabSz="914400" rtl="0" eaLnBrk="1" latinLnBrk="0" hangingPunct="1">
         <a:lnSpc>
-          <a:spcPct val="90000"/>
+          <a:spcPct val="120000"/>
         </a:lnSpc>
         <a:spcBef>
           <a:spcPts val="500"/>
         </a:spcBef>
         <a:buFont typeface="Arial" panose="020B0604020202020204" pitchFamily="34" charset="0"/>
         <a:buChar char="•"/>
-        <a:defRPr sz="1800" kern="1200">
+        <a:defRPr sz="1200" kern="1200">
           <a:solidFill>
             <a:schemeClr val="tx1"/>
           </a:solidFill>
+          <a:effectLst>
+            <a:outerShdw blurRad="50800" dist="38100" dir="2700000" algn="tl" rotWithShape="0">
+              <a:srgbClr val="000000">
+                <a:alpha val="48000"/>
+              </a:srgbClr>
+            </a:outerShdw>
+          </a:effectLst>
           <a:latin typeface="+mn-lt"/>
           <a:ea typeface="+mn-ea"/>
           <a:cs typeface="+mn-cs"/>
@@ -3456,17 +6108,24 @@
       </a:lvl8pPr>
       <a:lvl9pPr marL="3886200" indent="-228600" algn="l" defTabSz="914400" rtl="0" eaLnBrk="1" latinLnBrk="0" hangingPunct="1">
         <a:lnSpc>
-          <a:spcPct val="90000"/>
+          <a:spcPct val="120000"/>
         </a:lnSpc>
         <a:spcBef>
           <a:spcPts val="500"/>
         </a:spcBef>
         <a:buFont typeface="Arial" panose="020B0604020202020204" pitchFamily="34" charset="0"/>
         <a:buChar char="•"/>
-        <a:defRPr sz="1800" kern="1200">
+        <a:defRPr sz="1200" kern="1200">
           <a:solidFill>
             <a:schemeClr val="tx1"/>
           </a:solidFill>
+          <a:effectLst>
+            <a:outerShdw blurRad="50800" dist="38100" dir="2700000" algn="tl" rotWithShape="0">
+              <a:srgbClr val="000000">
+                <a:alpha val="48000"/>
+              </a:srgbClr>
+            </a:outerShdw>
+          </a:effectLst>
           <a:latin typeface="+mn-lt"/>
           <a:ea typeface="+mn-ea"/>
           <a:cs typeface="+mn-cs"/>
@@ -3475,7 +6134,7 @@
     </p:bodyStyle>
     <p:otherStyle>
       <a:defPPr>
-        <a:defRPr lang="ru-RU"/>
+        <a:defRPr lang="en-US"/>
       </a:defPPr>
       <a:lvl1pPr marL="0" algn="l" defTabSz="914400" rtl="0" eaLnBrk="1" latinLnBrk="0" hangingPunct="1">
         <a:defRPr sz="1800" kern="1200">
@@ -3601,13 +6260,13 @@
         </p:nvSpPr>
         <p:spPr>
           <a:xfrm>
-            <a:off x="4289743" y="5118100"/>
-            <a:ext cx="7586345" cy="1017524"/>
+            <a:off x="4289743" y="4925961"/>
+            <a:ext cx="7586345" cy="1209663"/>
           </a:xfrm>
         </p:spPr>
         <p:txBody>
           <a:bodyPr>
-            <a:normAutofit/>
+            <a:noAutofit/>
           </a:bodyPr>
           <a:lstStyle/>
           <a:p>
@@ -3633,10 +6292,6 @@
               </a:rPr>
               <a:t>Научный руководитель: Тимофеев В. Б.</a:t>
             </a:r>
-            <a:endParaRPr lang="ru-RU" altLang="ru-RU" sz="1800" dirty="0" smtClean="0">
-              <a:latin typeface="Times New Roman" panose="02020603050405020304" pitchFamily="18" charset="0"/>
-              <a:cs typeface="Times New Roman" panose="02020603050405020304" pitchFamily="18" charset="0"/>
-            </a:endParaRPr>
           </a:p>
           <a:p>
             <a:pPr algn="r" eaLnBrk="1" hangingPunct="1"/>
@@ -3675,10 +6330,6 @@
               </a:rPr>
               <a:t>.</a:t>
             </a:r>
-            <a:endParaRPr lang="ru-RU" altLang="ru-RU" sz="1800" b="1" dirty="0" smtClean="0">
-              <a:latin typeface="Times New Roman" panose="02020603050405020304" pitchFamily="18" charset="0"/>
-              <a:cs typeface="Times New Roman" panose="02020603050405020304" pitchFamily="18" charset="0"/>
-            </a:endParaRPr>
           </a:p>
         </p:txBody>
       </p:sp>
@@ -4486,14 +7137,11 @@
             <p:ph type="sldNum" sz="quarter" idx="12"/>
           </p:nvPr>
         </p:nvSpPr>
-        <p:spPr>
-          <a:xfrm>
-            <a:off x="8610600" y="6356349"/>
-            <a:ext cx="2743200" cy="365125"/>
-          </a:xfrm>
-        </p:spPr>
-        <p:txBody>
-          <a:bodyPr/>
+        <p:spPr/>
+        <p:txBody>
+          <a:bodyPr>
+            <a:normAutofit/>
+          </a:bodyPr>
           <a:lstStyle/>
           <a:p>
             <a:fld id="{DD194C9D-7DDB-4F26-A664-84C7039047D2}" type="slidenum">
@@ -4513,14 +7161,14 @@
           <p:nvPr>
             <p:extLst>
               <p:ext uri="{D42A27DB-BD31-4B8C-83A1-F6EECF244321}">
-                <p14:modId xmlns:p14="http://schemas.microsoft.com/office/powerpoint/2010/main" val="2793890935"/>
+                <p14:modId xmlns:p14="http://schemas.microsoft.com/office/powerpoint/2010/main" val="1482020393"/>
               </p:ext>
             </p:extLst>
           </p:nvPr>
         </p:nvGraphicFramePr>
         <p:xfrm>
           <a:off x="838200" y="1219201"/>
-          <a:ext cx="10515599" cy="5312832"/>
+          <a:ext cx="10515599" cy="5405724"/>
         </p:xfrm>
         <a:graphic>
           <a:graphicData uri="http://schemas.openxmlformats.org/drawingml/2006/table">
@@ -4593,7 +7241,13 @@
                       </a:endParaRPr>
                     </a:p>
                   </a:txBody>
-                  <a:tcPr marL="32006" marR="32006" marT="0" marB="0" anchor="ctr"/>
+                  <a:tcPr marL="32006" marR="32006" marT="0" marB="0" anchor="ctr">
+                    <a:solidFill>
+                      <a:schemeClr val="accent1">
+                        <a:lumMod val="50000"/>
+                      </a:schemeClr>
+                    </a:solidFill>
+                  </a:tcPr>
                 </a:tc>
                 <a:tc>
                   <a:txBody>
@@ -4622,7 +7276,13 @@
                       </a:endParaRPr>
                     </a:p>
                   </a:txBody>
-                  <a:tcPr marL="32006" marR="32006" marT="0" marB="0" anchor="ctr"/>
+                  <a:tcPr marL="32006" marR="32006" marT="0" marB="0" anchor="ctr">
+                    <a:solidFill>
+                      <a:schemeClr val="accent1">
+                        <a:lumMod val="50000"/>
+                      </a:schemeClr>
+                    </a:solidFill>
+                  </a:tcPr>
                 </a:tc>
                 <a:tc>
                   <a:txBody>
@@ -4638,12 +7298,12 @@
                         </a:spcAft>
                       </a:pPr>
                       <a:r>
-                        <a:rPr lang="ru-RU" sz="1600">
+                        <a:rPr lang="ru-RU" sz="1600" dirty="0">
                           <a:effectLst/>
                         </a:rPr>
                         <a:t>Тип данных</a:t>
                       </a:r>
-                      <a:endParaRPr lang="ru-RU" sz="1200">
+                      <a:endParaRPr lang="ru-RU" sz="1200" dirty="0">
                         <a:effectLst/>
                         <a:latin typeface="Calibri" panose="020F0502020204030204" pitchFamily="34" charset="0"/>
                         <a:ea typeface="Times New Roman" panose="02020603050405020304" pitchFamily="18" charset="0"/>
@@ -4651,7 +7311,13 @@
                       </a:endParaRPr>
                     </a:p>
                   </a:txBody>
-                  <a:tcPr marL="32006" marR="32006" marT="0" marB="0" anchor="ctr"/>
+                  <a:tcPr marL="32006" marR="32006" marT="0" marB="0" anchor="ctr">
+                    <a:solidFill>
+                      <a:schemeClr val="accent1">
+                        <a:lumMod val="50000"/>
+                      </a:schemeClr>
+                    </a:solidFill>
+                  </a:tcPr>
                 </a:tc>
                 <a:tc>
                   <a:txBody>
@@ -4667,12 +7333,12 @@
                         </a:spcAft>
                       </a:pPr>
                       <a:r>
-                        <a:rPr lang="en-US" sz="1600">
+                        <a:rPr lang="en-US" sz="1600" dirty="0">
                           <a:effectLst/>
                         </a:rPr>
                         <a:t>Default</a:t>
                       </a:r>
-                      <a:endParaRPr lang="ru-RU" sz="1200">
+                      <a:endParaRPr lang="ru-RU" sz="1200" dirty="0">
                         <a:effectLst/>
                         <a:latin typeface="Calibri" panose="020F0502020204030204" pitchFamily="34" charset="0"/>
                         <a:ea typeface="Times New Roman" panose="02020603050405020304" pitchFamily="18" charset="0"/>
@@ -4680,7 +7346,13 @@
                       </a:endParaRPr>
                     </a:p>
                   </a:txBody>
-                  <a:tcPr marL="32006" marR="32006" marT="0" marB="0" anchor="ctr"/>
+                  <a:tcPr marL="32006" marR="32006" marT="0" marB="0" anchor="ctr">
+                    <a:solidFill>
+                      <a:schemeClr val="accent1">
+                        <a:lumMod val="50000"/>
+                      </a:schemeClr>
+                    </a:solidFill>
+                  </a:tcPr>
                 </a:tc>
                 <a:tc>
                   <a:txBody>
@@ -4696,12 +7368,12 @@
                         </a:spcAft>
                       </a:pPr>
                       <a:r>
-                        <a:rPr lang="ru-RU" sz="1600">
+                        <a:rPr lang="ru-RU" sz="1600" dirty="0">
                           <a:effectLst/>
                         </a:rPr>
                         <a:t>Ключ</a:t>
                       </a:r>
-                      <a:endParaRPr lang="ru-RU" sz="1200">
+                      <a:endParaRPr lang="ru-RU" sz="1200" dirty="0">
                         <a:effectLst/>
                         <a:latin typeface="Calibri" panose="020F0502020204030204" pitchFamily="34" charset="0"/>
                         <a:ea typeface="Times New Roman" panose="02020603050405020304" pitchFamily="18" charset="0"/>
@@ -4709,7 +7381,13 @@
                       </a:endParaRPr>
                     </a:p>
                   </a:txBody>
-                  <a:tcPr marL="32006" marR="32006" marT="0" marB="0" anchor="ctr"/>
+                  <a:tcPr marL="32006" marR="32006" marT="0" marB="0" anchor="ctr">
+                    <a:solidFill>
+                      <a:schemeClr val="accent1">
+                        <a:lumMod val="50000"/>
+                      </a:schemeClr>
+                    </a:solidFill>
+                  </a:tcPr>
                 </a:tc>
                 <a:extLst>
                   <a:ext uri="{0D108BD9-81ED-4DB2-BD59-A6C34878D82A}">
@@ -4745,7 +7423,13 @@
                       </a:endParaRPr>
                     </a:p>
                   </a:txBody>
-                  <a:tcPr marL="32006" marR="32006" marT="0" marB="0" anchor="ctr"/>
+                  <a:tcPr marL="32006" marR="32006" marT="0" marB="0" anchor="ctr">
+                    <a:solidFill>
+                      <a:schemeClr val="accent1">
+                        <a:lumMod val="50000"/>
+                      </a:schemeClr>
+                    </a:solidFill>
+                  </a:tcPr>
                 </a:tc>
                 <a:tc>
                   <a:txBody>
@@ -4761,12 +7445,12 @@
                         </a:spcAft>
                       </a:pPr>
                       <a:r>
-                        <a:rPr lang="en-US" sz="1600">
+                        <a:rPr lang="en-US" sz="1600" dirty="0">
                           <a:effectLst/>
                         </a:rPr>
                         <a:t>ID</a:t>
                       </a:r>
-                      <a:endParaRPr lang="ru-RU" sz="1200">
+                      <a:endParaRPr lang="ru-RU" sz="1200" dirty="0">
                         <a:effectLst/>
                         <a:latin typeface="Calibri" panose="020F0502020204030204" pitchFamily="34" charset="0"/>
                         <a:ea typeface="Times New Roman" panose="02020603050405020304" pitchFamily="18" charset="0"/>
@@ -4897,7 +7581,13 @@
                       </a:endParaRPr>
                     </a:p>
                   </a:txBody>
-                  <a:tcPr marL="32006" marR="32006" marT="0" marB="0" anchor="ctr"/>
+                  <a:tcPr marL="32006" marR="32006" marT="0" marB="0" anchor="ctr">
+                    <a:solidFill>
+                      <a:schemeClr val="accent1">
+                        <a:lumMod val="50000"/>
+                      </a:schemeClr>
+                    </a:solidFill>
+                  </a:tcPr>
                 </a:tc>
                 <a:tc>
                   <a:txBody>
@@ -4913,12 +7603,12 @@
                         </a:spcAft>
                       </a:pPr>
                       <a:r>
-                        <a:rPr lang="en-US" sz="1600">
+                        <a:rPr lang="en-US" sz="1600" dirty="0">
                           <a:effectLst/>
                         </a:rPr>
                         <a:t>Name</a:t>
                       </a:r>
-                      <a:endParaRPr lang="ru-RU" sz="1200">
+                      <a:endParaRPr lang="ru-RU" sz="1200" dirty="0">
                         <a:effectLst/>
                         <a:latin typeface="Calibri" panose="020F0502020204030204" pitchFamily="34" charset="0"/>
                         <a:ea typeface="Times New Roman" panose="02020603050405020304" pitchFamily="18" charset="0"/>
@@ -4942,12 +7632,12 @@
                         </a:spcAft>
                       </a:pPr>
                       <a:r>
-                        <a:rPr lang="en-US" sz="1600">
+                        <a:rPr lang="en-US" sz="1600" dirty="0">
                           <a:effectLst/>
                         </a:rPr>
                         <a:t>VARCHAR(45)</a:t>
                       </a:r>
-                      <a:endParaRPr lang="ru-RU" sz="1200">
+                      <a:endParaRPr lang="ru-RU" sz="1200" dirty="0">
                         <a:effectLst/>
                         <a:latin typeface="Calibri" panose="020F0502020204030204" pitchFamily="34" charset="0"/>
                         <a:ea typeface="Times New Roman" panose="02020603050405020304" pitchFamily="18" charset="0"/>
@@ -5049,7 +7739,13 @@
                       </a:endParaRPr>
                     </a:p>
                   </a:txBody>
-                  <a:tcPr marL="32006" marR="32006" marT="0" marB="0" anchor="ctr"/>
+                  <a:tcPr marL="32006" marR="32006" marT="0" marB="0" anchor="ctr">
+                    <a:solidFill>
+                      <a:schemeClr val="accent1">
+                        <a:lumMod val="50000"/>
+                      </a:schemeClr>
+                    </a:solidFill>
+                  </a:tcPr>
                 </a:tc>
                 <a:tc>
                   <a:txBody>
@@ -5094,12 +7790,12 @@
                         </a:spcAft>
                       </a:pPr>
                       <a:r>
-                        <a:rPr lang="en-US" sz="1600">
+                        <a:rPr lang="en-US" sz="1600" dirty="0">
                           <a:effectLst/>
                         </a:rPr>
                         <a:t>INT(11)</a:t>
                       </a:r>
-                      <a:endParaRPr lang="ru-RU" sz="1200">
+                      <a:endParaRPr lang="ru-RU" sz="1200" dirty="0">
                         <a:effectLst/>
                         <a:latin typeface="Calibri" panose="020F0502020204030204" pitchFamily="34" charset="0"/>
                         <a:ea typeface="Times New Roman" panose="02020603050405020304" pitchFamily="18" charset="0"/>
@@ -5201,7 +7897,13 @@
                       </a:endParaRPr>
                     </a:p>
                   </a:txBody>
-                  <a:tcPr marL="32006" marR="32006" marT="0" marB="0" anchor="ctr"/>
+                  <a:tcPr marL="32006" marR="32006" marT="0" marB="0" anchor="ctr">
+                    <a:solidFill>
+                      <a:schemeClr val="accent1">
+                        <a:lumMod val="50000"/>
+                      </a:schemeClr>
+                    </a:solidFill>
+                  </a:tcPr>
                 </a:tc>
                 <a:tc>
                   <a:txBody>
@@ -5246,12 +7948,12 @@
                         </a:spcAft>
                       </a:pPr>
                       <a:r>
-                        <a:rPr lang="ru-RU" sz="1600">
+                        <a:rPr lang="ru-RU" sz="1600" dirty="0">
                           <a:effectLst/>
                         </a:rPr>
                         <a:t>TINYINT(4)</a:t>
                       </a:r>
-                      <a:endParaRPr lang="ru-RU" sz="1200">
+                      <a:endParaRPr lang="ru-RU" sz="1200" dirty="0">
                         <a:effectLst/>
                         <a:latin typeface="Calibri" panose="020F0502020204030204" pitchFamily="34" charset="0"/>
                         <a:ea typeface="Times New Roman" panose="02020603050405020304" pitchFamily="18" charset="0"/>
@@ -5275,12 +7977,12 @@
                         </a:spcAft>
                       </a:pPr>
                       <a:r>
-                        <a:rPr lang="en-US" sz="1600">
+                        <a:rPr lang="en-US" sz="1600" dirty="0">
                           <a:effectLst/>
                         </a:rPr>
                         <a:t>NULL</a:t>
                       </a:r>
-                      <a:endParaRPr lang="ru-RU" sz="1200">
+                      <a:endParaRPr lang="ru-RU" sz="1200" dirty="0">
                         <a:effectLst/>
                         <a:latin typeface="Calibri" panose="020F0502020204030204" pitchFamily="34" charset="0"/>
                         <a:ea typeface="Times New Roman" panose="02020603050405020304" pitchFamily="18" charset="0"/>
@@ -5353,7 +8055,13 @@
                       </a:endParaRPr>
                     </a:p>
                   </a:txBody>
-                  <a:tcPr marL="32006" marR="32006" marT="0" marB="0" anchor="ctr"/>
+                  <a:tcPr marL="32006" marR="32006" marT="0" marB="0" anchor="ctr">
+                    <a:solidFill>
+                      <a:schemeClr val="accent1">
+                        <a:lumMod val="50000"/>
+                      </a:schemeClr>
+                    </a:solidFill>
+                  </a:tcPr>
                 </a:tc>
                 <a:tc>
                   <a:txBody>
@@ -5427,12 +8135,12 @@
                         </a:spcAft>
                       </a:pPr>
                       <a:r>
-                        <a:rPr lang="en-US" sz="1600">
+                        <a:rPr lang="en-US" sz="1600" dirty="0">
                           <a:effectLst/>
                         </a:rPr>
                         <a:t>NULL</a:t>
                       </a:r>
-                      <a:endParaRPr lang="ru-RU" sz="1200">
+                      <a:endParaRPr lang="ru-RU" sz="1200" dirty="0">
                         <a:effectLst/>
                         <a:latin typeface="Calibri" panose="020F0502020204030204" pitchFamily="34" charset="0"/>
                         <a:ea typeface="Times New Roman" panose="02020603050405020304" pitchFamily="18" charset="0"/>
@@ -5505,7 +8213,13 @@
                       </a:endParaRPr>
                     </a:p>
                   </a:txBody>
-                  <a:tcPr marL="32006" marR="32006" marT="0" marB="0" anchor="ctr"/>
+                  <a:tcPr marL="32006" marR="32006" marT="0" marB="0" anchor="ctr">
+                    <a:solidFill>
+                      <a:schemeClr val="accent1">
+                        <a:lumMod val="50000"/>
+                      </a:schemeClr>
+                    </a:solidFill>
+                  </a:tcPr>
                 </a:tc>
                 <a:tc>
                   <a:txBody>
@@ -5644,12 +8358,12 @@
                         </a:spcAft>
                       </a:pPr>
                       <a:r>
-                        <a:rPr lang="ru-RU" sz="1600">
+                        <a:rPr lang="ru-RU" sz="1600" dirty="0">
                           <a:effectLst/>
                         </a:rPr>
                         <a:t>Вид первой СГ</a:t>
                       </a:r>
-                      <a:endParaRPr lang="ru-RU" sz="1200">
+                      <a:endParaRPr lang="ru-RU" sz="1200" dirty="0">
                         <a:effectLst/>
                         <a:latin typeface="Calibri" panose="020F0502020204030204" pitchFamily="34" charset="0"/>
                         <a:ea typeface="Times New Roman" panose="02020603050405020304" pitchFamily="18" charset="0"/>
@@ -5657,7 +8371,13 @@
                       </a:endParaRPr>
                     </a:p>
                   </a:txBody>
-                  <a:tcPr marL="32006" marR="32006" marT="0" marB="0" anchor="ctr"/>
+                  <a:tcPr marL="32006" marR="32006" marT="0" marB="0" anchor="ctr">
+                    <a:solidFill>
+                      <a:schemeClr val="accent1">
+                        <a:lumMod val="50000"/>
+                      </a:schemeClr>
+                    </a:solidFill>
+                  </a:tcPr>
                 </a:tc>
                 <a:tc>
                   <a:txBody>
@@ -5796,12 +8516,12 @@
                         </a:spcAft>
                       </a:pPr>
                       <a:r>
-                        <a:rPr lang="ru-RU" sz="1600">
+                        <a:rPr lang="ru-RU" sz="1600" dirty="0">
                           <a:effectLst/>
                         </a:rPr>
                         <a:t>Вид второй СГ</a:t>
                       </a:r>
-                      <a:endParaRPr lang="ru-RU" sz="1200">
+                      <a:endParaRPr lang="ru-RU" sz="1200" dirty="0">
                         <a:effectLst/>
                         <a:latin typeface="Calibri" panose="020F0502020204030204" pitchFamily="34" charset="0"/>
                         <a:ea typeface="Times New Roman" panose="02020603050405020304" pitchFamily="18" charset="0"/>
@@ -5809,7 +8529,13 @@
                       </a:endParaRPr>
                     </a:p>
                   </a:txBody>
-                  <a:tcPr marL="32006" marR="32006" marT="0" marB="0" anchor="ctr"/>
+                  <a:tcPr marL="32006" marR="32006" marT="0" marB="0" anchor="ctr">
+                    <a:solidFill>
+                      <a:schemeClr val="accent1">
+                        <a:lumMod val="50000"/>
+                      </a:schemeClr>
+                    </a:solidFill>
+                  </a:tcPr>
                 </a:tc>
                 <a:tc>
                   <a:txBody>
@@ -5948,12 +8674,12 @@
                         </a:spcAft>
                       </a:pPr>
                       <a:r>
-                        <a:rPr lang="ru-RU" sz="1600">
+                        <a:rPr lang="ru-RU" sz="1600" dirty="0">
                           <a:effectLst/>
                         </a:rPr>
                         <a:t>Тип первой СГ</a:t>
                       </a:r>
-                      <a:endParaRPr lang="ru-RU" sz="1200">
+                      <a:endParaRPr lang="ru-RU" sz="1200" dirty="0">
                         <a:effectLst/>
                         <a:latin typeface="Calibri" panose="020F0502020204030204" pitchFamily="34" charset="0"/>
                         <a:ea typeface="Times New Roman" panose="02020603050405020304" pitchFamily="18" charset="0"/>
@@ -5961,7 +8687,13 @@
                       </a:endParaRPr>
                     </a:p>
                   </a:txBody>
-                  <a:tcPr marL="32006" marR="32006" marT="0" marB="0" anchor="ctr"/>
+                  <a:tcPr marL="32006" marR="32006" marT="0" marB="0" anchor="ctr">
+                    <a:solidFill>
+                      <a:schemeClr val="accent1">
+                        <a:lumMod val="50000"/>
+                      </a:schemeClr>
+                    </a:solidFill>
+                  </a:tcPr>
                 </a:tc>
                 <a:tc>
                   <a:txBody>
@@ -6100,12 +8832,12 @@
                         </a:spcAft>
                       </a:pPr>
                       <a:r>
-                        <a:rPr lang="ru-RU" sz="1600">
+                        <a:rPr lang="ru-RU" sz="1600" dirty="0">
                           <a:effectLst/>
                         </a:rPr>
                         <a:t>Тип второй СГ</a:t>
                       </a:r>
-                      <a:endParaRPr lang="ru-RU" sz="1200">
+                      <a:endParaRPr lang="ru-RU" sz="1200" dirty="0">
                         <a:effectLst/>
                         <a:latin typeface="Calibri" panose="020F0502020204030204" pitchFamily="34" charset="0"/>
                         <a:ea typeface="Times New Roman" panose="02020603050405020304" pitchFamily="18" charset="0"/>
@@ -6113,7 +8845,13 @@
                       </a:endParaRPr>
                     </a:p>
                   </a:txBody>
-                  <a:tcPr marL="32006" marR="32006" marT="0" marB="0" anchor="ctr"/>
+                  <a:tcPr marL="32006" marR="32006" marT="0" marB="0" anchor="ctr">
+                    <a:solidFill>
+                      <a:schemeClr val="accent1">
+                        <a:lumMod val="50000"/>
+                      </a:schemeClr>
+                    </a:solidFill>
+                  </a:tcPr>
                 </a:tc>
                 <a:tc>
                   <a:txBody>
@@ -6252,12 +8990,12 @@
                         </a:spcAft>
                       </a:pPr>
                       <a:r>
-                        <a:rPr lang="ru-RU" sz="1600">
+                        <a:rPr lang="ru-RU" sz="1600" dirty="0">
                           <a:effectLst/>
                         </a:rPr>
                         <a:t>Член предложения подчиненной группы</a:t>
                       </a:r>
-                      <a:endParaRPr lang="ru-RU" sz="1200">
+                      <a:endParaRPr lang="ru-RU" sz="1200" dirty="0">
                         <a:effectLst/>
                         <a:latin typeface="Calibri" panose="020F0502020204030204" pitchFamily="34" charset="0"/>
                         <a:ea typeface="Times New Roman" panose="02020603050405020304" pitchFamily="18" charset="0"/>
@@ -6265,7 +9003,13 @@
                       </a:endParaRPr>
                     </a:p>
                   </a:txBody>
-                  <a:tcPr marL="32006" marR="32006" marT="0" marB="0" anchor="ctr"/>
+                  <a:tcPr marL="32006" marR="32006" marT="0" marB="0" anchor="ctr">
+                    <a:solidFill>
+                      <a:schemeClr val="accent1">
+                        <a:lumMod val="50000"/>
+                      </a:schemeClr>
+                    </a:solidFill>
+                  </a:tcPr>
                 </a:tc>
                 <a:tc>
                   <a:txBody>
@@ -6477,7 +9221,9 @@
         </p:nvSpPr>
         <p:spPr/>
         <p:txBody>
-          <a:bodyPr/>
+          <a:bodyPr>
+            <a:normAutofit/>
+          </a:bodyPr>
           <a:lstStyle/>
           <a:p>
             <a:fld id="{DD194C9D-7DDB-4F26-A664-84C7039047D2}" type="slidenum">
@@ -6596,7 +9342,9 @@
         </p:nvSpPr>
         <p:spPr/>
         <p:txBody>
-          <a:bodyPr/>
+          <a:bodyPr>
+            <a:normAutofit/>
+          </a:bodyPr>
           <a:lstStyle/>
           <a:p>
             <a:fld id="{DD194C9D-7DDB-4F26-A664-84C7039047D2}" type="slidenum">
@@ -6715,7 +9463,9 @@
         </p:nvSpPr>
         <p:spPr/>
         <p:txBody>
-          <a:bodyPr/>
+          <a:bodyPr>
+            <a:normAutofit/>
+          </a:bodyPr>
           <a:lstStyle/>
           <a:p>
             <a:fld id="{DD194C9D-7DDB-4F26-A664-84C7039047D2}" type="slidenum">
@@ -6797,7 +9547,9 @@
         </p:nvSpPr>
         <p:spPr/>
         <p:txBody>
-          <a:bodyPr/>
+          <a:bodyPr>
+            <a:normAutofit/>
+          </a:bodyPr>
           <a:lstStyle/>
           <a:p>
             <a:fld id="{DD194C9D-7DDB-4F26-A664-84C7039047D2}" type="slidenum">
@@ -6904,6 +9656,31 @@
       </p:sp>
       <p:sp>
         <p:nvSpPr>
+          <p:cNvPr id="3" name="Номер слайда 2"/>
+          <p:cNvSpPr>
+            <a:spLocks noGrp="1"/>
+          </p:cNvSpPr>
+          <p:nvPr>
+            <p:ph type="sldNum" sz="quarter" idx="12"/>
+          </p:nvPr>
+        </p:nvSpPr>
+        <p:spPr/>
+        <p:txBody>
+          <a:bodyPr>
+            <a:normAutofit/>
+          </a:bodyPr>
+          <a:lstStyle/>
+          <a:p>
+            <a:fld id="{DD194C9D-7DDB-4F26-A664-84C7039047D2}" type="slidenum">
+              <a:rPr lang="ru-RU" smtClean="0"/>
+              <a:t>15</a:t>
+            </a:fld>
+            <a:endParaRPr lang="ru-RU"/>
+          </a:p>
+        </p:txBody>
+      </p:sp>
+      <p:sp>
+        <p:nvSpPr>
           <p:cNvPr id="2" name="Прямоугольник 1"/>
           <p:cNvSpPr/>
           <p:nvPr/>
@@ -6933,36 +9710,11 @@
             </a:pPr>
             <a:r>
               <a:rPr lang="ru-RU" sz="2400" dirty="0" smtClean="0">
-                <a:solidFill>
-                  <a:srgbClr val="000000"/>
-                </a:solidFill>
                 <a:latin typeface="Times New Roman" panose="02020603050405020304" pitchFamily="18" charset="0"/>
                 <a:ea typeface="Times New Roman" panose="02020603050405020304" pitchFamily="18" charset="0"/>
                 <a:cs typeface="Times New Roman" panose="02020603050405020304" pitchFamily="18" charset="0"/>
               </a:rPr>
-              <a:t>В процессе разработки </a:t>
-            </a:r>
-            <a:r>
-              <a:rPr lang="ru-RU" sz="2400" dirty="0" smtClean="0">
-                <a:solidFill>
-                  <a:srgbClr val="000000"/>
-                </a:solidFill>
-                <a:latin typeface="Times New Roman" panose="02020603050405020304" pitchFamily="18" charset="0"/>
-                <a:ea typeface="Times New Roman" panose="02020603050405020304" pitchFamily="18" charset="0"/>
-                <a:cs typeface="Times New Roman" panose="02020603050405020304" pitchFamily="18" charset="0"/>
-              </a:rPr>
-              <a:t>Модуля </a:t>
-            </a:r>
-            <a:r>
-              <a:rPr lang="ru-RU" sz="2400" dirty="0" smtClean="0">
-                <a:solidFill>
-                  <a:srgbClr val="000000"/>
-                </a:solidFill>
-                <a:latin typeface="Times New Roman" panose="02020603050405020304" pitchFamily="18" charset="0"/>
-                <a:ea typeface="Times New Roman" panose="02020603050405020304" pitchFamily="18" charset="0"/>
-                <a:cs typeface="Times New Roman" panose="02020603050405020304" pitchFamily="18" charset="0"/>
-              </a:rPr>
-              <a:t>были получены следующие результаты:</a:t>
+              <a:t>В процессе разработки Модуля были получены следующие результаты:</a:t>
             </a:r>
           </a:p>
           <a:p>
@@ -6978,25 +9730,11 @@
             </a:pPr>
             <a:r>
               <a:rPr lang="ru-RU" sz="2400" dirty="0" smtClean="0">
-                <a:solidFill>
-                  <a:srgbClr val="000000"/>
-                </a:solidFill>
                 <a:latin typeface="Times New Roman" panose="02020603050405020304" pitchFamily="18" charset="0"/>
                 <a:ea typeface="Times New Roman" panose="02020603050405020304" pitchFamily="18" charset="0"/>
                 <a:cs typeface="Times New Roman" panose="02020603050405020304" pitchFamily="18" charset="0"/>
               </a:rPr>
-              <a:t>Изучена предметная </a:t>
-            </a:r>
-            <a:r>
-              <a:rPr lang="ru-RU" sz="2400" dirty="0" smtClean="0">
-                <a:solidFill>
-                  <a:srgbClr val="000000"/>
-                </a:solidFill>
-                <a:latin typeface="Times New Roman" panose="02020603050405020304" pitchFamily="18" charset="0"/>
-                <a:ea typeface="Times New Roman" panose="02020603050405020304" pitchFamily="18" charset="0"/>
-                <a:cs typeface="Times New Roman" panose="02020603050405020304" pitchFamily="18" charset="0"/>
-              </a:rPr>
-              <a:t>область, в том числе базовые элементы компьютерной лингвистики и ТСГ;</a:t>
+              <a:t>Изучена предметная область, в том числе базовые элементы компьютерной лингвистики и ТСГ;</a:t>
             </a:r>
             <a:endParaRPr lang="ru-RU" dirty="0">
               <a:latin typeface="Calibri" panose="020F0502020204030204" pitchFamily="34" charset="0"/>
@@ -7017,47 +9755,11 @@
             </a:pPr>
             <a:r>
               <a:rPr lang="ru-RU" sz="2400" dirty="0" smtClean="0">
-                <a:solidFill>
-                  <a:srgbClr val="000000"/>
-                </a:solidFill>
                 <a:latin typeface="Times New Roman" panose="02020603050405020304" pitchFamily="18" charset="0"/>
                 <a:ea typeface="Times New Roman" panose="02020603050405020304" pitchFamily="18" charset="0"/>
                 <a:cs typeface="Times New Roman" panose="02020603050405020304" pitchFamily="18" charset="0"/>
               </a:rPr>
-              <a:t>Проведен </a:t>
-            </a:r>
-            <a:r>
-              <a:rPr lang="ru-RU" sz="2400" dirty="0" smtClean="0">
-                <a:solidFill>
-                  <a:srgbClr val="000000"/>
-                </a:solidFill>
-                <a:latin typeface="Times New Roman" panose="02020603050405020304" pitchFamily="18" charset="0"/>
-                <a:ea typeface="Times New Roman" panose="02020603050405020304" pitchFamily="18" charset="0"/>
-                <a:cs typeface="Times New Roman" panose="02020603050405020304" pitchFamily="18" charset="0"/>
-              </a:rPr>
-              <a:t>сравнительный анализ аналогов </a:t>
-            </a:r>
-            <a:r>
-              <a:rPr lang="ru-RU" sz="2400" dirty="0" smtClean="0">
-                <a:solidFill>
-                  <a:srgbClr val="000000"/>
-                </a:solidFill>
-                <a:latin typeface="Times New Roman" panose="02020603050405020304" pitchFamily="18" charset="0"/>
-                <a:ea typeface="Times New Roman" panose="02020603050405020304" pitchFamily="18" charset="0"/>
-                <a:cs typeface="Times New Roman" panose="02020603050405020304" pitchFamily="18" charset="0"/>
-              </a:rPr>
-              <a:t>синтаксических анализаторов</a:t>
-            </a:r>
-            <a:r>
-              <a:rPr lang="ru-RU" sz="2400" dirty="0" smtClean="0">
-                <a:solidFill>
-                  <a:srgbClr val="000000"/>
-                </a:solidFill>
-                <a:latin typeface="Times New Roman" panose="02020603050405020304" pitchFamily="18" charset="0"/>
-                <a:ea typeface="Times New Roman" panose="02020603050405020304" pitchFamily="18" charset="0"/>
-                <a:cs typeface="Times New Roman" panose="02020603050405020304" pitchFamily="18" charset="0"/>
-              </a:rPr>
-              <a:t>;</a:t>
+              <a:t>Проведен сравнительный анализ аналогов синтаксических анализаторов;</a:t>
             </a:r>
             <a:endParaRPr lang="ru-RU" dirty="0">
               <a:latin typeface="Calibri" panose="020F0502020204030204" pitchFamily="34" charset="0"/>
@@ -7078,69 +9780,11 @@
             </a:pPr>
             <a:r>
               <a:rPr lang="ru-RU" sz="2400" dirty="0" smtClean="0">
-                <a:solidFill>
-                  <a:srgbClr val="000000"/>
-                </a:solidFill>
                 <a:latin typeface="Times New Roman" panose="02020603050405020304" pitchFamily="18" charset="0"/>
                 <a:ea typeface="Times New Roman" panose="02020603050405020304" pitchFamily="18" charset="0"/>
                 <a:cs typeface="Times New Roman" panose="02020603050405020304" pitchFamily="18" charset="0"/>
               </a:rPr>
-              <a:t>Осуществлен </a:t>
-            </a:r>
-            <a:r>
-              <a:rPr lang="ru-RU" sz="2400" dirty="0" smtClean="0">
-                <a:solidFill>
-                  <a:srgbClr val="000000"/>
-                </a:solidFill>
-                <a:latin typeface="Times New Roman" panose="02020603050405020304" pitchFamily="18" charset="0"/>
-                <a:ea typeface="Times New Roman" panose="02020603050405020304" pitchFamily="18" charset="0"/>
-                <a:cs typeface="Times New Roman" panose="02020603050405020304" pitchFamily="18" charset="0"/>
-              </a:rPr>
-              <a:t>выбор </a:t>
-            </a:r>
-            <a:r>
-              <a:rPr lang="ru-RU" sz="2400" dirty="0" smtClean="0">
-                <a:solidFill>
-                  <a:srgbClr val="000000"/>
-                </a:solidFill>
-                <a:latin typeface="Times New Roman" panose="02020603050405020304" pitchFamily="18" charset="0"/>
-                <a:ea typeface="Times New Roman" panose="02020603050405020304" pitchFamily="18" charset="0"/>
-                <a:cs typeface="Times New Roman" panose="02020603050405020304" pitchFamily="18" charset="0"/>
-              </a:rPr>
-              <a:t>средств и алгоритмов </a:t>
-            </a:r>
-            <a:r>
-              <a:rPr lang="ru-RU" sz="2400" dirty="0" smtClean="0">
-                <a:solidFill>
-                  <a:srgbClr val="000000"/>
-                </a:solidFill>
-                <a:latin typeface="Times New Roman" panose="02020603050405020304" pitchFamily="18" charset="0"/>
-                <a:ea typeface="Times New Roman" panose="02020603050405020304" pitchFamily="18" charset="0"/>
-                <a:cs typeface="Times New Roman" panose="02020603050405020304" pitchFamily="18" charset="0"/>
-              </a:rPr>
-              <a:t>для проектирования </a:t>
-            </a:r>
-            <a:r>
-              <a:rPr lang="ru-RU" sz="2400" dirty="0" smtClean="0">
-                <a:solidFill>
-                  <a:srgbClr val="000000"/>
-                </a:solidFill>
-                <a:latin typeface="Times New Roman" panose="02020603050405020304" pitchFamily="18" charset="0"/>
-                <a:ea typeface="Times New Roman" panose="02020603050405020304" pitchFamily="18" charset="0"/>
-                <a:cs typeface="Times New Roman" panose="02020603050405020304" pitchFamily="18" charset="0"/>
-              </a:rPr>
-              <a:t>Модуля</a:t>
-            </a:r>
-            <a:r>
-              <a:rPr lang="ru-RU" sz="2400" dirty="0" smtClean="0">
-                <a:solidFill>
-                  <a:srgbClr val="000000"/>
-                </a:solidFill>
-                <a:latin typeface="Times New Roman" panose="02020603050405020304" pitchFamily="18" charset="0"/>
-                <a:ea typeface="Times New Roman" panose="02020603050405020304" pitchFamily="18" charset="0"/>
-                <a:cs typeface="Times New Roman" panose="02020603050405020304" pitchFamily="18" charset="0"/>
-              </a:rPr>
-              <a:t>;</a:t>
+              <a:t>Осуществлен выбор средств и алгоритмов для проектирования Модуля;</a:t>
             </a:r>
             <a:endParaRPr lang="ru-RU" dirty="0">
               <a:latin typeface="Calibri" panose="020F0502020204030204" pitchFamily="34" charset="0"/>
@@ -7161,36 +9805,11 @@
             </a:pPr>
             <a:r>
               <a:rPr lang="ru-RU" sz="2400" dirty="0" smtClean="0">
-                <a:solidFill>
-                  <a:srgbClr val="000000"/>
-                </a:solidFill>
                 <a:latin typeface="Times New Roman" panose="02020603050405020304" pitchFamily="18" charset="0"/>
                 <a:ea typeface="Times New Roman" panose="02020603050405020304" pitchFamily="18" charset="0"/>
                 <a:cs typeface="Times New Roman" panose="02020603050405020304" pitchFamily="18" charset="0"/>
               </a:rPr>
-              <a:t>Система </a:t>
-            </a:r>
-            <a:r>
-              <a:rPr lang="ru-RU" sz="2400" dirty="0" smtClean="0">
-                <a:solidFill>
-                  <a:srgbClr val="000000"/>
-                </a:solidFill>
-                <a:latin typeface="Times New Roman" panose="02020603050405020304" pitchFamily="18" charset="0"/>
-                <a:ea typeface="Times New Roman" panose="02020603050405020304" pitchFamily="18" charset="0"/>
-                <a:cs typeface="Times New Roman" panose="02020603050405020304" pitchFamily="18" charset="0"/>
-              </a:rPr>
-              <a:t>была </a:t>
-            </a:r>
-            <a:r>
-              <a:rPr lang="ru-RU" sz="2400" dirty="0" smtClean="0">
-                <a:solidFill>
-                  <a:srgbClr val="000000"/>
-                </a:solidFill>
-                <a:latin typeface="Times New Roman" panose="02020603050405020304" pitchFamily="18" charset="0"/>
-                <a:ea typeface="Times New Roman" panose="02020603050405020304" pitchFamily="18" charset="0"/>
-                <a:cs typeface="Times New Roman" panose="02020603050405020304" pitchFamily="18" charset="0"/>
-              </a:rPr>
-              <a:t>запрограммирована;</a:t>
+              <a:t>Система была запрограммирована;</a:t>
             </a:r>
             <a:endParaRPr lang="ru-RU" dirty="0">
               <a:latin typeface="Calibri" panose="020F0502020204030204" pitchFamily="34" charset="0"/>
@@ -7211,36 +9830,11 @@
             </a:pPr>
             <a:r>
               <a:rPr lang="ru-RU" sz="2400" dirty="0" smtClean="0">
-                <a:solidFill>
-                  <a:srgbClr val="000000"/>
-                </a:solidFill>
                 <a:latin typeface="Times New Roman" panose="02020603050405020304" pitchFamily="18" charset="0"/>
                 <a:ea typeface="Times New Roman" panose="02020603050405020304" pitchFamily="18" charset="0"/>
                 <a:cs typeface="Times New Roman" panose="02020603050405020304" pitchFamily="18" charset="0"/>
               </a:rPr>
-              <a:t>Разработана </a:t>
-            </a:r>
-            <a:r>
-              <a:rPr lang="ru-RU" sz="2400" dirty="0" smtClean="0">
-                <a:solidFill>
-                  <a:srgbClr val="000000"/>
-                </a:solidFill>
-                <a:latin typeface="Times New Roman" panose="02020603050405020304" pitchFamily="18" charset="0"/>
-                <a:ea typeface="Times New Roman" panose="02020603050405020304" pitchFamily="18" charset="0"/>
-                <a:cs typeface="Times New Roman" panose="02020603050405020304" pitchFamily="18" charset="0"/>
-              </a:rPr>
-              <a:t>техническая документация, сопровождающая </a:t>
-            </a:r>
-            <a:r>
-              <a:rPr lang="ru-RU" sz="2400" dirty="0" smtClean="0">
-                <a:solidFill>
-                  <a:srgbClr val="000000"/>
-                </a:solidFill>
-                <a:latin typeface="Times New Roman" panose="02020603050405020304" pitchFamily="18" charset="0"/>
-                <a:ea typeface="Times New Roman" panose="02020603050405020304" pitchFamily="18" charset="0"/>
-                <a:cs typeface="Times New Roman" panose="02020603050405020304" pitchFamily="18" charset="0"/>
-              </a:rPr>
-              <a:t>систему;</a:t>
+              <a:t>Разработана техническая документация, сопровождающая систему;</a:t>
             </a:r>
             <a:endParaRPr lang="ru-RU" dirty="0">
               <a:latin typeface="Calibri" panose="020F0502020204030204" pitchFamily="34" charset="0"/>
@@ -7261,9 +9855,6 @@
             </a:pPr>
             <a:r>
               <a:rPr lang="ru-RU" sz="2400" dirty="0" smtClean="0">
-                <a:solidFill>
-                  <a:srgbClr val="000000"/>
-                </a:solidFill>
                 <a:latin typeface="Times New Roman" panose="02020603050405020304" pitchFamily="18" charset="0"/>
                 <a:ea typeface="Times New Roman" panose="02020603050405020304" pitchFamily="18" charset="0"/>
                 <a:cs typeface="Times New Roman" panose="02020603050405020304" pitchFamily="18" charset="0"/>
@@ -7272,9 +9863,6 @@
             </a:r>
             <a:r>
               <a:rPr lang="ru-RU" sz="2400" dirty="0">
-                <a:solidFill>
-                  <a:srgbClr val="000000"/>
-                </a:solidFill>
                 <a:latin typeface="Times New Roman" panose="02020603050405020304" pitchFamily="18" charset="0"/>
                 <a:ea typeface="Times New Roman" panose="02020603050405020304" pitchFamily="18" charset="0"/>
                 <a:cs typeface="Times New Roman" panose="02020603050405020304" pitchFamily="18" charset="0"/>
@@ -7283,9 +9871,6 @@
             </a:r>
             <a:r>
               <a:rPr lang="ru-RU" sz="2400" dirty="0" smtClean="0">
-                <a:solidFill>
-                  <a:srgbClr val="000000"/>
-                </a:solidFill>
                 <a:latin typeface="Times New Roman" panose="02020603050405020304" pitchFamily="18" charset="0"/>
                 <a:ea typeface="Times New Roman" panose="02020603050405020304" pitchFamily="18" charset="0"/>
                 <a:cs typeface="Times New Roman" panose="02020603050405020304" pitchFamily="18" charset="0"/>
@@ -7294,9 +9879,6 @@
             </a:r>
             <a:r>
               <a:rPr lang="ru-RU" sz="2400" dirty="0">
-                <a:solidFill>
-                  <a:srgbClr val="000000"/>
-                </a:solidFill>
                 <a:latin typeface="Times New Roman" panose="02020603050405020304" pitchFamily="18" charset="0"/>
                 <a:ea typeface="Times New Roman" panose="02020603050405020304" pitchFamily="18" charset="0"/>
                 <a:cs typeface="Times New Roman" panose="02020603050405020304" pitchFamily="18" charset="0"/>
@@ -7309,29 +9891,6 @@
               <a:ea typeface="Times New Roman" panose="02020603050405020304" pitchFamily="18" charset="0"/>
               <a:cs typeface="Times New Roman" panose="02020603050405020304" pitchFamily="18" charset="0"/>
             </a:endParaRPr>
-          </a:p>
-        </p:txBody>
-      </p:sp>
-      <p:sp>
-        <p:nvSpPr>
-          <p:cNvPr id="3" name="Номер слайда 2"/>
-          <p:cNvSpPr>
-            <a:spLocks noGrp="1"/>
-          </p:cNvSpPr>
-          <p:nvPr>
-            <p:ph type="sldNum" sz="quarter" idx="12"/>
-          </p:nvPr>
-        </p:nvSpPr>
-        <p:spPr/>
-        <p:txBody>
-          <a:bodyPr/>
-          <a:lstStyle/>
-          <a:p>
-            <a:fld id="{DD194C9D-7DDB-4F26-A664-84C7039047D2}" type="slidenum">
-              <a:rPr lang="ru-RU" smtClean="0"/>
-              <a:t>15</a:t>
-            </a:fld>
-            <a:endParaRPr lang="ru-RU"/>
           </a:p>
         </p:txBody>
       </p:sp>
@@ -7500,6 +10059,13 @@
   <p:clrMapOvr>
     <a:masterClrMapping/>
   </p:clrMapOvr>
+  <p:timing>
+    <p:tnLst>
+      <p:par>
+        <p:cTn id="1" dur="indefinite" restart="never" nodeType="tmRoot"/>
+      </p:par>
+    </p:tnLst>
+  </p:timing>
 </p:sld>
 </file>
 
@@ -7562,7 +10128,7 @@
         <p:spPr/>
         <p:txBody>
           <a:bodyPr>
-            <a:normAutofit fontScale="77500" lnSpcReduction="20000"/>
+            <a:normAutofit fontScale="85000" lnSpcReduction="20000"/>
           </a:bodyPr>
           <a:lstStyle/>
           <a:p>
@@ -7754,6 +10320,13 @@
   <p:clrMapOvr>
     <a:masterClrMapping/>
   </p:clrMapOvr>
+  <p:timing>
+    <p:tnLst>
+      <p:par>
+        <p:cTn id="1" dur="indefinite" restart="never" nodeType="tmRoot"/>
+      </p:par>
+    </p:tnLst>
+  </p:timing>
 </p:sld>
 </file>
 
@@ -7817,7 +10390,7 @@
         <p:spPr/>
         <p:txBody>
           <a:bodyPr>
-            <a:normAutofit lnSpcReduction="10000"/>
+            <a:normAutofit/>
           </a:bodyPr>
           <a:lstStyle/>
           <a:p>
@@ -7888,7 +10461,9 @@
         </p:nvSpPr>
         <p:spPr/>
         <p:txBody>
-          <a:bodyPr/>
+          <a:bodyPr>
+            <a:normAutofit/>
+          </a:bodyPr>
           <a:lstStyle/>
           <a:p>
             <a:fld id="{DD194C9D-7DDB-4F26-A664-84C7039047D2}" type="slidenum">
@@ -7946,7 +10521,12 @@
             <p:ph type="title"/>
           </p:nvPr>
         </p:nvSpPr>
-        <p:spPr/>
+        <p:spPr>
+          <a:xfrm>
+            <a:off x="919118" y="110908"/>
+            <a:ext cx="10353761" cy="980474"/>
+          </a:xfrm>
+        </p:spPr>
         <p:txBody>
           <a:bodyPr/>
           <a:lstStyle/>
@@ -7978,7 +10558,9 @@
         </p:nvSpPr>
         <p:spPr/>
         <p:txBody>
-          <a:bodyPr/>
+          <a:bodyPr>
+            <a:normAutofit/>
+          </a:bodyPr>
           <a:lstStyle/>
           <a:p>
             <a:fld id="{DD194C9D-7DDB-4F26-A664-84C7039047D2}" type="slidenum">
@@ -7998,20 +10580,20 @@
           <p:nvPr>
             <p:extLst>
               <p:ext uri="{D42A27DB-BD31-4B8C-83A1-F6EECF244321}">
-                <p14:modId xmlns:p14="http://schemas.microsoft.com/office/powerpoint/2010/main" val="3637395744"/>
+                <p14:modId xmlns:p14="http://schemas.microsoft.com/office/powerpoint/2010/main" val="152056622"/>
               </p:ext>
             </p:extLst>
           </p:nvPr>
         </p:nvGraphicFramePr>
         <p:xfrm>
-          <a:off x="1595999" y="1437228"/>
-          <a:ext cx="9000001" cy="5071727"/>
+          <a:off x="1595997" y="1220918"/>
+          <a:ext cx="9000001" cy="5268602"/>
         </p:xfrm>
         <a:graphic>
           <a:graphicData uri="http://schemas.openxmlformats.org/drawingml/2006/table">
             <a:tbl>
               <a:tblPr firstRow="1" firstCol="1" bandRow="1">
-                <a:tableStyleId>{93296810-A885-4BE3-A3E7-6D5BEEA58F35}</a:tableStyleId>
+                <a:tableStyleId>{5C22544A-7EE6-4342-B048-85BDC9FD1C3A}</a:tableStyleId>
               </a:tblPr>
               <a:tblGrid>
                 <a:gridCol w="2805881">
@@ -8050,7 +10632,7 @@
                   </a:extLst>
                 </a:gridCol>
               </a:tblGrid>
-              <a:tr h="702533">
+              <a:tr h="548888">
                 <a:tc>
                   <a:txBody>
                     <a:bodyPr/>
@@ -8067,8 +10649,6 @@
                       <a:r>
                         <a:rPr lang="ru-RU" sz="2000" dirty="0">
                           <a:effectLst/>
-                          <a:latin typeface="Times New Roman" panose="02020603050405020304" pitchFamily="18" charset="0"/>
-                          <a:cs typeface="Times New Roman" panose="02020603050405020304" pitchFamily="18" charset="0"/>
                         </a:rPr>
                         <a:t>Критерий</a:t>
                       </a:r>
@@ -8080,7 +10660,13 @@
                       </a:endParaRPr>
                     </a:p>
                   </a:txBody>
-                  <a:tcPr marL="68580" marR="68580" marT="0" marB="0" anchor="ctr"/>
+                  <a:tcPr marL="68580" marR="68580" marT="0" marB="0" anchor="ctr">
+                    <a:solidFill>
+                      <a:schemeClr val="accent1">
+                        <a:lumMod val="50000"/>
+                      </a:schemeClr>
+                    </a:solidFill>
+                  </a:tcPr>
                 </a:tc>
                 <a:tc>
                   <a:txBody>
@@ -8098,32 +10684,24 @@
                       <a:r>
                         <a:rPr lang="ru-RU" sz="2000" dirty="0">
                           <a:effectLst/>
-                          <a:latin typeface="Times New Roman" panose="02020603050405020304" pitchFamily="18" charset="0"/>
-                          <a:cs typeface="Times New Roman" panose="02020603050405020304" pitchFamily="18" charset="0"/>
                         </a:rPr>
                         <a:t>Вес (</a:t>
                       </a:r>
                       <a:r>
                         <a:rPr lang="en-US" sz="2000" dirty="0">
                           <a:effectLst/>
-                          <a:latin typeface="Times New Roman" panose="02020603050405020304" pitchFamily="18" charset="0"/>
-                          <a:cs typeface="Times New Roman" panose="02020603050405020304" pitchFamily="18" charset="0"/>
                         </a:rPr>
                         <a:t>α</a:t>
                       </a:r>
                       <a:r>
                         <a:rPr lang="en-US" sz="2000" baseline="-25000" dirty="0" err="1">
                           <a:effectLst/>
-                          <a:latin typeface="Times New Roman" panose="02020603050405020304" pitchFamily="18" charset="0"/>
-                          <a:cs typeface="Times New Roman" panose="02020603050405020304" pitchFamily="18" charset="0"/>
                         </a:rPr>
                         <a:t>i</a:t>
                       </a:r>
                       <a:r>
                         <a:rPr lang="ru-RU" sz="2000" dirty="0">
                           <a:effectLst/>
-                          <a:latin typeface="Times New Roman" panose="02020603050405020304" pitchFamily="18" charset="0"/>
-                          <a:cs typeface="Times New Roman" panose="02020603050405020304" pitchFamily="18" charset="0"/>
                         </a:rPr>
                         <a:t>)</a:t>
                       </a:r>
@@ -8135,7 +10713,13 @@
                       </a:endParaRPr>
                     </a:p>
                   </a:txBody>
-                  <a:tcPr marL="68580" marR="68580" marT="0" marB="0" anchor="ctr"/>
+                  <a:tcPr marL="68580" marR="68580" marT="0" marB="0" anchor="ctr">
+                    <a:solidFill>
+                      <a:schemeClr val="accent1">
+                        <a:lumMod val="50000"/>
+                      </a:schemeClr>
+                    </a:solidFill>
+                  </a:tcPr>
                 </a:tc>
                 <a:tc>
                   <a:txBody>
@@ -8151,12 +10735,10 @@
                         </a:spcAft>
                       </a:pPr>
                       <a:r>
-                        <a:rPr lang="ru-RU" sz="2000" dirty="0">
+                        <a:rPr lang="en-US" sz="2000" dirty="0" err="1" smtClean="0">
                           <a:effectLst/>
-                          <a:latin typeface="Times New Roman" panose="02020603050405020304" pitchFamily="18" charset="0"/>
-                          <a:cs typeface="Times New Roman" panose="02020603050405020304" pitchFamily="18" charset="0"/>
                         </a:rPr>
-                        <a:t>В1</a:t>
+                        <a:t>Solarix</a:t>
                       </a:r>
                       <a:endParaRPr lang="ru-RU" sz="1600" dirty="0">
                         <a:effectLst/>
@@ -8166,7 +10748,13 @@
                       </a:endParaRPr>
                     </a:p>
                   </a:txBody>
-                  <a:tcPr marL="68580" marR="68580" marT="0" marB="0" anchor="ctr"/>
+                  <a:tcPr marL="68580" marR="68580" marT="0" marB="0" anchor="ctr">
+                    <a:solidFill>
+                      <a:schemeClr val="accent1">
+                        <a:lumMod val="50000"/>
+                      </a:schemeClr>
+                    </a:solidFill>
+                  </a:tcPr>
                 </a:tc>
                 <a:tc>
                   <a:txBody>
@@ -8182,14 +10770,15 @@
                         </a:spcAft>
                       </a:pPr>
                       <a:r>
-                        <a:rPr lang="ru-RU" sz="2000">
+                        <a:rPr lang="ru-RU" sz="2000" dirty="0" smtClean="0">
                           <a:effectLst/>
-                          <a:latin typeface="Times New Roman" panose="02020603050405020304" pitchFamily="18" charset="0"/>
-                          <a:cs typeface="Times New Roman" panose="02020603050405020304" pitchFamily="18" charset="0"/>
+                          <a:latin typeface="+mn-lt"/>
+                          <a:ea typeface="+mn-ea"/>
+                          <a:cs typeface="+mn-cs"/>
                         </a:rPr>
-                        <a:t>В2</a:t>
+                        <a:t>АОТ</a:t>
                       </a:r>
-                      <a:endParaRPr lang="ru-RU" sz="1600">
+                      <a:endParaRPr lang="ru-RU" sz="1600" dirty="0">
                         <a:effectLst/>
                         <a:latin typeface="Times New Roman" panose="02020603050405020304" pitchFamily="18" charset="0"/>
                         <a:ea typeface="Times New Roman" panose="02020603050405020304" pitchFamily="18" charset="0"/>
@@ -8197,7 +10786,13 @@
                       </a:endParaRPr>
                     </a:p>
                   </a:txBody>
-                  <a:tcPr marL="68580" marR="68580" marT="0" marB="0" anchor="ctr"/>
+                  <a:tcPr marL="68580" marR="68580" marT="0" marB="0" anchor="ctr">
+                    <a:solidFill>
+                      <a:schemeClr val="accent1">
+                        <a:lumMod val="50000"/>
+                      </a:schemeClr>
+                    </a:solidFill>
+                  </a:tcPr>
                 </a:tc>
                 <a:tc>
                   <a:txBody>
@@ -8213,22 +10808,35 @@
                         </a:spcAft>
                       </a:pPr>
                       <a:r>
-                        <a:rPr lang="ru-RU" sz="2000">
+                        <a:rPr lang="ru-RU" sz="2000" b="1" kern="1200" dirty="0" smtClean="0">
+                          <a:solidFill>
+                            <a:schemeClr val="lt1"/>
+                          </a:solidFill>
                           <a:effectLst/>
-                          <a:latin typeface="Times New Roman" panose="02020603050405020304" pitchFamily="18" charset="0"/>
-                          <a:cs typeface="Times New Roman" panose="02020603050405020304" pitchFamily="18" charset="0"/>
+                          <a:latin typeface="+mn-lt"/>
+                          <a:ea typeface="+mn-ea"/>
+                          <a:cs typeface="+mn-cs"/>
                         </a:rPr>
-                        <a:t>В3</a:t>
+                        <a:t>Модуль</a:t>
                       </a:r>
-                      <a:endParaRPr lang="ru-RU" sz="1600">
+                      <a:endParaRPr lang="ru-RU" sz="2000" b="1" kern="1200" dirty="0">
+                        <a:solidFill>
+                          <a:schemeClr val="lt1"/>
+                        </a:solidFill>
                         <a:effectLst/>
-                        <a:latin typeface="Times New Roman" panose="02020603050405020304" pitchFamily="18" charset="0"/>
-                        <a:ea typeface="Times New Roman" panose="02020603050405020304" pitchFamily="18" charset="0"/>
-                        <a:cs typeface="Times New Roman" panose="02020603050405020304" pitchFamily="18" charset="0"/>
+                        <a:latin typeface="+mn-lt"/>
+                        <a:ea typeface="+mn-ea"/>
+                        <a:cs typeface="+mn-cs"/>
                       </a:endParaRPr>
                     </a:p>
                   </a:txBody>
-                  <a:tcPr marL="68580" marR="68580" marT="0" marB="0" anchor="ctr"/>
+                  <a:tcPr marL="68580" marR="68580" marT="0" marB="0" anchor="ctr">
+                    <a:solidFill>
+                      <a:schemeClr val="accent1">
+                        <a:lumMod val="50000"/>
+                      </a:schemeClr>
+                    </a:solidFill>
+                  </a:tcPr>
                 </a:tc>
                 <a:extLst>
                   <a:ext uri="{0D108BD9-81ED-4DB2-BD59-A6C34878D82A}">
@@ -8260,16 +10868,18 @@
                         <a:defRPr/>
                       </a:pPr>
                       <a:r>
-                        <a:rPr lang="ru-RU" sz="2000" dirty="0" smtClean="0">
-                          <a:latin typeface="Times New Roman" panose="02020603050405020304" pitchFamily="18" charset="0"/>
-                          <a:ea typeface="Times New Roman" panose="02020603050405020304" pitchFamily="18" charset="0"/>
-                        </a:rPr>
+                        <a:rPr lang="ru-RU" sz="2000" dirty="0" smtClean="0"/>
                         <a:t>Наличие графического интерфейса</a:t>
                       </a:r>
-                      <a:endParaRPr lang="ru-RU" sz="2000" dirty="0" smtClean="0"/>
                     </a:p>
                   </a:txBody>
-                  <a:tcPr marL="68580" marR="68580" marT="0" marB="0" anchor="ctr"/>
+                  <a:tcPr marL="68580" marR="68580" marT="0" marB="0" anchor="ctr">
+                    <a:solidFill>
+                      <a:schemeClr val="accent1">
+                        <a:lumMod val="50000"/>
+                      </a:schemeClr>
+                    </a:solidFill>
+                  </a:tcPr>
                 </a:tc>
                 <a:tc>
                   <a:txBody>
@@ -8287,8 +10897,6 @@
                       <a:r>
                         <a:rPr lang="en-US" sz="2000">
                           <a:effectLst/>
-                          <a:latin typeface="Times New Roman" panose="02020603050405020304" pitchFamily="18" charset="0"/>
-                          <a:cs typeface="Times New Roman" panose="02020603050405020304" pitchFamily="18" charset="0"/>
                         </a:rPr>
                         <a:t>0,08</a:t>
                       </a:r>
@@ -8318,8 +10926,6 @@
                       <a:r>
                         <a:rPr lang="en-US" sz="2000" dirty="0">
                           <a:effectLst/>
-                          <a:latin typeface="Times New Roman" panose="02020603050405020304" pitchFamily="18" charset="0"/>
-                          <a:cs typeface="Times New Roman" panose="02020603050405020304" pitchFamily="18" charset="0"/>
                         </a:rPr>
                         <a:t>0,75</a:t>
                       </a:r>
@@ -8349,8 +10955,6 @@
                       <a:r>
                         <a:rPr lang="ru-RU" sz="2000" dirty="0">
                           <a:effectLst/>
-                          <a:latin typeface="Times New Roman" panose="02020603050405020304" pitchFamily="18" charset="0"/>
-                          <a:cs typeface="Times New Roman" panose="02020603050405020304" pitchFamily="18" charset="0"/>
                         </a:rPr>
                         <a:t>0,5</a:t>
                       </a:r>
@@ -8380,8 +10984,6 @@
                       <a:r>
                         <a:rPr lang="ru-RU" sz="2000" dirty="0">
                           <a:effectLst/>
-                          <a:latin typeface="Times New Roman" panose="02020603050405020304" pitchFamily="18" charset="0"/>
-                          <a:cs typeface="Times New Roman" panose="02020603050405020304" pitchFamily="18" charset="0"/>
                         </a:rPr>
                         <a:t>1</a:t>
                       </a:r>
@@ -8418,9 +11020,6 @@
                       <a:r>
                         <a:rPr lang="ru-RU" sz="2000" dirty="0" smtClean="0">
                           <a:effectLst/>
-                          <a:latin typeface="Times New Roman" panose="02020603050405020304" pitchFamily="18" charset="0"/>
-                          <a:ea typeface="+mn-ea"/>
-                          <a:cs typeface="Times New Roman" panose="02020603050405020304" pitchFamily="18" charset="0"/>
                         </a:rPr>
                         <a:t>Стоимость</a:t>
                       </a:r>
@@ -8432,7 +11031,13 @@
                       </a:endParaRPr>
                     </a:p>
                   </a:txBody>
-                  <a:tcPr marL="68580" marR="68580" marT="0" marB="0" anchor="ctr"/>
+                  <a:tcPr marL="68580" marR="68580" marT="0" marB="0" anchor="ctr">
+                    <a:solidFill>
+                      <a:schemeClr val="accent1">
+                        <a:lumMod val="50000"/>
+                      </a:schemeClr>
+                    </a:solidFill>
+                  </a:tcPr>
                 </a:tc>
                 <a:tc>
                   <a:txBody>
@@ -8450,8 +11055,6 @@
                       <a:r>
                         <a:rPr lang="en-US" sz="2000" dirty="0">
                           <a:effectLst/>
-                          <a:latin typeface="Times New Roman" panose="02020603050405020304" pitchFamily="18" charset="0"/>
-                          <a:cs typeface="Times New Roman" panose="02020603050405020304" pitchFamily="18" charset="0"/>
                         </a:rPr>
                         <a:t>0,2</a:t>
                       </a:r>
@@ -8481,8 +11084,6 @@
                       <a:r>
                         <a:rPr lang="en-US" sz="2000">
                           <a:effectLst/>
-                          <a:latin typeface="Times New Roman" panose="02020603050405020304" pitchFamily="18" charset="0"/>
-                          <a:cs typeface="Times New Roman" panose="02020603050405020304" pitchFamily="18" charset="0"/>
                         </a:rPr>
                         <a:t>0,2</a:t>
                       </a:r>
@@ -8512,8 +11113,6 @@
                       <a:r>
                         <a:rPr lang="ru-RU" sz="2000" dirty="0">
                           <a:effectLst/>
-                          <a:latin typeface="Times New Roman" panose="02020603050405020304" pitchFamily="18" charset="0"/>
-                          <a:cs typeface="Times New Roman" panose="02020603050405020304" pitchFamily="18" charset="0"/>
                         </a:rPr>
                         <a:t>0,2</a:t>
                       </a:r>
@@ -8543,8 +11142,6 @@
                       <a:r>
                         <a:rPr lang="ru-RU" sz="2000">
                           <a:effectLst/>
-                          <a:latin typeface="Times New Roman" panose="02020603050405020304" pitchFamily="18" charset="0"/>
-                          <a:cs typeface="Times New Roman" panose="02020603050405020304" pitchFamily="18" charset="0"/>
                         </a:rPr>
                         <a:t>1</a:t>
                       </a:r>
@@ -8581,9 +11178,6 @@
                       <a:r>
                         <a:rPr lang="ru-RU" sz="2000" dirty="0" smtClean="0">
                           <a:effectLst/>
-                          <a:latin typeface="Times New Roman" panose="02020603050405020304" pitchFamily="18" charset="0"/>
-                          <a:ea typeface="Times New Roman" panose="02020603050405020304" pitchFamily="18" charset="0"/>
-                          <a:cs typeface="Times New Roman" panose="02020603050405020304" pitchFamily="18" charset="0"/>
                         </a:rPr>
                         <a:t>Платформа</a:t>
                       </a:r>
@@ -8595,7 +11189,13 @@
                       </a:endParaRPr>
                     </a:p>
                   </a:txBody>
-                  <a:tcPr marL="68580" marR="68580" marT="0" marB="0" anchor="ctr"/>
+                  <a:tcPr marL="68580" marR="68580" marT="0" marB="0" anchor="ctr">
+                    <a:solidFill>
+                      <a:schemeClr val="accent1">
+                        <a:lumMod val="50000"/>
+                      </a:schemeClr>
+                    </a:solidFill>
+                  </a:tcPr>
                 </a:tc>
                 <a:tc>
                   <a:txBody>
@@ -8613,16 +11213,12 @@
                       <a:r>
                         <a:rPr lang="ru-RU" sz="2000">
                           <a:effectLst/>
-                          <a:latin typeface="Times New Roman" panose="02020603050405020304" pitchFamily="18" charset="0"/>
-                          <a:cs typeface="Times New Roman" panose="02020603050405020304" pitchFamily="18" charset="0"/>
                         </a:rPr>
                         <a:t>0,2</a:t>
                       </a:r>
                       <a:r>
                         <a:rPr lang="en-US" sz="2000">
                           <a:effectLst/>
-                          <a:latin typeface="Times New Roman" panose="02020603050405020304" pitchFamily="18" charset="0"/>
-                          <a:cs typeface="Times New Roman" panose="02020603050405020304" pitchFamily="18" charset="0"/>
                         </a:rPr>
                         <a:t>4</a:t>
                       </a:r>
@@ -8652,8 +11248,6 @@
                       <a:r>
                         <a:rPr lang="en-US" sz="2000">
                           <a:effectLst/>
-                          <a:latin typeface="Times New Roman" panose="02020603050405020304" pitchFamily="18" charset="0"/>
-                          <a:cs typeface="Times New Roman" panose="02020603050405020304" pitchFamily="18" charset="0"/>
                         </a:rPr>
                         <a:t>1</a:t>
                       </a:r>
@@ -8683,8 +11277,6 @@
                       <a:r>
                         <a:rPr lang="ru-RU" sz="2000" dirty="0">
                           <a:effectLst/>
-                          <a:latin typeface="Times New Roman" panose="02020603050405020304" pitchFamily="18" charset="0"/>
-                          <a:cs typeface="Times New Roman" panose="02020603050405020304" pitchFamily="18" charset="0"/>
                         </a:rPr>
                         <a:t>0,6</a:t>
                       </a:r>
@@ -8714,8 +11306,6 @@
                       <a:r>
                         <a:rPr lang="ru-RU" sz="2000">
                           <a:effectLst/>
-                          <a:latin typeface="Times New Roman" panose="02020603050405020304" pitchFamily="18" charset="0"/>
-                          <a:cs typeface="Times New Roman" panose="02020603050405020304" pitchFamily="18" charset="0"/>
                         </a:rPr>
                         <a:t>1</a:t>
                       </a:r>
@@ -8752,18 +11342,12 @@
                       <a:r>
                         <a:rPr lang="ru-RU" sz="2000" dirty="0" smtClean="0">
                           <a:effectLst/>
-                          <a:latin typeface="Times New Roman" panose="02020603050405020304" pitchFamily="18" charset="0"/>
-                          <a:ea typeface="+mn-ea"/>
-                          <a:cs typeface="Times New Roman" panose="02020603050405020304" pitchFamily="18" charset="0"/>
                         </a:rPr>
                         <a:t>Сложность</a:t>
                       </a:r>
                       <a:r>
                         <a:rPr lang="ru-RU" sz="2000" baseline="0" dirty="0" smtClean="0">
                           <a:effectLst/>
-                          <a:latin typeface="Times New Roman" panose="02020603050405020304" pitchFamily="18" charset="0"/>
-                          <a:ea typeface="+mn-ea"/>
-                          <a:cs typeface="Times New Roman" panose="02020603050405020304" pitchFamily="18" charset="0"/>
                         </a:rPr>
                         <a:t> эксплуатации</a:t>
                       </a:r>
@@ -8775,7 +11359,13 @@
                       </a:endParaRPr>
                     </a:p>
                   </a:txBody>
-                  <a:tcPr marL="68580" marR="68580" marT="0" marB="0" anchor="ctr"/>
+                  <a:tcPr marL="68580" marR="68580" marT="0" marB="0" anchor="ctr">
+                    <a:solidFill>
+                      <a:schemeClr val="accent1">
+                        <a:lumMod val="50000"/>
+                      </a:schemeClr>
+                    </a:solidFill>
+                  </a:tcPr>
                 </a:tc>
                 <a:tc>
                   <a:txBody>
@@ -8793,8 +11383,6 @@
                       <a:r>
                         <a:rPr lang="ru-RU" sz="2000">
                           <a:effectLst/>
-                          <a:latin typeface="Times New Roman" panose="02020603050405020304" pitchFamily="18" charset="0"/>
-                          <a:cs typeface="Times New Roman" panose="02020603050405020304" pitchFamily="18" charset="0"/>
                         </a:rPr>
                         <a:t>0,12</a:t>
                       </a:r>
@@ -8824,8 +11412,6 @@
                       <a:r>
                         <a:rPr lang="en-US" sz="2000">
                           <a:effectLst/>
-                          <a:latin typeface="Times New Roman" panose="02020603050405020304" pitchFamily="18" charset="0"/>
-                          <a:cs typeface="Times New Roman" panose="02020603050405020304" pitchFamily="18" charset="0"/>
                         </a:rPr>
                         <a:t>1</a:t>
                       </a:r>
@@ -8855,8 +11441,6 @@
                       <a:r>
                         <a:rPr lang="ru-RU" sz="2000" dirty="0">
                           <a:effectLst/>
-                          <a:latin typeface="Times New Roman" panose="02020603050405020304" pitchFamily="18" charset="0"/>
-                          <a:cs typeface="Times New Roman" panose="02020603050405020304" pitchFamily="18" charset="0"/>
                         </a:rPr>
                         <a:t>1</a:t>
                       </a:r>
@@ -8886,8 +11470,6 @@
                       <a:r>
                         <a:rPr lang="ru-RU" sz="2000" dirty="0">
                           <a:effectLst/>
-                          <a:latin typeface="Times New Roman" panose="02020603050405020304" pitchFamily="18" charset="0"/>
-                          <a:cs typeface="Times New Roman" panose="02020603050405020304" pitchFamily="18" charset="0"/>
                         </a:rPr>
                         <a:t>0,75</a:t>
                       </a:r>
@@ -8924,35 +11506,23 @@
                       <a:r>
                         <a:rPr lang="ru-RU" sz="2000" dirty="0" smtClean="0">
                           <a:effectLst/>
-                          <a:latin typeface="Times New Roman" panose="02020603050405020304" pitchFamily="18" charset="0"/>
-                          <a:ea typeface="+mn-ea"/>
-                          <a:cs typeface="Times New Roman" panose="02020603050405020304" pitchFamily="18" charset="0"/>
                         </a:rPr>
                         <a:t>Форматы</a:t>
                       </a:r>
                       <a:r>
                         <a:rPr lang="ru-RU" sz="2000" baseline="0" dirty="0" smtClean="0">
                           <a:effectLst/>
-                          <a:latin typeface="Times New Roman" panose="02020603050405020304" pitchFamily="18" charset="0"/>
-                          <a:ea typeface="+mn-ea"/>
-                          <a:cs typeface="Times New Roman" panose="02020603050405020304" pitchFamily="18" charset="0"/>
                         </a:rPr>
                         <a:t/>
                       </a:r>
                       <a:br>
                         <a:rPr lang="ru-RU" sz="2000" baseline="0" dirty="0" smtClean="0">
                           <a:effectLst/>
-                          <a:latin typeface="Times New Roman" panose="02020603050405020304" pitchFamily="18" charset="0"/>
-                          <a:ea typeface="+mn-ea"/>
-                          <a:cs typeface="Times New Roman" panose="02020603050405020304" pitchFamily="18" charset="0"/>
                         </a:rPr>
                       </a:br>
                       <a:r>
                         <a:rPr lang="ru-RU" sz="2000" baseline="0" dirty="0" smtClean="0">
                           <a:effectLst/>
-                          <a:latin typeface="Times New Roman" panose="02020603050405020304" pitchFamily="18" charset="0"/>
-                          <a:ea typeface="+mn-ea"/>
-                          <a:cs typeface="Times New Roman" panose="02020603050405020304" pitchFamily="18" charset="0"/>
                         </a:rPr>
                         <a:t>выходных данных</a:t>
                       </a:r>
@@ -8964,7 +11534,13 @@
                       </a:endParaRPr>
                     </a:p>
                   </a:txBody>
-                  <a:tcPr marL="68580" marR="68580" marT="0" marB="0" anchor="ctr"/>
+                  <a:tcPr marL="68580" marR="68580" marT="0" marB="0" anchor="ctr">
+                    <a:solidFill>
+                      <a:schemeClr val="accent1">
+                        <a:lumMod val="50000"/>
+                      </a:schemeClr>
+                    </a:solidFill>
+                  </a:tcPr>
                 </a:tc>
                 <a:tc>
                   <a:txBody>
@@ -8982,8 +11558,6 @@
                       <a:r>
                         <a:rPr lang="en-US" sz="2000">
                           <a:effectLst/>
-                          <a:latin typeface="Times New Roman" panose="02020603050405020304" pitchFamily="18" charset="0"/>
-                          <a:cs typeface="Times New Roman" panose="02020603050405020304" pitchFamily="18" charset="0"/>
                         </a:rPr>
                         <a:t>0,16</a:t>
                       </a:r>
@@ -9013,8 +11587,6 @@
                       <a:r>
                         <a:rPr lang="en-US" sz="2000">
                           <a:effectLst/>
-                          <a:latin typeface="Times New Roman" panose="02020603050405020304" pitchFamily="18" charset="0"/>
-                          <a:cs typeface="Times New Roman" panose="02020603050405020304" pitchFamily="18" charset="0"/>
                         </a:rPr>
                         <a:t>0,6</a:t>
                       </a:r>
@@ -9044,8 +11616,6 @@
                       <a:r>
                         <a:rPr lang="ru-RU" sz="2000" dirty="0">
                           <a:effectLst/>
-                          <a:latin typeface="Times New Roman" panose="02020603050405020304" pitchFamily="18" charset="0"/>
-                          <a:cs typeface="Times New Roman" panose="02020603050405020304" pitchFamily="18" charset="0"/>
                         </a:rPr>
                         <a:t>0,6</a:t>
                       </a:r>
@@ -9075,8 +11645,6 @@
                       <a:r>
                         <a:rPr lang="ru-RU" sz="2000" dirty="0">
                           <a:effectLst/>
-                          <a:latin typeface="Times New Roman" panose="02020603050405020304" pitchFamily="18" charset="0"/>
-                          <a:cs typeface="Times New Roman" panose="02020603050405020304" pitchFamily="18" charset="0"/>
                         </a:rPr>
                         <a:t>1</a:t>
                       </a:r>
@@ -9113,35 +11681,23 @@
                       <a:r>
                         <a:rPr lang="ru-RU" sz="2000" dirty="0" smtClean="0">
                           <a:effectLst/>
-                          <a:latin typeface="Times New Roman" panose="02020603050405020304" pitchFamily="18" charset="0"/>
-                          <a:ea typeface="+mn-ea"/>
-                          <a:cs typeface="Times New Roman" panose="02020603050405020304" pitchFamily="18" charset="0"/>
                         </a:rPr>
                         <a:t>Открытый</a:t>
                       </a:r>
                       <a:r>
                         <a:rPr lang="ru-RU" sz="2000" baseline="0" dirty="0" smtClean="0">
                           <a:effectLst/>
-                          <a:latin typeface="Times New Roman" panose="02020603050405020304" pitchFamily="18" charset="0"/>
-                          <a:ea typeface="+mn-ea"/>
-                          <a:cs typeface="Times New Roman" panose="02020603050405020304" pitchFamily="18" charset="0"/>
                         </a:rPr>
                         <a:t/>
                       </a:r>
                       <a:br>
                         <a:rPr lang="ru-RU" sz="2000" baseline="0" dirty="0" smtClean="0">
                           <a:effectLst/>
-                          <a:latin typeface="Times New Roman" panose="02020603050405020304" pitchFamily="18" charset="0"/>
-                          <a:ea typeface="+mn-ea"/>
-                          <a:cs typeface="Times New Roman" panose="02020603050405020304" pitchFamily="18" charset="0"/>
                         </a:rPr>
                       </a:br>
                       <a:r>
                         <a:rPr lang="ru-RU" sz="2000" baseline="0" dirty="0" smtClean="0">
                           <a:effectLst/>
-                          <a:latin typeface="Times New Roman" panose="02020603050405020304" pitchFamily="18" charset="0"/>
-                          <a:ea typeface="+mn-ea"/>
-                          <a:cs typeface="Times New Roman" panose="02020603050405020304" pitchFamily="18" charset="0"/>
                         </a:rPr>
                         <a:t>исходный код</a:t>
                       </a:r>
@@ -9153,7 +11709,13 @@
                       </a:endParaRPr>
                     </a:p>
                   </a:txBody>
-                  <a:tcPr marL="68580" marR="68580" marT="0" marB="0" anchor="ctr"/>
+                  <a:tcPr marL="68580" marR="68580" marT="0" marB="0" anchor="ctr">
+                    <a:solidFill>
+                      <a:schemeClr val="accent1">
+                        <a:lumMod val="50000"/>
+                      </a:schemeClr>
+                    </a:solidFill>
+                  </a:tcPr>
                 </a:tc>
                 <a:tc>
                   <a:txBody>
@@ -9171,8 +11733,6 @@
                       <a:r>
                         <a:rPr lang="ru-RU" sz="2000">
                           <a:effectLst/>
-                          <a:latin typeface="Times New Roman" panose="02020603050405020304" pitchFamily="18" charset="0"/>
-                          <a:cs typeface="Times New Roman" panose="02020603050405020304" pitchFamily="18" charset="0"/>
                         </a:rPr>
                         <a:t>0,2</a:t>
                       </a:r>
@@ -9202,8 +11762,6 @@
                       <a:r>
                         <a:rPr lang="en-US" sz="2000">
                           <a:effectLst/>
-                          <a:latin typeface="Times New Roman" panose="02020603050405020304" pitchFamily="18" charset="0"/>
-                          <a:cs typeface="Times New Roman" panose="02020603050405020304" pitchFamily="18" charset="0"/>
                         </a:rPr>
                         <a:t>0,8</a:t>
                       </a:r>
@@ -9233,8 +11791,6 @@
                       <a:r>
                         <a:rPr lang="ru-RU" sz="2000">
                           <a:effectLst/>
-                          <a:latin typeface="Times New Roman" panose="02020603050405020304" pitchFamily="18" charset="0"/>
-                          <a:cs typeface="Times New Roman" panose="02020603050405020304" pitchFamily="18" charset="0"/>
                         </a:rPr>
                         <a:t>1</a:t>
                       </a:r>
@@ -9264,8 +11820,6 @@
                       <a:r>
                         <a:rPr lang="ru-RU" sz="2000" dirty="0">
                           <a:effectLst/>
-                          <a:latin typeface="Times New Roman" panose="02020603050405020304" pitchFamily="18" charset="0"/>
-                          <a:cs typeface="Times New Roman" panose="02020603050405020304" pitchFamily="18" charset="0"/>
                         </a:rPr>
                         <a:t>1</a:t>
                       </a:r>
@@ -9300,14 +11854,12 @@
                         </a:spcAft>
                       </a:pPr>
                       <a:r>
-                        <a:rPr lang="ru-RU" sz="2000">
+                        <a:rPr lang="ru-RU" sz="2000" dirty="0">
                           <a:effectLst/>
-                          <a:latin typeface="Times New Roman" panose="02020603050405020304" pitchFamily="18" charset="0"/>
-                          <a:cs typeface="Times New Roman" panose="02020603050405020304" pitchFamily="18" charset="0"/>
                         </a:rPr>
                         <a:t>Итог</a:t>
                       </a:r>
-                      <a:endParaRPr lang="ru-RU" sz="1600">
+                      <a:endParaRPr lang="ru-RU" sz="1600" dirty="0">
                         <a:effectLst/>
                         <a:latin typeface="Times New Roman" panose="02020603050405020304" pitchFamily="18" charset="0"/>
                         <a:ea typeface="Times New Roman" panose="02020603050405020304" pitchFamily="18" charset="0"/>
@@ -9315,7 +11867,13 @@
                       </a:endParaRPr>
                     </a:p>
                   </a:txBody>
-                  <a:tcPr marL="68580" marR="68580" marT="0" marB="0" anchor="ctr"/>
+                  <a:tcPr marL="68580" marR="68580" marT="0" marB="0" anchor="ctr">
+                    <a:solidFill>
+                      <a:schemeClr val="accent1">
+                        <a:lumMod val="50000"/>
+                      </a:schemeClr>
+                    </a:solidFill>
+                  </a:tcPr>
                 </a:tc>
                 <a:tc hMerge="1">
                   <a:txBody>
@@ -9343,8 +11901,6 @@
                       <a:r>
                         <a:rPr lang="en-US" sz="2000">
                           <a:effectLst/>
-                          <a:latin typeface="Times New Roman" panose="02020603050405020304" pitchFamily="18" charset="0"/>
-                          <a:cs typeface="Times New Roman" panose="02020603050405020304" pitchFamily="18" charset="0"/>
                         </a:rPr>
                         <a:t>0,71225</a:t>
                       </a:r>
@@ -9374,8 +11930,6 @@
                       <a:r>
                         <a:rPr lang="en-US" sz="2000">
                           <a:effectLst/>
-                          <a:latin typeface="Times New Roman" panose="02020603050405020304" pitchFamily="18" charset="0"/>
-                          <a:cs typeface="Times New Roman" panose="02020603050405020304" pitchFamily="18" charset="0"/>
                         </a:rPr>
                         <a:t>0,64</a:t>
                       </a:r>
@@ -9405,8 +11959,6 @@
                       <a:r>
                         <a:rPr lang="en-US" sz="2000" dirty="0">
                           <a:effectLst/>
-                          <a:latin typeface="Times New Roman" panose="02020603050405020304" pitchFamily="18" charset="0"/>
-                          <a:cs typeface="Times New Roman" panose="02020603050405020304" pitchFamily="18" charset="0"/>
                         </a:rPr>
                         <a:t>0,97</a:t>
                       </a:r>
@@ -9511,6 +12063,31 @@
       </p:sp>
       <p:sp>
         <p:nvSpPr>
+          <p:cNvPr id="4" name="Номер слайда 3"/>
+          <p:cNvSpPr>
+            <a:spLocks noGrp="1"/>
+          </p:cNvSpPr>
+          <p:nvPr>
+            <p:ph type="sldNum" sz="quarter" idx="12"/>
+          </p:nvPr>
+        </p:nvSpPr>
+        <p:spPr/>
+        <p:txBody>
+          <a:bodyPr>
+            <a:normAutofit/>
+          </a:bodyPr>
+          <a:lstStyle/>
+          <a:p>
+            <a:fld id="{DD194C9D-7DDB-4F26-A664-84C7039047D2}" type="slidenum">
+              <a:rPr lang="ru-RU" smtClean="0"/>
+              <a:t>6</a:t>
+            </a:fld>
+            <a:endParaRPr lang="ru-RU"/>
+          </a:p>
+        </p:txBody>
+      </p:sp>
+      <p:sp>
+        <p:nvSpPr>
           <p:cNvPr id="6" name="Прямоугольник 5"/>
           <p:cNvSpPr/>
           <p:nvPr/>
@@ -9614,29 +12191,6 @@
             <a:endParaRPr lang="en-US" sz="2800" dirty="0" smtClean="0">
               <a:latin typeface="Arial Narrow" panose="020B0606020202030204" pitchFamily="34" charset="0"/>
             </a:endParaRPr>
-          </a:p>
-        </p:txBody>
-      </p:sp>
-      <p:sp>
-        <p:nvSpPr>
-          <p:cNvPr id="4" name="Номер слайда 3"/>
-          <p:cNvSpPr>
-            <a:spLocks noGrp="1"/>
-          </p:cNvSpPr>
-          <p:nvPr>
-            <p:ph type="sldNum" sz="quarter" idx="12"/>
-          </p:nvPr>
-        </p:nvSpPr>
-        <p:spPr/>
-        <p:txBody>
-          <a:bodyPr/>
-          <a:lstStyle/>
-          <a:p>
-            <a:fld id="{DD194C9D-7DDB-4F26-A664-84C7039047D2}" type="slidenum">
-              <a:rPr lang="ru-RU" smtClean="0"/>
-              <a:t>6</a:t>
-            </a:fld>
-            <a:endParaRPr lang="ru-RU"/>
           </a:p>
         </p:txBody>
       </p:sp>
@@ -9714,6 +12268,31 @@
       </p:sp>
       <p:sp>
         <p:nvSpPr>
+          <p:cNvPr id="4" name="Номер слайда 3"/>
+          <p:cNvSpPr>
+            <a:spLocks noGrp="1"/>
+          </p:cNvSpPr>
+          <p:nvPr>
+            <p:ph type="sldNum" sz="quarter" idx="12"/>
+          </p:nvPr>
+        </p:nvSpPr>
+        <p:spPr/>
+        <p:txBody>
+          <a:bodyPr>
+            <a:normAutofit/>
+          </a:bodyPr>
+          <a:lstStyle/>
+          <a:p>
+            <a:fld id="{DD194C9D-7DDB-4F26-A664-84C7039047D2}" type="slidenum">
+              <a:rPr lang="ru-RU" smtClean="0"/>
+              <a:t>7</a:t>
+            </a:fld>
+            <a:endParaRPr lang="ru-RU"/>
+          </a:p>
+        </p:txBody>
+      </p:sp>
+      <p:sp>
+        <p:nvSpPr>
           <p:cNvPr id="6" name="Прямоугольник 5"/>
           <p:cNvSpPr/>
           <p:nvPr/>
@@ -9737,29 +12316,6 @@
             <a:endParaRPr lang="en-US" sz="2800" dirty="0" smtClean="0">
               <a:latin typeface="Arial Narrow" panose="020B0606020202030204" pitchFamily="34" charset="0"/>
             </a:endParaRPr>
-          </a:p>
-        </p:txBody>
-      </p:sp>
-      <p:sp>
-        <p:nvSpPr>
-          <p:cNvPr id="4" name="Номер слайда 3"/>
-          <p:cNvSpPr>
-            <a:spLocks noGrp="1"/>
-          </p:cNvSpPr>
-          <p:nvPr>
-            <p:ph type="sldNum" sz="quarter" idx="12"/>
-          </p:nvPr>
-        </p:nvSpPr>
-        <p:spPr/>
-        <p:txBody>
-          <a:bodyPr/>
-          <a:lstStyle/>
-          <a:p>
-            <a:fld id="{DD194C9D-7DDB-4F26-A664-84C7039047D2}" type="slidenum">
-              <a:rPr lang="ru-RU" smtClean="0"/>
-              <a:t>7</a:t>
-            </a:fld>
-            <a:endParaRPr lang="ru-RU"/>
           </a:p>
         </p:txBody>
       </p:sp>
@@ -9859,6 +12415,31 @@
       </p:sp>
       <p:sp>
         <p:nvSpPr>
+          <p:cNvPr id="4" name="Номер слайда 3"/>
+          <p:cNvSpPr>
+            <a:spLocks noGrp="1"/>
+          </p:cNvSpPr>
+          <p:nvPr>
+            <p:ph type="sldNum" sz="quarter" idx="12"/>
+          </p:nvPr>
+        </p:nvSpPr>
+        <p:spPr/>
+        <p:txBody>
+          <a:bodyPr>
+            <a:normAutofit/>
+          </a:bodyPr>
+          <a:lstStyle/>
+          <a:p>
+            <a:fld id="{DD194C9D-7DDB-4F26-A664-84C7039047D2}" type="slidenum">
+              <a:rPr lang="ru-RU" smtClean="0"/>
+              <a:t>8</a:t>
+            </a:fld>
+            <a:endParaRPr lang="ru-RU"/>
+          </a:p>
+        </p:txBody>
+      </p:sp>
+      <p:sp>
+        <p:nvSpPr>
           <p:cNvPr id="6" name="Прямоугольник 5"/>
           <p:cNvSpPr/>
           <p:nvPr/>
@@ -9938,29 +12519,6 @@
               </a:rPr>
               <a:t>Игнорирует проблему рекурсивных грамматик.</a:t>
             </a:r>
-          </a:p>
-        </p:txBody>
-      </p:sp>
-      <p:sp>
-        <p:nvSpPr>
-          <p:cNvPr id="4" name="Номер слайда 3"/>
-          <p:cNvSpPr>
-            <a:spLocks noGrp="1"/>
-          </p:cNvSpPr>
-          <p:nvPr>
-            <p:ph type="sldNum" sz="quarter" idx="12"/>
-          </p:nvPr>
-        </p:nvSpPr>
-        <p:spPr/>
-        <p:txBody>
-          <a:bodyPr/>
-          <a:lstStyle/>
-          <a:p>
-            <a:fld id="{DD194C9D-7DDB-4F26-A664-84C7039047D2}" type="slidenum">
-              <a:rPr lang="ru-RU" smtClean="0"/>
-              <a:t>8</a:t>
-            </a:fld>
-            <a:endParaRPr lang="ru-RU"/>
           </a:p>
         </p:txBody>
       </p:sp>
@@ -10019,7 +12577,7 @@
         </p:spPr>
         <p:txBody>
           <a:bodyPr>
-            <a:normAutofit fontScale="90000"/>
+            <a:normAutofit/>
           </a:bodyPr>
           <a:lstStyle/>
           <a:p>
@@ -10050,7 +12608,9 @@
         </p:nvSpPr>
         <p:spPr/>
         <p:txBody>
-          <a:bodyPr/>
+          <a:bodyPr>
+            <a:normAutofit/>
+          </a:bodyPr>
           <a:lstStyle/>
           <a:p>
             <a:fld id="{DD194C9D-7DDB-4F26-A664-84C7039047D2}" type="slidenum">
@@ -10115,9 +12675,9 @@
 </file>
 
 <file path=ppt/theme/theme1.xml><?xml version="1.0" encoding="utf-8"?>
-<a:theme xmlns:a="http://schemas.openxmlformats.org/drawingml/2006/main" name="Тема Office">
+<a:theme xmlns:a="http://schemas.openxmlformats.org/drawingml/2006/main" name="Damask">
   <a:themeElements>
-    <a:clrScheme name="Стандартная">
+    <a:clrScheme name="Damask">
       <a:dk1>
         <a:sysClr val="windowText" lastClr="000000"/>
       </a:dk1>
@@ -10125,39 +12685,39 @@
         <a:sysClr val="window" lastClr="FFFFFF"/>
       </a:lt1>
       <a:dk2>
-        <a:srgbClr val="44546A"/>
+        <a:srgbClr val="78346F"/>
       </a:dk2>
       <a:lt2>
-        <a:srgbClr val="E7E6E6"/>
+        <a:srgbClr val="D9A8D2"/>
       </a:lt2>
       <a:accent1>
-        <a:srgbClr val="5B9BD5"/>
+        <a:srgbClr val="CE57AB"/>
       </a:accent1>
       <a:accent2>
-        <a:srgbClr val="ED7D31"/>
+        <a:srgbClr val="8E8EFD"/>
       </a:accent2>
       <a:accent3>
-        <a:srgbClr val="A5A5A5"/>
+        <a:srgbClr val="7CBCE0"/>
       </a:accent3>
       <a:accent4>
-        <a:srgbClr val="FFC000"/>
+        <a:srgbClr val="70BF9F"/>
       </a:accent4>
       <a:accent5>
-        <a:srgbClr val="4472C4"/>
+        <a:srgbClr val="A5B960"/>
       </a:accent5>
       <a:accent6>
-        <a:srgbClr val="70AD47"/>
+        <a:srgbClr val="D47A57"/>
       </a:accent6>
       <a:hlink>
-        <a:srgbClr val="0563C1"/>
+        <a:srgbClr val="D164DE"/>
       </a:hlink>
       <a:folHlink>
-        <a:srgbClr val="954F72"/>
+        <a:srgbClr val="BE87C4"/>
       </a:folHlink>
     </a:clrScheme>
-    <a:fontScheme name="Стандартная">
+    <a:fontScheme name="Damask">
       <a:majorFont>
-        <a:latin typeface="Calibri Light" panose="020F0302020204030204"/>
+        <a:latin typeface="Bookman Old Style" panose="02050604050505020204"/>
         <a:ea typeface=""/>
         <a:cs typeface=""/>
         <a:font script="Jpan" typeface="ＭＳ Ｐゴシック"/>
@@ -10192,7 +12752,7 @@
         <a:font script="Geor" typeface="Sylfaen"/>
       </a:majorFont>
       <a:minorFont>
-        <a:latin typeface="Calibri" panose="020F0502020204030204"/>
+        <a:latin typeface="Rockwell" panose="02060603020205020403"/>
         <a:ea typeface=""/>
         <a:cs typeface=""/>
         <a:font script="Jpan" typeface="ＭＳ Ｐゴシック"/>
@@ -10227,7 +12787,7 @@
         <a:font script="Geor" typeface="Sylfaen"/>
       </a:minorFont>
     </a:fontScheme>
-    <a:fmtScheme name="Стандартная">
+    <a:fmtScheme name="Damask">
       <a:fillStyleLst>
         <a:solidFill>
           <a:schemeClr val="phClr"/>
@@ -10236,23 +12796,16 @@
           <a:gsLst>
             <a:gs pos="0">
               <a:schemeClr val="phClr">
+                <a:tint val="48000"/>
+                <a:satMod val="105000"/>
                 <a:lumMod val="110000"/>
-                <a:satMod val="105000"/>
-                <a:tint val="67000"/>
-              </a:schemeClr>
-            </a:gs>
-            <a:gs pos="50000">
-              <a:schemeClr val="phClr">
-                <a:lumMod val="105000"/>
-                <a:satMod val="103000"/>
-                <a:tint val="73000"/>
               </a:schemeClr>
             </a:gs>
             <a:gs pos="100000">
               <a:schemeClr val="phClr">
-                <a:lumMod val="105000"/>
+                <a:tint val="78000"/>
                 <a:satMod val="109000"/>
-                <a:tint val="81000"/>
+                <a:lumMod val="100000"/>
               </a:schemeClr>
             </a:gs>
           </a:gsLst>
@@ -10262,23 +12815,23 @@
           <a:gsLst>
             <a:gs pos="0">
               <a:schemeClr val="phClr">
-                <a:satMod val="103000"/>
-                <a:lumMod val="102000"/>
                 <a:tint val="94000"/>
+                <a:satMod val="100000"/>
+                <a:lumMod val="104000"/>
               </a:schemeClr>
             </a:gs>
-            <a:gs pos="50000">
+            <a:gs pos="69000">
               <a:schemeClr val="phClr">
-                <a:satMod val="110000"/>
-                <a:lumMod val="100000"/>
-                <a:shade val="100000"/>
+                <a:shade val="86000"/>
+                <a:satMod val="130000"/>
+                <a:lumMod val="102000"/>
               </a:schemeClr>
             </a:gs>
             <a:gs pos="100000">
               <a:schemeClr val="phClr">
-                <a:lumMod val="99000"/>
-                <a:satMod val="120000"/>
-                <a:shade val="78000"/>
+                <a:shade val="72000"/>
+                <a:satMod val="130000"/>
+                <a:lumMod val="100000"/>
               </a:schemeClr>
             </a:gs>
           </a:gsLst>
@@ -10286,26 +12839,23 @@
         </a:gradFill>
       </a:fillStyleLst>
       <a:lnStyleLst>
-        <a:ln w="6350" cap="flat" cmpd="sng" algn="ctr">
-          <a:solidFill>
-            <a:schemeClr val="phClr"/>
-          </a:solidFill>
-          <a:prstDash val="solid"/>
-          <a:miter lim="800000"/>
-        </a:ln>
         <a:ln w="12700" cap="flat" cmpd="sng" algn="ctr">
           <a:solidFill>
             <a:schemeClr val="phClr"/>
           </a:solidFill>
           <a:prstDash val="solid"/>
-          <a:miter lim="800000"/>
         </a:ln>
         <a:ln w="19050" cap="flat" cmpd="sng" algn="ctr">
           <a:solidFill>
             <a:schemeClr val="phClr"/>
           </a:solidFill>
           <a:prstDash val="solid"/>
-          <a:miter lim="800000"/>
+        </a:ln>
+        <a:ln w="25400" cap="flat" cmpd="sng" algn="ctr">
+          <a:solidFill>
+            <a:schemeClr val="phClr"/>
+          </a:solidFill>
+          <a:prstDash val="solid"/>
         </a:ln>
       </a:lnStyleLst>
       <a:effectStyleLst>
@@ -10313,16 +12863,31 @@
           <a:effectLst/>
         </a:effectStyle>
         <a:effectStyle>
-          <a:effectLst/>
+          <a:effectLst>
+            <a:outerShdw blurRad="50800" dist="38100" dir="5400000" sy="96000" rotWithShape="0">
+              <a:srgbClr val="000000">
+                <a:alpha val="54000"/>
+              </a:srgbClr>
+            </a:outerShdw>
+          </a:effectLst>
         </a:effectStyle>
         <a:effectStyle>
           <a:effectLst>
-            <a:outerShdw blurRad="57150" dist="19050" dir="5400000" algn="ctr" rotWithShape="0">
+            <a:outerShdw blurRad="76200" dist="38100" dir="5400000" algn="ctr" rotWithShape="0">
               <a:srgbClr val="000000">
-                <a:alpha val="63000"/>
+                <a:alpha val="76000"/>
               </a:srgbClr>
             </a:outerShdw>
           </a:effectLst>
+          <a:scene3d>
+            <a:camera prst="orthographicFront">
+              <a:rot lat="0" lon="0" rev="0"/>
+            </a:camera>
+            <a:lightRig rig="balanced" dir="t"/>
+          </a:scene3d>
+          <a:sp3d prstMaterial="matte">
+            <a:bevelT w="25400" h="25400" prst="relaxedInset"/>
+          </a:sp3d>
         </a:effectStyle>
       </a:effectStyleLst>
       <a:bgFillStyleLst>
@@ -10335,33 +12900,23 @@
             <a:satMod val="170000"/>
           </a:schemeClr>
         </a:solidFill>
-        <a:gradFill rotWithShape="1">
-          <a:gsLst>
-            <a:gs pos="0">
+        <a:blipFill rotWithShape="1">
+          <a:blip xmlns:r="http://schemas.openxmlformats.org/officeDocument/2006/relationships" r:embed="rId1">
+            <a:duotone>
               <a:schemeClr val="phClr">
-                <a:tint val="93000"/>
-                <a:satMod val="150000"/>
-                <a:shade val="98000"/>
-                <a:lumMod val="102000"/>
+                <a:shade val="18000"/>
+                <a:satMod val="160000"/>
+                <a:lumMod val="28000"/>
               </a:schemeClr>
-            </a:gs>
-            <a:gs pos="50000">
               <a:schemeClr val="phClr">
-                <a:tint val="98000"/>
-                <a:satMod val="130000"/>
-                <a:shade val="90000"/>
-                <a:lumMod val="103000"/>
+                <a:tint val="95000"/>
+                <a:satMod val="160000"/>
+                <a:lumMod val="116000"/>
               </a:schemeClr>
-            </a:gs>
-            <a:gs pos="100000">
-              <a:schemeClr val="phClr">
-                <a:shade val="63000"/>
-                <a:satMod val="120000"/>
-              </a:schemeClr>
-            </a:gs>
-          </a:gsLst>
-          <a:lin ang="5400000" scaled="0"/>
-        </a:gradFill>
+            </a:duotone>
+          </a:blip>
+          <a:stretch/>
+        </a:blipFill>
       </a:bgFillStyleLst>
     </a:fmtScheme>
   </a:themeElements>
@@ -10369,7 +12924,7 @@
   <a:extraClrSchemeLst/>
   <a:extLst>
     <a:ext uri="{05A4C25C-085E-4340-85A3-A5531E510DB2}">
-      <thm15:themeFamily xmlns:thm15="http://schemas.microsoft.com/office/thememl/2012/main" name="Office Theme" id="{62F939B6-93AF-4DB8-9C6B-D6C7DFDC589F}" vid="{4A3C46E8-61CC-4603-A589-7422A47A8E4A}"/>
+      <thm15:themeFamily xmlns:thm15="http://schemas.microsoft.com/office/thememl/2012/main" name="Damask" id="{F9A299A0-33D0-4E0F-9F3F-7163E3744208}" vid="{D4FE1632-F131-47D3-A814-99E9CD025E20}"/>
     </a:ext>
   </a:extLst>
 </a:theme>

--- a/Защита диплома.pptx
+++ b/Защита диплома.pptx
@@ -5,7 +5,7 @@
     <p:sldMasterId id="2147483815" r:id="rId1"/>
   </p:sldMasterIdLst>
   <p:notesMasterIdLst>
-    <p:notesMasterId r:id="rId17"/>
+    <p:notesMasterId r:id="rId18"/>
   </p:notesMasterIdLst>
   <p:sldIdLst>
     <p:sldId id="256" r:id="rId2"/>
@@ -14,15 +14,16 @@
     <p:sldId id="278" r:id="rId5"/>
     <p:sldId id="277" r:id="rId6"/>
     <p:sldId id="260" r:id="rId7"/>
-    <p:sldId id="285" r:id="rId8"/>
-    <p:sldId id="286" r:id="rId9"/>
-    <p:sldId id="294" r:id="rId10"/>
-    <p:sldId id="287" r:id="rId11"/>
-    <p:sldId id="289" r:id="rId12"/>
-    <p:sldId id="291" r:id="rId13"/>
-    <p:sldId id="293" r:id="rId14"/>
-    <p:sldId id="292" r:id="rId15"/>
-    <p:sldId id="270" r:id="rId16"/>
+    <p:sldId id="286" r:id="rId8"/>
+    <p:sldId id="295" r:id="rId9"/>
+    <p:sldId id="285" r:id="rId10"/>
+    <p:sldId id="294" r:id="rId11"/>
+    <p:sldId id="287" r:id="rId12"/>
+    <p:sldId id="289" r:id="rId13"/>
+    <p:sldId id="291" r:id="rId14"/>
+    <p:sldId id="293" r:id="rId15"/>
+    <p:sldId id="292" r:id="rId16"/>
+    <p:sldId id="270" r:id="rId17"/>
   </p:sldIdLst>
   <p:sldSz cx="12192000" cy="6858000"/>
   <p:notesSz cx="6858000" cy="9144000"/>
@@ -211,7 +212,7 @@
           <a:p>
             <a:fld id="{9EDFE75E-8D38-4DD7-A62C-3C9EA4EC769F}" type="datetimeFigureOut">
               <a:rPr lang="ru-RU" smtClean="0"/>
-              <a:t>23.06.2020</a:t>
+              <a:t>24.06.2020</a:t>
             </a:fld>
             <a:endParaRPr lang="ru-RU"/>
           </a:p>
@@ -712,7 +713,7 @@
           <a:p>
             <a:fld id="{B1EA72D7-8099-4C36-968B-637B8D4FCF66}" type="slidenum">
               <a:rPr lang="ru-RU" smtClean="0"/>
-              <a:t>15</a:t>
+              <a:t>16</a:t>
             </a:fld>
             <a:endParaRPr lang="ru-RU"/>
           </a:p>
@@ -864,7 +865,7 @@
           <a:p>
             <a:fld id="{1619E026-CB69-43DD-8AE9-646711799186}" type="datetime1">
               <a:rPr lang="ru-RU" smtClean="0"/>
-              <a:t>23.06.2020</a:t>
+              <a:t>24.06.2020</a:t>
             </a:fld>
             <a:endParaRPr lang="ru-RU"/>
           </a:p>
@@ -1151,7 +1152,7 @@
           <a:p>
             <a:fld id="{73B6DABE-FE1D-45A7-BF54-84947C247836}" type="datetime1">
               <a:rPr lang="ru-RU" smtClean="0"/>
-              <a:t>23.06.2020</a:t>
+              <a:t>24.06.2020</a:t>
             </a:fld>
             <a:endParaRPr lang="ru-RU"/>
           </a:p>
@@ -1344,7 +1345,7 @@
           <a:p>
             <a:fld id="{73B6DABE-FE1D-45A7-BF54-84947C247836}" type="datetime1">
               <a:rPr lang="ru-RU" smtClean="0"/>
-              <a:t>23.06.2020</a:t>
+              <a:t>24.06.2020</a:t>
             </a:fld>
             <a:endParaRPr lang="ru-RU"/>
           </a:p>
@@ -1606,7 +1607,7 @@
           <a:p>
             <a:fld id="{73B6DABE-FE1D-45A7-BF54-84947C247836}" type="datetime1">
               <a:rPr lang="ru-RU" smtClean="0"/>
-              <a:t>23.06.2020</a:t>
+              <a:t>24.06.2020</a:t>
             </a:fld>
             <a:endParaRPr lang="ru-RU"/>
           </a:p>
@@ -2031,7 +2032,7 @@
           <a:p>
             <a:fld id="{73B6DABE-FE1D-45A7-BF54-84947C247836}" type="datetime1">
               <a:rPr lang="ru-RU" smtClean="0"/>
-              <a:t>23.06.2020</a:t>
+              <a:t>24.06.2020</a:t>
             </a:fld>
             <a:endParaRPr lang="ru-RU"/>
           </a:p>
@@ -2578,7 +2579,7 @@
           <a:p>
             <a:fld id="{73B6DABE-FE1D-45A7-BF54-84947C247836}" type="datetime1">
               <a:rPr lang="ru-RU" smtClean="0"/>
-              <a:t>23.06.2020</a:t>
+              <a:t>24.06.2020</a:t>
             </a:fld>
             <a:endParaRPr lang="ru-RU"/>
           </a:p>
@@ -3419,7 +3420,7 @@
           <a:p>
             <a:fld id="{73B6DABE-FE1D-45A7-BF54-84947C247836}" type="datetime1">
               <a:rPr lang="ru-RU" smtClean="0"/>
-              <a:t>23.06.2020</a:t>
+              <a:t>24.06.2020</a:t>
             </a:fld>
             <a:endParaRPr lang="ru-RU"/>
           </a:p>
@@ -3590,7 +3591,7 @@
           <a:p>
             <a:fld id="{73A3E9F3-BD82-446E-A77E-97DCC53EF187}" type="datetime1">
               <a:rPr lang="ru-RU" smtClean="0"/>
-              <a:t>23.06.2020</a:t>
+              <a:t>24.06.2020</a:t>
             </a:fld>
             <a:endParaRPr lang="ru-RU"/>
           </a:p>
@@ -3774,7 +3775,7 @@
           <a:p>
             <a:fld id="{3183BFCE-D1FE-4FF0-A566-CC9C6E9F1D2E}" type="datetime1">
               <a:rPr lang="ru-RU" smtClean="0"/>
-              <a:t>23.06.2020</a:t>
+              <a:t>24.06.2020</a:t>
             </a:fld>
             <a:endParaRPr lang="ru-RU"/>
           </a:p>
@@ -3944,7 +3945,7 @@
           <a:p>
             <a:fld id="{6DAD5DC6-7F68-4FBE-8921-297E16E1609D}" type="datetime1">
               <a:rPr lang="ru-RU" smtClean="0"/>
-              <a:t>23.06.2020</a:t>
+              <a:t>24.06.2020</a:t>
             </a:fld>
             <a:endParaRPr lang="ru-RU"/>
           </a:p>
@@ -4192,7 +4193,7 @@
           <a:p>
             <a:fld id="{0E3190F6-3AEB-4720-BF18-B2D53A29FEDE}" type="datetime1">
               <a:rPr lang="ru-RU" smtClean="0"/>
-              <a:t>23.06.2020</a:t>
+              <a:t>24.06.2020</a:t>
             </a:fld>
             <a:endParaRPr lang="ru-RU"/>
           </a:p>
@@ -4429,7 +4430,7 @@
           <a:p>
             <a:fld id="{BD5028E7-90C5-4409-82C5-4D5ED08B5429}" type="datetime1">
               <a:rPr lang="ru-RU" smtClean="0"/>
-              <a:t>23.06.2020</a:t>
+              <a:t>24.06.2020</a:t>
             </a:fld>
             <a:endParaRPr lang="ru-RU"/>
           </a:p>
@@ -4802,7 +4803,7 @@
           <a:p>
             <a:fld id="{4055FFA6-53FF-4D9B-9868-B2309A2D8855}" type="datetime1">
               <a:rPr lang="ru-RU" smtClean="0"/>
-              <a:t>23.06.2020</a:t>
+              <a:t>24.06.2020</a:t>
             </a:fld>
             <a:endParaRPr lang="ru-RU"/>
           </a:p>
@@ -4920,7 +4921,7 @@
           <a:p>
             <a:fld id="{FC591EE0-40AE-4DEA-AB72-FDEBB913A656}" type="datetime1">
               <a:rPr lang="ru-RU" smtClean="0"/>
-              <a:t>23.06.2020</a:t>
+              <a:t>24.06.2020</a:t>
             </a:fld>
             <a:endParaRPr lang="ru-RU"/>
           </a:p>
@@ -5015,7 +5016,7 @@
           <a:p>
             <a:fld id="{83BD245D-4988-41DC-8E8C-B9910D503701}" type="datetime1">
               <a:rPr lang="ru-RU" smtClean="0"/>
-              <a:t>23.06.2020</a:t>
+              <a:t>24.06.2020</a:t>
             </a:fld>
             <a:endParaRPr lang="ru-RU"/>
           </a:p>
@@ -5266,7 +5267,7 @@
           <a:p>
             <a:fld id="{EAB3BC6D-7D4A-4867-A080-E9EAC16DF30B}" type="datetime1">
               <a:rPr lang="ru-RU" smtClean="0"/>
-              <a:t>23.06.2020</a:t>
+              <a:t>24.06.2020</a:t>
             </a:fld>
             <a:endParaRPr lang="ru-RU"/>
           </a:p>
@@ -5553,7 +5554,7 @@
           <a:p>
             <a:fld id="{C2B0213D-EDC7-4CEF-AB96-B31960FBF2B3}" type="datetime1">
               <a:rPr lang="ru-RU" smtClean="0"/>
-              <a:t>23.06.2020</a:t>
+              <a:t>24.06.2020</a:t>
             </a:fld>
             <a:endParaRPr lang="ru-RU"/>
           </a:p>
@@ -5766,7 +5767,7 @@
           <a:p>
             <a:fld id="{73B6DABE-FE1D-45A7-BF54-84947C247836}" type="datetime1">
               <a:rPr lang="ru-RU" smtClean="0"/>
-              <a:t>23.06.2020</a:t>
+              <a:t>24.06.2020</a:t>
             </a:fld>
             <a:endParaRPr lang="ru-RU"/>
           </a:p>
@@ -7105,6 +7106,138 @@
         <p:spPr>
           <a:xfrm>
             <a:off x="838200" y="1"/>
+            <a:ext cx="10515600" cy="676910"/>
+          </a:xfrm>
+        </p:spPr>
+        <p:txBody>
+          <a:bodyPr>
+            <a:normAutofit/>
+          </a:bodyPr>
+          <a:lstStyle/>
+          <a:p>
+            <a:pPr algn="ctr"/>
+            <a:r>
+              <a:rPr lang="ru-RU" dirty="0" smtClean="0">
+                <a:latin typeface="Times New Roman" panose="02020603050405020304" pitchFamily="18" charset="0"/>
+                <a:cs typeface="Times New Roman" panose="02020603050405020304" pitchFamily="18" charset="0"/>
+              </a:rPr>
+              <a:t>Инфологическая модель БД</a:t>
+            </a:r>
+            <a:endParaRPr lang="ru-RU" dirty="0">
+              <a:latin typeface="Times New Roman" panose="02020603050405020304" pitchFamily="18" charset="0"/>
+              <a:cs typeface="Times New Roman" panose="02020603050405020304" pitchFamily="18" charset="0"/>
+            </a:endParaRPr>
+          </a:p>
+        </p:txBody>
+      </p:sp>
+      <p:sp>
+        <p:nvSpPr>
+          <p:cNvPr id="4" name="Номер слайда 3"/>
+          <p:cNvSpPr>
+            <a:spLocks noGrp="1"/>
+          </p:cNvSpPr>
+          <p:nvPr>
+            <p:ph type="sldNum" sz="quarter" idx="12"/>
+          </p:nvPr>
+        </p:nvSpPr>
+        <p:spPr/>
+        <p:txBody>
+          <a:bodyPr>
+            <a:normAutofit/>
+          </a:bodyPr>
+          <a:lstStyle/>
+          <a:p>
+            <a:fld id="{DD194C9D-7DDB-4F26-A664-84C7039047D2}" type="slidenum">
+              <a:rPr lang="ru-RU" smtClean="0"/>
+              <a:t>10</a:t>
+            </a:fld>
+            <a:endParaRPr lang="ru-RU"/>
+          </a:p>
+        </p:txBody>
+      </p:sp>
+      <p:pic>
+        <p:nvPicPr>
+          <p:cNvPr id="6" name="Рисунок 5" descr="D:\Artem\Documents\BMSTU\Диплом\Diploma\Infological.png"/>
+          <p:cNvPicPr/>
+          <p:nvPr/>
+        </p:nvPicPr>
+        <p:blipFill>
+          <a:blip r:embed="rId2" cstate="print">
+            <a:extLst>
+              <a:ext uri="{28A0092B-C50C-407E-A947-70E740481C1C}">
+                <a14:useLocalDpi xmlns:a14="http://schemas.microsoft.com/office/drawing/2010/main" val="0"/>
+              </a:ext>
+            </a:extLst>
+          </a:blip>
+          <a:srcRect/>
+          <a:stretch>
+            <a:fillRect/>
+          </a:stretch>
+        </p:blipFill>
+        <p:spPr bwMode="auto">
+          <a:xfrm>
+            <a:off x="1660525" y="676910"/>
+            <a:ext cx="8870950" cy="6044565"/>
+          </a:xfrm>
+          <a:prstGeom prst="rect">
+            <a:avLst/>
+          </a:prstGeom>
+          <a:noFill/>
+          <a:ln>
+            <a:noFill/>
+          </a:ln>
+        </p:spPr>
+      </p:pic>
+    </p:spTree>
+    <p:extLst>
+      <p:ext uri="{BB962C8B-B14F-4D97-AF65-F5344CB8AC3E}">
+        <p14:creationId xmlns:p14="http://schemas.microsoft.com/office/powerpoint/2010/main" val="603417336"/>
+      </p:ext>
+    </p:extLst>
+  </p:cSld>
+  <p:clrMapOvr>
+    <a:masterClrMapping/>
+  </p:clrMapOvr>
+  <p:timing>
+    <p:tnLst>
+      <p:par>
+        <p:cTn id="1" dur="indefinite" restart="never" nodeType="tmRoot"/>
+      </p:par>
+    </p:tnLst>
+  </p:timing>
+</p:sld>
+</file>
+
+<file path=ppt/slides/slide11.xml><?xml version="1.0" encoding="utf-8"?>
+<p:sld xmlns:a="http://schemas.openxmlformats.org/drawingml/2006/main" xmlns:r="http://schemas.openxmlformats.org/officeDocument/2006/relationships" xmlns:p="http://schemas.openxmlformats.org/presentationml/2006/main">
+  <p:cSld>
+    <p:spTree>
+      <p:nvGrpSpPr>
+        <p:cNvPr id="1" name=""/>
+        <p:cNvGrpSpPr/>
+        <p:nvPr/>
+      </p:nvGrpSpPr>
+      <p:grpSpPr>
+        <a:xfrm>
+          <a:off x="0" y="0"/>
+          <a:ext cx="0" cy="0"/>
+          <a:chOff x="0" y="0"/>
+          <a:chExt cx="0" cy="0"/>
+        </a:xfrm>
+      </p:grpSpPr>
+      <p:sp>
+        <p:nvSpPr>
+          <p:cNvPr id="2" name="Заголовок 1"/>
+          <p:cNvSpPr>
+            <a:spLocks noGrp="1"/>
+          </p:cNvSpPr>
+          <p:nvPr>
+            <p:ph type="title"/>
+          </p:nvPr>
+        </p:nvSpPr>
+        <p:spPr>
+          <a:xfrm>
+            <a:off x="838200" y="1"/>
             <a:ext cx="10515600" cy="1219200"/>
           </a:xfrm>
         </p:spPr>
@@ -7146,7 +7279,7 @@
           <a:p>
             <a:fld id="{DD194C9D-7DDB-4F26-A664-84C7039047D2}" type="slidenum">
               <a:rPr lang="ru-RU" smtClean="0"/>
-              <a:t>10</a:t>
+              <a:t>11</a:t>
             </a:fld>
             <a:endParaRPr lang="ru-RU"/>
           </a:p>
@@ -7168,7 +7301,7 @@
         </p:nvGraphicFramePr>
         <p:xfrm>
           <a:off x="838200" y="1219201"/>
-          <a:ext cx="10515599" cy="5405724"/>
+          <a:ext cx="10515599" cy="5441664"/>
         </p:xfrm>
         <a:graphic>
           <a:graphicData uri="http://schemas.openxmlformats.org/drawingml/2006/table">
@@ -9157,7 +9290,7 @@
 </p:sld>
 </file>
 
-<file path=ppt/slides/slide11.xml><?xml version="1.0" encoding="utf-8"?>
+<file path=ppt/slides/slide12.xml><?xml version="1.0" encoding="utf-8"?>
 <p:sld xmlns:a="http://schemas.openxmlformats.org/drawingml/2006/main" xmlns:r="http://schemas.openxmlformats.org/officeDocument/2006/relationships" xmlns:p="http://schemas.openxmlformats.org/presentationml/2006/main">
   <p:cSld>
     <p:spTree>
@@ -9228,7 +9361,7 @@
           <a:p>
             <a:fld id="{DD194C9D-7DDB-4F26-A664-84C7039047D2}" type="slidenum">
               <a:rPr lang="ru-RU" smtClean="0"/>
-              <a:t>11</a:t>
+              <a:t>12</a:t>
             </a:fld>
             <a:endParaRPr lang="ru-RU"/>
           </a:p>
@@ -9276,7 +9409,7 @@
 </p:sld>
 </file>
 
-<file path=ppt/slides/slide12.xml><?xml version="1.0" encoding="utf-8"?>
+<file path=ppt/slides/slide13.xml><?xml version="1.0" encoding="utf-8"?>
 <p:sld xmlns:a="http://schemas.openxmlformats.org/drawingml/2006/main" xmlns:r="http://schemas.openxmlformats.org/officeDocument/2006/relationships" xmlns:p="http://schemas.openxmlformats.org/presentationml/2006/main">
   <p:cSld>
     <p:spTree>
@@ -9349,7 +9482,7 @@
           <a:p>
             <a:fld id="{DD194C9D-7DDB-4F26-A664-84C7039047D2}" type="slidenum">
               <a:rPr lang="ru-RU" smtClean="0"/>
-              <a:t>12</a:t>
+              <a:t>13</a:t>
             </a:fld>
             <a:endParaRPr lang="ru-RU"/>
           </a:p>
@@ -9397,7 +9530,7 @@
 </p:sld>
 </file>
 
-<file path=ppt/slides/slide13.xml><?xml version="1.0" encoding="utf-8"?>
+<file path=ppt/slides/slide14.xml><?xml version="1.0" encoding="utf-8"?>
 <p:sld xmlns:a="http://schemas.openxmlformats.org/drawingml/2006/main" xmlns:r="http://schemas.openxmlformats.org/officeDocument/2006/relationships" xmlns:p="http://schemas.openxmlformats.org/presentationml/2006/main">
   <p:cSld>
     <p:spTree>
@@ -9470,7 +9603,7 @@
           <a:p>
             <a:fld id="{DD194C9D-7DDB-4F26-A664-84C7039047D2}" type="slidenum">
               <a:rPr lang="ru-RU" smtClean="0"/>
-              <a:t>13</a:t>
+              <a:t>14</a:t>
             </a:fld>
             <a:endParaRPr lang="ru-RU"/>
           </a:p>
@@ -9518,7 +9651,7 @@
 </p:sld>
 </file>
 
-<file path=ppt/slides/slide14.xml><?xml version="1.0" encoding="utf-8"?>
+<file path=ppt/slides/slide15.xml><?xml version="1.0" encoding="utf-8"?>
 <p:sld xmlns:a="http://schemas.openxmlformats.org/drawingml/2006/main" xmlns:r="http://schemas.openxmlformats.org/officeDocument/2006/relationships" xmlns:p="http://schemas.openxmlformats.org/presentationml/2006/main">
   <p:cSld>
     <p:spTree>
@@ -9554,7 +9687,7 @@
           <a:p>
             <a:fld id="{DD194C9D-7DDB-4F26-A664-84C7039047D2}" type="slidenum">
               <a:rPr lang="ru-RU" smtClean="0"/>
-              <a:t>14</a:t>
+              <a:t>15</a:t>
             </a:fld>
             <a:endParaRPr lang="ru-RU"/>
           </a:p>
@@ -9602,7 +9735,7 @@
 </p:sld>
 </file>
 
-<file path=ppt/slides/slide15.xml><?xml version="1.0" encoding="utf-8"?>
+<file path=ppt/slides/slide16.xml><?xml version="1.0" encoding="utf-8"?>
 <p:sld xmlns:a="http://schemas.openxmlformats.org/drawingml/2006/main" xmlns:r="http://schemas.openxmlformats.org/officeDocument/2006/relationships" xmlns:p="http://schemas.openxmlformats.org/presentationml/2006/main">
   <p:cSld>
     <p:spTree>
@@ -9673,7 +9806,7 @@
           <a:p>
             <a:fld id="{DD194C9D-7DDB-4F26-A664-84C7039047D2}" type="slidenum">
               <a:rPr lang="ru-RU" smtClean="0"/>
-              <a:t>15</a:t>
+              <a:t>16</a:t>
             </a:fld>
             <a:endParaRPr lang="ru-RU"/>
           </a:p>
@@ -12243,8 +12376,8 @@
         </p:nvSpPr>
         <p:spPr>
           <a:xfrm>
-            <a:off x="838200" y="628900"/>
-            <a:ext cx="10515600" cy="767281"/>
+            <a:off x="751956" y="628900"/>
+            <a:ext cx="10515600" cy="639461"/>
           </a:xfrm>
         </p:spPr>
         <p:txBody>
@@ -12252,12 +12385,19 @@
           <a:lstStyle/>
           <a:p>
             <a:pPr algn="ctr"/>
+            <a:r>
+              <a:rPr lang="ru-RU" dirty="0" err="1" smtClean="0">
+                <a:latin typeface="Times New Roman" panose="02020603050405020304" pitchFamily="18" charset="0"/>
+                <a:cs typeface="Times New Roman" panose="02020603050405020304" pitchFamily="18" charset="0"/>
+              </a:rPr>
+              <a:t>ДВа</a:t>
+            </a:r>
             <a:r>
               <a:rPr lang="ru-RU" dirty="0" smtClean="0">
                 <a:latin typeface="Times New Roman" panose="02020603050405020304" pitchFamily="18" charset="0"/>
                 <a:cs typeface="Times New Roman" panose="02020603050405020304" pitchFamily="18" charset="0"/>
               </a:rPr>
-              <a:t>Используемый алгоритм обхода</a:t>
+              <a:t> подхода к описанию синтаксиса</a:t>
             </a:r>
             <a:endParaRPr lang="ru-RU" dirty="0">
               <a:latin typeface="Times New Roman" panose="02020603050405020304" pitchFamily="18" charset="0"/>
@@ -12299,8 +12439,8 @@
         </p:nvSpPr>
         <p:spPr>
           <a:xfrm>
-            <a:off x="966019" y="559885"/>
-            <a:ext cx="10515600" cy="523220"/>
+            <a:off x="325485" y="1395102"/>
+            <a:ext cx="4965080" cy="2677656"/>
           </a:xfrm>
           <a:prstGeom prst="rect">
             <a:avLst/>
@@ -12312,16 +12452,100 @@
           </a:bodyPr>
           <a:lstStyle/>
           <a:p>
-            <a:pPr algn="ctr"/>
-            <a:endParaRPr lang="en-US" sz="2800" dirty="0" smtClean="0">
-              <a:latin typeface="Arial Narrow" panose="020B0606020202030204" pitchFamily="34" charset="0"/>
-            </a:endParaRPr>
+            <a:pPr algn="just"/>
+            <a:r>
+              <a:rPr lang="ru-RU" sz="2800" dirty="0" smtClean="0">
+                <a:latin typeface="Times New Roman" panose="02020603050405020304" pitchFamily="18" charset="0"/>
+                <a:cs typeface="Times New Roman" panose="02020603050405020304" pitchFamily="18" charset="0"/>
+              </a:rPr>
+              <a:t>Грамматика зависимостей:</a:t>
+            </a:r>
+          </a:p>
+          <a:p>
+            <a:pPr marL="514350" indent="514350" algn="just">
+              <a:buAutoNum type="arabicParenR"/>
+            </a:pPr>
+            <a:r>
+              <a:rPr lang="ru-RU" sz="2800" dirty="0" smtClean="0">
+                <a:latin typeface="Times New Roman" panose="02020603050405020304" pitchFamily="18" charset="0"/>
+                <a:cs typeface="Times New Roman" panose="02020603050405020304" pitchFamily="18" charset="0"/>
+              </a:rPr>
+              <a:t>Предложение состоит из слов;</a:t>
+            </a:r>
+          </a:p>
+          <a:p>
+            <a:pPr marL="514350" indent="514350" algn="just">
+              <a:buAutoNum type="arabicParenR"/>
+            </a:pPr>
+            <a:r>
+              <a:rPr lang="ru-RU" sz="2800" dirty="0" smtClean="0">
+                <a:latin typeface="Times New Roman" panose="02020603050405020304" pitchFamily="18" charset="0"/>
+                <a:cs typeface="Times New Roman" panose="02020603050405020304" pitchFamily="18" charset="0"/>
+              </a:rPr>
+              <a:t>Устанавливает между словами отношение зависимости;</a:t>
+            </a:r>
+          </a:p>
+        </p:txBody>
+      </p:sp>
+      <p:sp>
+        <p:nvSpPr>
+          <p:cNvPr id="8" name="Прямоугольник 7"/>
+          <p:cNvSpPr/>
+          <p:nvPr/>
+        </p:nvSpPr>
+        <p:spPr>
+          <a:xfrm>
+            <a:off x="5908977" y="1268361"/>
+            <a:ext cx="5714688" cy="2246769"/>
+          </a:xfrm>
+          <a:prstGeom prst="rect">
+            <a:avLst/>
+          </a:prstGeom>
+        </p:spPr>
+        <p:txBody>
+          <a:bodyPr wrap="square">
+            <a:spAutoFit/>
+          </a:bodyPr>
+          <a:lstStyle/>
+          <a:p>
+            <a:pPr algn="just"/>
+            <a:r>
+              <a:rPr lang="ru-RU" sz="2800" dirty="0" smtClean="0">
+                <a:latin typeface="Times New Roman" panose="02020603050405020304" pitchFamily="18" charset="0"/>
+                <a:cs typeface="Times New Roman" panose="02020603050405020304" pitchFamily="18" charset="0"/>
+              </a:rPr>
+              <a:t>Непосредственные составляющие:</a:t>
+            </a:r>
+          </a:p>
+          <a:p>
+            <a:pPr marL="514350" indent="514350" algn="just">
+              <a:buAutoNum type="arabicParenR"/>
+            </a:pPr>
+            <a:r>
+              <a:rPr lang="ru-RU" sz="2800" dirty="0" smtClean="0">
+                <a:latin typeface="Times New Roman" panose="02020603050405020304" pitchFamily="18" charset="0"/>
+                <a:cs typeface="Times New Roman" panose="02020603050405020304" pitchFamily="18" charset="0"/>
+              </a:rPr>
+              <a:t>Предложение состоит из нескольких НС;</a:t>
+            </a:r>
+          </a:p>
+          <a:p>
+            <a:pPr marL="514350" indent="514350" algn="just">
+              <a:buAutoNum type="arabicParenR"/>
+            </a:pPr>
+            <a:r>
+              <a:rPr lang="ru-RU" sz="2800" dirty="0" smtClean="0">
+                <a:latin typeface="Times New Roman" panose="02020603050405020304" pitchFamily="18" charset="0"/>
+                <a:cs typeface="Times New Roman" panose="02020603050405020304" pitchFamily="18" charset="0"/>
+              </a:rPr>
+              <a:t>Каждое слово является компонентой НС;</a:t>
+            </a:r>
           </a:p>
         </p:txBody>
       </p:sp>
       <p:pic>
         <p:nvPicPr>
-          <p:cNvPr id="5" name="Рисунок 4"/>
+          <p:cNvPr id="9" name="Рисунок 8"/>
           <p:cNvPicPr/>
           <p:nvPr/>
         </p:nvPicPr>
@@ -12333,8 +12557,29 @@
         </p:blipFill>
         <p:spPr>
           <a:xfrm>
-            <a:off x="966019" y="2021881"/>
-            <a:ext cx="10515600" cy="3463111"/>
+            <a:off x="6960925" y="3515130"/>
+            <a:ext cx="3117139" cy="3075749"/>
+          </a:xfrm>
+          <a:prstGeom prst="rect">
+            <a:avLst/>
+          </a:prstGeom>
+        </p:spPr>
+      </p:pic>
+      <p:pic>
+        <p:nvPicPr>
+          <p:cNvPr id="10" name="Рисунок 9"/>
+          <p:cNvPicPr/>
+          <p:nvPr/>
+        </p:nvPicPr>
+        <p:blipFill rotWithShape="1">
+          <a:blip r:embed="rId3"/>
+          <a:srcRect l="47858"/>
+          <a:stretch/>
+        </p:blipFill>
+        <p:spPr>
+          <a:xfrm>
+            <a:off x="544297" y="4072758"/>
+            <a:ext cx="4527455" cy="2518121"/>
           </a:xfrm>
           <a:prstGeom prst="rect">
             <a:avLst/>
@@ -12344,7 +12589,7 @@
     </p:spTree>
     <p:extLst>
       <p:ext uri="{BB962C8B-B14F-4D97-AF65-F5344CB8AC3E}">
-        <p14:creationId xmlns:p14="http://schemas.microsoft.com/office/powerpoint/2010/main" val="1149593005"/>
+        <p14:creationId xmlns:p14="http://schemas.microsoft.com/office/powerpoint/2010/main" val="3790227266"/>
       </p:ext>
     </p:extLst>
   </p:cSld>
@@ -12404,7 +12649,7 @@
                 <a:latin typeface="Times New Roman" panose="02020603050405020304" pitchFamily="18" charset="0"/>
                 <a:cs typeface="Times New Roman" panose="02020603050405020304" pitchFamily="18" charset="0"/>
               </a:rPr>
-              <a:t>Используемый для СА подход</a:t>
+              <a:t>Используемый подход</a:t>
             </a:r>
             <a:endParaRPr lang="ru-RU" dirty="0">
               <a:latin typeface="Times New Roman" panose="02020603050405020304" pitchFamily="18" charset="0"/>
@@ -12489,7 +12734,7 @@
                 <a:latin typeface="Times New Roman" panose="02020603050405020304" pitchFamily="18" charset="0"/>
                 <a:cs typeface="Times New Roman" panose="02020603050405020304" pitchFamily="18" charset="0"/>
               </a:rPr>
-              <a:t>Позволяет обрабатывать разделённые словоформы;</a:t>
+              <a:t>Позволяет обрабатывать разделенные СГ;</a:t>
             </a:r>
             <a:endParaRPr lang="ru-RU" sz="2800" dirty="0">
               <a:latin typeface="Times New Roman" panose="02020603050405020304" pitchFamily="18" charset="0"/>
@@ -12525,7 +12770,7 @@
     </p:spTree>
     <p:extLst>
       <p:ext uri="{BB962C8B-B14F-4D97-AF65-F5344CB8AC3E}">
-        <p14:creationId xmlns:p14="http://schemas.microsoft.com/office/powerpoint/2010/main" val="3790227266"/>
+        <p14:creationId xmlns:p14="http://schemas.microsoft.com/office/powerpoint/2010/main" val="2533932343"/>
       </p:ext>
     </p:extLst>
   </p:cSld>
@@ -12571,48 +12816,46 @@
         </p:nvSpPr>
         <p:spPr>
           <a:xfrm>
-            <a:off x="838200" y="1"/>
-            <a:ext cx="10515600" cy="676910"/>
+            <a:off x="838200" y="628900"/>
+            <a:ext cx="10515600" cy="767281"/>
           </a:xfrm>
         </p:spPr>
+        <p:txBody>
+          <a:bodyPr/>
+          <a:lstStyle/>
+          <a:p>
+            <a:pPr algn="ctr"/>
+            <a:r>
+              <a:rPr lang="ru-RU" dirty="0" smtClean="0">
+                <a:latin typeface="Times New Roman" panose="02020603050405020304" pitchFamily="18" charset="0"/>
+                <a:cs typeface="Times New Roman" panose="02020603050405020304" pitchFamily="18" charset="0"/>
+              </a:rPr>
+              <a:t>Используемый алгоритм обхода</a:t>
+            </a:r>
+            <a:endParaRPr lang="ru-RU" dirty="0">
+              <a:latin typeface="Times New Roman" panose="02020603050405020304" pitchFamily="18" charset="0"/>
+              <a:cs typeface="Times New Roman" panose="02020603050405020304" pitchFamily="18" charset="0"/>
+            </a:endParaRPr>
+          </a:p>
+        </p:txBody>
+      </p:sp>
+      <p:sp>
+        <p:nvSpPr>
+          <p:cNvPr id="4" name="Номер слайда 3"/>
+          <p:cNvSpPr>
+            <a:spLocks noGrp="1"/>
+          </p:cNvSpPr>
+          <p:nvPr>
+            <p:ph type="sldNum" sz="quarter" idx="12"/>
+          </p:nvPr>
+        </p:nvSpPr>
+        <p:spPr/>
         <p:txBody>
           <a:bodyPr>
             <a:normAutofit/>
           </a:bodyPr>
           <a:lstStyle/>
           <a:p>
-            <a:pPr algn="ctr"/>
-            <a:r>
-              <a:rPr lang="ru-RU" dirty="0" smtClean="0">
-                <a:latin typeface="Times New Roman" panose="02020603050405020304" pitchFamily="18" charset="0"/>
-                <a:cs typeface="Times New Roman" panose="02020603050405020304" pitchFamily="18" charset="0"/>
-              </a:rPr>
-              <a:t>Инфологическая модель БД</a:t>
-            </a:r>
-            <a:endParaRPr lang="ru-RU" dirty="0">
-              <a:latin typeface="Times New Roman" panose="02020603050405020304" pitchFamily="18" charset="0"/>
-              <a:cs typeface="Times New Roman" panose="02020603050405020304" pitchFamily="18" charset="0"/>
-            </a:endParaRPr>
-          </a:p>
-        </p:txBody>
-      </p:sp>
-      <p:sp>
-        <p:nvSpPr>
-          <p:cNvPr id="4" name="Номер слайда 3"/>
-          <p:cNvSpPr>
-            <a:spLocks noGrp="1"/>
-          </p:cNvSpPr>
-          <p:nvPr>
-            <p:ph type="sldNum" sz="quarter" idx="12"/>
-          </p:nvPr>
-        </p:nvSpPr>
-        <p:spPr/>
-        <p:txBody>
-          <a:bodyPr>
-            <a:normAutofit/>
-          </a:bodyPr>
-          <a:lstStyle/>
-          <a:p>
             <a:fld id="{DD194C9D-7DDB-4F26-A664-84C7039047D2}" type="slidenum">
               <a:rPr lang="ru-RU" smtClean="0"/>
               <a:t>9</a:t>
@@ -12621,43 +12864,60 @@
           </a:p>
         </p:txBody>
       </p:sp>
+      <p:sp>
+        <p:nvSpPr>
+          <p:cNvPr id="6" name="Прямоугольник 5"/>
+          <p:cNvSpPr/>
+          <p:nvPr/>
+        </p:nvSpPr>
+        <p:spPr>
+          <a:xfrm>
+            <a:off x="966019" y="559885"/>
+            <a:ext cx="10515600" cy="523220"/>
+          </a:xfrm>
+          <a:prstGeom prst="rect">
+            <a:avLst/>
+          </a:prstGeom>
+        </p:spPr>
+        <p:txBody>
+          <a:bodyPr wrap="square">
+            <a:spAutoFit/>
+          </a:bodyPr>
+          <a:lstStyle/>
+          <a:p>
+            <a:pPr algn="ctr"/>
+            <a:endParaRPr lang="en-US" sz="2800" dirty="0" smtClean="0">
+              <a:latin typeface="Arial Narrow" panose="020B0606020202030204" pitchFamily="34" charset="0"/>
+            </a:endParaRPr>
+          </a:p>
+        </p:txBody>
+      </p:sp>
       <p:pic>
         <p:nvPicPr>
-          <p:cNvPr id="6" name="Рисунок 5" descr="D:\Artem\Documents\BMSTU\Диплом\Diploma\Infological.png"/>
+          <p:cNvPr id="5" name="Рисунок 4"/>
           <p:cNvPicPr/>
           <p:nvPr/>
         </p:nvPicPr>
         <p:blipFill>
-          <a:blip r:embed="rId2" cstate="print">
-            <a:extLst>
-              <a:ext uri="{28A0092B-C50C-407E-A947-70E740481C1C}">
-                <a14:useLocalDpi xmlns:a14="http://schemas.microsoft.com/office/drawing/2010/main" val="0"/>
-              </a:ext>
-            </a:extLst>
-          </a:blip>
-          <a:srcRect/>
+          <a:blip r:embed="rId2"/>
           <a:stretch>
             <a:fillRect/>
           </a:stretch>
         </p:blipFill>
-        <p:spPr bwMode="auto">
+        <p:spPr>
           <a:xfrm>
-            <a:off x="1660525" y="676910"/>
-            <a:ext cx="8870950" cy="6044565"/>
+            <a:off x="966019" y="2021881"/>
+            <a:ext cx="10515600" cy="3463111"/>
           </a:xfrm>
           <a:prstGeom prst="rect">
             <a:avLst/>
           </a:prstGeom>
-          <a:noFill/>
-          <a:ln>
-            <a:noFill/>
-          </a:ln>
         </p:spPr>
       </p:pic>
     </p:spTree>
     <p:extLst>
       <p:ext uri="{BB962C8B-B14F-4D97-AF65-F5344CB8AC3E}">
-        <p14:creationId xmlns:p14="http://schemas.microsoft.com/office/powerpoint/2010/main" val="603417336"/>
+        <p14:creationId xmlns:p14="http://schemas.microsoft.com/office/powerpoint/2010/main" val="1149593005"/>
       </p:ext>
     </p:extLst>
   </p:cSld>
